--- a/Presentation.pptx
+++ b/Presentation.pptx
@@ -3866,30 +3866,37 @@
         </p:spPr>
         <p:txBody>
           <a:bodyPr>
-            <a:normAutofit fontScale="85000" lnSpcReduction="20000"/>
+            <a:normAutofit fontScale="55000" lnSpcReduction="20000"/>
           </a:bodyPr>
           <a:lstStyle/>
           <a:p>
             <a:r>
-              <a:rPr lang="uk-UA" dirty="0"/>
-              <a:t>Виконав:</a:t>
-            </a:r>
-          </a:p>
-          <a:p>
-            <a:r>
-              <a:rPr lang="uk-UA" dirty="0" err="1"/>
-              <a:t>Шев’як</a:t>
-            </a:r>
-            <a:r>
-              <a:rPr lang="uk-UA" dirty="0"/>
-              <a:t> Іван</a:t>
-            </a:r>
-          </a:p>
-          <a:p>
-            <a:r>
-              <a:rPr lang="uk-UA" dirty="0"/>
-              <a:t>Група:</a:t>
-            </a:r>
+              <a:rPr lang="uk-UA" dirty="0" smtClean="0"/>
+              <a:t>МАГІСТЕРСЬКА РОБОТА СТУДЕНТА:</a:t>
+            </a:r>
+            <a:endParaRPr lang="uk-UA" dirty="0"/>
+          </a:p>
+          <a:p>
+            <a:r>
+              <a:rPr lang="uk-UA" dirty="0" err="1" smtClean="0"/>
+              <a:t>Шев’якА</a:t>
+            </a:r>
+            <a:r>
+              <a:rPr lang="uk-UA" dirty="0" smtClean="0"/>
+              <a:t> </a:t>
+            </a:r>
+            <a:r>
+              <a:rPr lang="uk-UA" dirty="0" err="1" smtClean="0"/>
+              <a:t>ІванА</a:t>
+            </a:r>
+            <a:endParaRPr lang="uk-UA" dirty="0"/>
+          </a:p>
+          <a:p>
+            <a:r>
+              <a:rPr lang="uk-UA" dirty="0" smtClean="0"/>
+              <a:t>Групи:</a:t>
+            </a:r>
+            <a:endParaRPr lang="uk-UA" dirty="0"/>
           </a:p>
           <a:p>
             <a:r>
@@ -3897,11 +3904,11 @@
               <a:t>ПМІМ-</a:t>
             </a:r>
             <a:r>
-              <a:rPr lang="en-US" smtClean="0"/>
+              <a:rPr lang="en-US" dirty="0" smtClean="0"/>
               <a:t>2</a:t>
             </a:r>
             <a:r>
-              <a:rPr lang="uk-UA" smtClean="0"/>
+              <a:rPr lang="uk-UA" dirty="0" smtClean="0"/>
               <a:t>1</a:t>
             </a:r>
             <a:endParaRPr lang="uk-UA" dirty="0"/>
@@ -3910,7 +3917,15 @@
             <a:pPr algn="r"/>
             <a:r>
               <a:rPr lang="uk-UA" dirty="0" smtClean="0"/>
-              <a:t>НАУКОВИЙ Керівник   </a:t>
+              <a:t>НАУКОВИЙ Керівник </a:t>
+            </a:r>
+            <a:endParaRPr lang="uk-UA" dirty="0" smtClean="0"/>
+          </a:p>
+          <a:p>
+            <a:pPr algn="r"/>
+            <a:r>
+              <a:rPr lang="uk-UA" dirty="0" smtClean="0"/>
+              <a:t>  </a:t>
             </a:r>
             <a:r>
               <a:rPr lang="uk-UA" dirty="0"/>
@@ -3969,6 +3984,96 @@
           </a:ln>
         </p:spPr>
       </p:pic>
+      <p:sp>
+        <p:nvSpPr>
+          <p:cNvPr id="2" name="TextBox 1"/>
+          <p:cNvSpPr txBox="1"/>
+          <p:nvPr/>
+        </p:nvSpPr>
+        <p:spPr>
+          <a:xfrm>
+            <a:off x="1944210" y="-230819"/>
+            <a:ext cx="7492753" cy="1754326"/>
+          </a:xfrm>
+          <a:prstGeom prst="rect">
+            <a:avLst/>
+          </a:prstGeom>
+          <a:noFill/>
+        </p:spPr>
+        <p:txBody>
+          <a:bodyPr wrap="square" rtlCol="0">
+            <a:spAutoFit/>
+          </a:bodyPr>
+          <a:lstStyle/>
+          <a:p>
+            <a:pPr algn="ctr"/>
+            <a:r>
+              <a:rPr lang="ru-RU" dirty="0"/>
+              <a:t>﻿</a:t>
+            </a:r>
+          </a:p>
+          <a:p>
+            <a:pPr algn="ctr"/>
+            <a:endParaRPr lang="ru-RU" dirty="0"/>
+          </a:p>
+          <a:p>
+            <a:pPr algn="ctr"/>
+            <a:r>
+              <a:rPr lang="ru-RU" dirty="0"/>
+              <a:t>МІНІСТЕРСТВО ОСВІТИ І НАУКИ </a:t>
+            </a:r>
+            <a:r>
+              <a:rPr lang="ru-RU" dirty="0" smtClean="0"/>
+              <a:t>УКРАЇНИ</a:t>
+            </a:r>
+            <a:endParaRPr lang="ru-RU" dirty="0"/>
+          </a:p>
+          <a:p>
+            <a:pPr algn="ctr"/>
+            <a:r>
+              <a:rPr lang="ru-RU" dirty="0"/>
+              <a:t>ЛЬВІВСЬКИЙ НАЦІОНАЛЬНИЙ УНІВЕРСИТЕТ ІМЕНІ ІВАНА ФРАНКА </a:t>
+            </a:r>
+            <a:endParaRPr lang="ru-RU" dirty="0" smtClean="0"/>
+          </a:p>
+          <a:p>
+            <a:pPr algn="ctr"/>
+            <a:r>
+              <a:rPr lang="ru-RU" dirty="0" smtClean="0"/>
+              <a:t>Факультет </a:t>
+            </a:r>
+            <a:r>
+              <a:rPr lang="ru-RU" dirty="0" err="1"/>
+              <a:t>прикладної</a:t>
+            </a:r>
+            <a:r>
+              <a:rPr lang="ru-RU" dirty="0"/>
+              <a:t> математики та </a:t>
+            </a:r>
+            <a:r>
+              <a:rPr lang="ru-RU" dirty="0" err="1" smtClean="0"/>
+              <a:t>інформатики</a:t>
+            </a:r>
+            <a:endParaRPr lang="ru-RU" dirty="0" smtClean="0"/>
+          </a:p>
+          <a:p>
+            <a:pPr algn="ctr"/>
+            <a:r>
+              <a:rPr lang="ru-RU" dirty="0" smtClean="0"/>
+              <a:t> </a:t>
+            </a:r>
+            <a:r>
+              <a:rPr lang="ru-RU" dirty="0"/>
+              <a:t>Кафедра </a:t>
+            </a:r>
+            <a:r>
+              <a:rPr lang="ru-RU" dirty="0" err="1"/>
+              <a:t>програмування</a:t>
+            </a:r>
+            <a:endParaRPr lang="uk-UA" dirty="0"/>
+          </a:p>
+        </p:txBody>
+      </p:sp>
     </p:spTree>
     <p:extLst>
       <p:ext uri="{BB962C8B-B14F-4D97-AF65-F5344CB8AC3E}">
@@ -3979,6 +4084,9 @@
   <p:clrMapOvr>
     <a:masterClrMapping/>
   </p:clrMapOvr>
+  <p:transition spd="slow">
+    <p:push dir="u"/>
+  </p:transition>
   <p:timing>
     <p:tnLst>
       <p:par>
@@ -4126,6 +4234,9 @@
   <p:clrMapOvr>
     <a:masterClrMapping/>
   </p:clrMapOvr>
+  <p:transition spd="slow">
+    <p:push dir="u"/>
+  </p:transition>
   <p:timing>
     <p:tnLst>
       <p:par>
@@ -4274,6 +4385,9 @@
   <p:clrMapOvr>
     <a:masterClrMapping/>
   </p:clrMapOvr>
+  <p:transition spd="slow">
+    <p:push dir="u"/>
+  </p:transition>
   <p:timing>
     <p:tnLst>
       <p:par>
@@ -4398,15 +4512,15 @@
   <p:clrMapOvr>
     <a:masterClrMapping/>
   </p:clrMapOvr>
-  <mc:AlternateContent xmlns:mc="http://schemas.openxmlformats.org/markup-compatibility/2006" xmlns:p14="http://schemas.microsoft.com/office/powerpoint/2010/main">
-    <mc:Choice Requires="p14">
-      <p:transition spd="slow" p14:dur="1500">
-        <p:random/>
+  <mc:AlternateContent xmlns:mc="http://schemas.openxmlformats.org/markup-compatibility/2006">
+    <mc:Choice xmlns:p14="http://schemas.microsoft.com/office/powerpoint/2010/main" Requires="p14">
+      <p:transition spd="slow" p14:dur="1300">
+        <p14:pan dir="u"/>
       </p:transition>
     </mc:Choice>
-    <mc:Fallback xmlns="">
+    <mc:Fallback>
       <p:transition spd="slow">
-        <p:random/>
+        <p:fade/>
       </p:transition>
     </mc:Fallback>
   </mc:AlternateContent>
@@ -4579,8 +4693,20 @@
               <a:t>K- </a:t>
             </a:r>
             <a:r>
+              <a:rPr lang="uk-UA" smtClean="0"/>
+              <a:t>ціна </a:t>
+            </a:r>
+            <a:r>
+              <a:rPr lang="uk-UA" smtClean="0"/>
+              <a:t>страйку (</a:t>
+            </a:r>
+            <a:r>
               <a:rPr lang="uk-UA" dirty="0" smtClean="0"/>
-              <a:t>ціна страйку(ціна виконання опціону</a:t>
+              <a:t>ціна </a:t>
+            </a:r>
+            <a:r>
+              <a:rPr lang="uk-UA" dirty="0" smtClean="0"/>
+              <a:t>виконання опціону</a:t>
             </a:r>
             <a:r>
               <a:rPr lang="ru-RU" dirty="0" smtClean="0"/>
@@ -4660,8 +4786,8 @@
               <a:t>використати </a:t>
             </a:r>
             <a:r>
-              <a:rPr lang="uk-UA" dirty="0"/>
-              <a:t>можливість(</a:t>
+              <a:rPr lang="uk-UA" dirty="0" smtClean="0"/>
+              <a:t>можливість (</a:t>
             </a:r>
             <a:r>
               <a:rPr lang="uk-UA" b="1" dirty="0"/>
@@ -4744,15 +4870,15 @@
   <p:clrMapOvr>
     <a:masterClrMapping/>
   </p:clrMapOvr>
-  <mc:AlternateContent xmlns:mc="http://schemas.openxmlformats.org/markup-compatibility/2006" xmlns:p14="http://schemas.microsoft.com/office/powerpoint/2010/main">
-    <mc:Choice Requires="p14">
-      <p:transition spd="slow" p14:dur="1500">
-        <p:random/>
+  <mc:AlternateContent xmlns:mc="http://schemas.openxmlformats.org/markup-compatibility/2006">
+    <mc:Choice xmlns:p14="http://schemas.microsoft.com/office/powerpoint/2010/main" Requires="p14">
+      <p:transition spd="slow" p14:dur="1300">
+        <p14:pan dir="u"/>
       </p:transition>
     </mc:Choice>
-    <mc:Fallback xmlns="">
+    <mc:Fallback>
       <p:transition spd="slow">
-        <p:random/>
+        <p:fade/>
       </p:transition>
     </mc:Fallback>
   </mc:AlternateContent>
@@ -5501,15 +5627,15 @@
   <p:clrMapOvr>
     <a:masterClrMapping/>
   </p:clrMapOvr>
-  <mc:AlternateContent xmlns:mc="http://schemas.openxmlformats.org/markup-compatibility/2006" xmlns:p14="http://schemas.microsoft.com/office/powerpoint/2010/main">
-    <mc:Choice Requires="p14">
-      <p:transition spd="slow" p14:dur="1500">
-        <p:random/>
+  <mc:AlternateContent xmlns:mc="http://schemas.openxmlformats.org/markup-compatibility/2006">
+    <mc:Choice xmlns:p14="http://schemas.microsoft.com/office/powerpoint/2010/main" Requires="p14">
+      <p:transition spd="slow" p14:dur="1300">
+        <p14:pan dir="u"/>
       </p:transition>
     </mc:Choice>
-    <mc:Fallback xmlns="">
+    <mc:Fallback>
       <p:transition spd="slow">
-        <p:random/>
+        <p:fade/>
       </p:transition>
     </mc:Fallback>
   </mc:AlternateContent>
@@ -6839,15 +6965,15 @@
   <p:clrMapOvr>
     <a:masterClrMapping/>
   </p:clrMapOvr>
-  <mc:AlternateContent xmlns:mc="http://schemas.openxmlformats.org/markup-compatibility/2006" xmlns:p14="http://schemas.microsoft.com/office/powerpoint/2010/main">
-    <mc:Choice Requires="p14">
-      <p:transition spd="slow" p14:dur="1500">
-        <p:random/>
+  <mc:AlternateContent xmlns:mc="http://schemas.openxmlformats.org/markup-compatibility/2006">
+    <mc:Choice xmlns:p14="http://schemas.microsoft.com/office/powerpoint/2010/main" Requires="p14">
+      <p:transition spd="slow" p14:dur="1300">
+        <p14:pan dir="u"/>
       </p:transition>
     </mc:Choice>
-    <mc:Fallback xmlns="">
+    <mc:Fallback>
       <p:transition spd="slow">
-        <p:random/>
+        <p:fade/>
       </p:transition>
     </mc:Fallback>
   </mc:AlternateContent>
@@ -7364,6 +7490,9 @@
   <p:clrMapOvr>
     <a:masterClrMapping/>
   </p:clrMapOvr>
+  <p:transition spd="slow">
+    <p:push dir="u"/>
+  </p:transition>
   <p:timing>
     <p:tnLst>
       <p:par>
@@ -7915,6 +8044,9 @@
   <p:clrMapOvr>
     <a:masterClrMapping/>
   </p:clrMapOvr>
+  <p:transition spd="slow">
+    <p:push dir="u"/>
+  </p:transition>
   <p:timing>
     <p:tnLst>
       <p:par>
@@ -9617,15 +9749,15 @@
   <p:clrMapOvr>
     <a:masterClrMapping/>
   </p:clrMapOvr>
-  <mc:AlternateContent xmlns:mc="http://schemas.openxmlformats.org/markup-compatibility/2006" xmlns:p14="http://schemas.microsoft.com/office/powerpoint/2010/main">
-    <mc:Choice Requires="p14">
-      <p:transition spd="slow" p14:dur="1500">
-        <p:random/>
+  <mc:AlternateContent xmlns:mc="http://schemas.openxmlformats.org/markup-compatibility/2006">
+    <mc:Choice xmlns:p14="http://schemas.microsoft.com/office/powerpoint/2010/main" Requires="p14">
+      <p:transition spd="slow" p14:dur="1300">
+        <p14:pan dir="u"/>
       </p:transition>
     </mc:Choice>
-    <mc:Fallback xmlns="">
+    <mc:Fallback>
       <p:transition spd="slow">
-        <p:random/>
+        <p:fade/>
       </p:transition>
     </mc:Fallback>
   </mc:AlternateContent>
@@ -9815,6 +9947,9 @@
   <p:clrMapOvr>
     <a:masterClrMapping/>
   </p:clrMapOvr>
+  <p:transition spd="slow">
+    <p:push dir="u"/>
+  </p:transition>
   <p:timing>
     <p:tnLst>
       <p:par>
@@ -10018,6 +10153,9 @@
   <p:clrMapOvr>
     <a:masterClrMapping/>
   </p:clrMapOvr>
+  <p:transition spd="slow">
+    <p:push dir="u"/>
+  </p:transition>
   <p:timing>
     <p:tnLst>
       <p:par>

--- a/Presentation.pptx
+++ b/Presentation.pptx
@@ -7,15 +7,15 @@
   <p:sldIdLst>
     <p:sldId id="256" r:id="rId2"/>
     <p:sldId id="257" r:id="rId3"/>
-    <p:sldId id="258" r:id="rId4"/>
-    <p:sldId id="259" r:id="rId5"/>
-    <p:sldId id="263" r:id="rId6"/>
-    <p:sldId id="264" r:id="rId7"/>
-    <p:sldId id="261" r:id="rId8"/>
-    <p:sldId id="265" r:id="rId9"/>
-    <p:sldId id="266" r:id="rId10"/>
-    <p:sldId id="267" r:id="rId11"/>
-    <p:sldId id="268" r:id="rId12"/>
+    <p:sldId id="269" r:id="rId4"/>
+    <p:sldId id="258" r:id="rId5"/>
+    <p:sldId id="259" r:id="rId6"/>
+    <p:sldId id="263" r:id="rId7"/>
+    <p:sldId id="264" r:id="rId8"/>
+    <p:sldId id="261" r:id="rId9"/>
+    <p:sldId id="265" r:id="rId10"/>
+    <p:sldId id="266" r:id="rId11"/>
+    <p:sldId id="267" r:id="rId12"/>
     <p:sldId id="262" r:id="rId13"/>
   </p:sldIdLst>
   <p:sldSz cx="12192000" cy="6858000"/>
@@ -349,7 +349,7 @@
           <a:p>
             <a:fld id="{9967E3AF-5504-4D43-8EDC-36E9CEB48AE7}" type="datetimeFigureOut">
               <a:rPr lang="uk-UA" smtClean="0"/>
-              <a:t>01.12.2023</a:t>
+              <a:t>13.12.2023</a:t>
             </a:fld>
             <a:endParaRPr lang="uk-UA"/>
           </a:p>
@@ -557,7 +557,7 @@
           <a:p>
             <a:fld id="{9967E3AF-5504-4D43-8EDC-36E9CEB48AE7}" type="datetimeFigureOut">
               <a:rPr lang="uk-UA" smtClean="0"/>
-              <a:t>01.12.2023</a:t>
+              <a:t>13.12.2023</a:t>
             </a:fld>
             <a:endParaRPr lang="uk-UA"/>
           </a:p>
@@ -813,7 +813,7 @@
           <a:p>
             <a:fld id="{9967E3AF-5504-4D43-8EDC-36E9CEB48AE7}" type="datetimeFigureOut">
               <a:rPr lang="uk-UA" smtClean="0"/>
-              <a:t>01.12.2023</a:t>
+              <a:t>13.12.2023</a:t>
             </a:fld>
             <a:endParaRPr lang="uk-UA"/>
           </a:p>
@@ -987,7 +987,7 @@
           <a:p>
             <a:fld id="{9967E3AF-5504-4D43-8EDC-36E9CEB48AE7}" type="datetimeFigureOut">
               <a:rPr lang="uk-UA" smtClean="0"/>
-              <a:t>01.12.2023</a:t>
+              <a:t>13.12.2023</a:t>
             </a:fld>
             <a:endParaRPr lang="uk-UA"/>
           </a:p>
@@ -1330,7 +1330,7 @@
           <a:p>
             <a:fld id="{9967E3AF-5504-4D43-8EDC-36E9CEB48AE7}" type="datetimeFigureOut">
               <a:rPr lang="uk-UA" smtClean="0"/>
-              <a:t>01.12.2023</a:t>
+              <a:t>13.12.2023</a:t>
             </a:fld>
             <a:endParaRPr lang="uk-UA"/>
           </a:p>
@@ -1605,7 +1605,7 @@
           <a:p>
             <a:fld id="{9967E3AF-5504-4D43-8EDC-36E9CEB48AE7}" type="datetimeFigureOut">
               <a:rPr lang="uk-UA" smtClean="0"/>
-              <a:t>01.12.2023</a:t>
+              <a:t>13.12.2023</a:t>
             </a:fld>
             <a:endParaRPr lang="uk-UA"/>
           </a:p>
@@ -1984,7 +1984,7 @@
           <a:p>
             <a:fld id="{9967E3AF-5504-4D43-8EDC-36E9CEB48AE7}" type="datetimeFigureOut">
               <a:rPr lang="uk-UA" smtClean="0"/>
-              <a:t>01.12.2023</a:t>
+              <a:t>13.12.2023</a:t>
             </a:fld>
             <a:endParaRPr lang="uk-UA"/>
           </a:p>
@@ -2102,7 +2102,7 @@
           <a:p>
             <a:fld id="{9967E3AF-5504-4D43-8EDC-36E9CEB48AE7}" type="datetimeFigureOut">
               <a:rPr lang="uk-UA" smtClean="0"/>
-              <a:t>01.12.2023</a:t>
+              <a:t>13.12.2023</a:t>
             </a:fld>
             <a:endParaRPr lang="uk-UA"/>
           </a:p>
@@ -2273,7 +2273,7 @@
           <a:p>
             <a:fld id="{9967E3AF-5504-4D43-8EDC-36E9CEB48AE7}" type="datetimeFigureOut">
               <a:rPr lang="uk-UA" smtClean="0"/>
-              <a:t>01.12.2023</a:t>
+              <a:t>13.12.2023</a:t>
             </a:fld>
             <a:endParaRPr lang="uk-UA"/>
           </a:p>
@@ -2627,7 +2627,7 @@
           <a:p>
             <a:fld id="{9967E3AF-5504-4D43-8EDC-36E9CEB48AE7}" type="datetimeFigureOut">
               <a:rPr lang="uk-UA" smtClean="0"/>
-              <a:t>01.12.2023</a:t>
+              <a:t>13.12.2023</a:t>
             </a:fld>
             <a:endParaRPr lang="uk-UA"/>
           </a:p>
@@ -3009,7 +3009,7 @@
           <a:p>
             <a:fld id="{9967E3AF-5504-4D43-8EDC-36E9CEB48AE7}" type="datetimeFigureOut">
               <a:rPr lang="uk-UA" smtClean="0"/>
-              <a:t>01.12.2023</a:t>
+              <a:t>13.12.2023</a:t>
             </a:fld>
             <a:endParaRPr lang="uk-UA"/>
           </a:p>
@@ -3296,7 +3296,7 @@
           <a:p>
             <a:fld id="{9967E3AF-5504-4D43-8EDC-36E9CEB48AE7}" type="datetimeFigureOut">
               <a:rPr lang="uk-UA" smtClean="0"/>
-              <a:t>01.12.2023</a:t>
+              <a:t>13.12.2023</a:t>
             </a:fld>
             <a:endParaRPr lang="uk-UA"/>
           </a:p>
@@ -3919,7 +3919,6 @@
               <a:rPr lang="uk-UA" dirty="0" smtClean="0"/>
               <a:t>НАУКОВИЙ Керівник </a:t>
             </a:r>
-            <a:endParaRPr lang="uk-UA" dirty="0" smtClean="0"/>
           </a:p>
           <a:p>
             <a:pPr algn="r"/>
@@ -4179,8 +4178,8 @@
         </p:nvSpPr>
         <p:spPr>
           <a:xfrm>
-            <a:off x="1610557" y="43821"/>
-            <a:ext cx="2664576" cy="707886"/>
+            <a:off x="1686757" y="742885"/>
+            <a:ext cx="3240118" cy="707886"/>
           </a:xfrm>
           <a:prstGeom prst="rect">
             <a:avLst/>
@@ -4194,10 +4193,65 @@
           <a:lstStyle/>
           <a:p>
             <a:r>
+              <a:rPr lang="en-US" sz="4000" dirty="0" smtClean="0"/>
+              <a:t>Yahoo finance</a:t>
+            </a:r>
+            <a:r>
               <a:rPr lang="uk-UA" sz="4000" dirty="0" smtClean="0"/>
-              <a:t>Результати:</a:t>
+              <a:t>:</a:t>
             </a:r>
             <a:endParaRPr lang="uk-UA" sz="4000" dirty="0"/>
+          </a:p>
+        </p:txBody>
+      </p:sp>
+      <p:sp>
+        <p:nvSpPr>
+          <p:cNvPr id="13" name="TextBox 12"/>
+          <p:cNvSpPr txBox="1"/>
+          <p:nvPr/>
+        </p:nvSpPr>
+        <p:spPr>
+          <a:xfrm>
+            <a:off x="1686758" y="2423602"/>
+            <a:ext cx="3189524" cy="2031325"/>
+          </a:xfrm>
+          <a:prstGeom prst="rect">
+            <a:avLst/>
+          </a:prstGeom>
+          <a:noFill/>
+        </p:spPr>
+        <p:txBody>
+          <a:bodyPr wrap="square" rtlCol="0">
+            <a:spAutoFit/>
+          </a:bodyPr>
+          <a:lstStyle/>
+          <a:p>
+            <a:r>
+              <a:rPr lang="uk-UA" dirty="0" smtClean="0"/>
+              <a:t>Для порівняння реалізованих моделей використовується загальнодоступна платформа</a:t>
+            </a:r>
+          </a:p>
+          <a:p>
+            <a:r>
+              <a:rPr lang="en-US" dirty="0"/>
+              <a:t>Yahoo </a:t>
+            </a:r>
+            <a:r>
+              <a:rPr lang="en-US" dirty="0" smtClean="0"/>
+              <a:t>finance</a:t>
+            </a:r>
+            <a:r>
+              <a:rPr lang="uk-UA" dirty="0" smtClean="0"/>
+              <a:t/>
+            </a:r>
+            <a:br>
+              <a:rPr lang="uk-UA" dirty="0" smtClean="0"/>
+            </a:br>
+            <a:r>
+              <a:rPr lang="uk-UA" dirty="0" smtClean="0"/>
+              <a:t>вона дає інформацію про укладені опціони на своїй платформі.</a:t>
+            </a:r>
+            <a:endParaRPr lang="uk-UA" dirty="0"/>
           </a:p>
         </p:txBody>
       </p:sp>
@@ -4209,15 +4263,16 @@
           </p:cNvPicPr>
           <p:nvPr/>
         </p:nvPicPr>
-        <p:blipFill rotWithShape="1">
+        <p:blipFill>
           <a:blip r:embed="rId4"/>
-          <a:srcRect r="24908"/>
-          <a:stretch/>
+          <a:stretch>
+            <a:fillRect/>
+          </a:stretch>
         </p:blipFill>
         <p:spPr>
           <a:xfrm>
-            <a:off x="1890295" y="674306"/>
-            <a:ext cx="9146005" cy="5509387"/>
+            <a:off x="4876296" y="1455204"/>
+            <a:ext cx="7315704" cy="4715482"/>
           </a:xfrm>
           <a:prstGeom prst="rect">
             <a:avLst/>
@@ -4227,7 +4282,7 @@
     </p:spTree>
     <p:extLst>
       <p:ext uri="{BB962C8B-B14F-4D97-AF65-F5344CB8AC3E}">
-        <p14:creationId xmlns:p14="http://schemas.microsoft.com/office/powerpoint/2010/main" val="2428487630"/>
+        <p14:creationId xmlns:p14="http://schemas.microsoft.com/office/powerpoint/2010/main" val="1091253663"/>
       </p:ext>
     </p:extLst>
   </p:cSld>
@@ -4329,7 +4384,7 @@
         </p:nvSpPr>
         <p:spPr>
           <a:xfrm>
-            <a:off x="1635957" y="17500"/>
+            <a:off x="1610557" y="43821"/>
             <a:ext cx="2664576" cy="707886"/>
           </a:xfrm>
           <a:prstGeom prst="rect">
@@ -4353,22 +4408,44 @@
       </p:sp>
       <p:pic>
         <p:nvPicPr>
-          <p:cNvPr id="3" name="Рисунок 2"/>
+          <p:cNvPr id="6" name="Рисунок 5"/>
           <p:cNvPicPr>
             <a:picLocks noChangeAspect="1"/>
           </p:cNvPicPr>
           <p:nvPr/>
         </p:nvPicPr>
-        <p:blipFill>
+        <p:blipFill rotWithShape="1">
           <a:blip r:embed="rId4"/>
-          <a:stretch>
-            <a:fillRect/>
-          </a:stretch>
+          <a:srcRect l="58287" t="54748" r="25021" b="-402"/>
+          <a:stretch/>
         </p:blipFill>
         <p:spPr>
           <a:xfrm>
-            <a:off x="1750594" y="590278"/>
-            <a:ext cx="9031705" cy="5677444"/>
+            <a:off x="10095483" y="2374900"/>
+            <a:ext cx="2033018" cy="2515229"/>
+          </a:xfrm>
+          <a:prstGeom prst="rect">
+            <a:avLst/>
+          </a:prstGeom>
+        </p:spPr>
+      </p:pic>
+      <p:pic>
+        <p:nvPicPr>
+          <p:cNvPr id="9" name="Рисунок 8"/>
+          <p:cNvPicPr>
+            <a:picLocks noChangeAspect="1"/>
+          </p:cNvPicPr>
+          <p:nvPr/>
+        </p:nvPicPr>
+        <p:blipFill rotWithShape="1">
+          <a:blip r:embed="rId4"/>
+          <a:srcRect t="74550" r="66721"/>
+          <a:stretch/>
+        </p:blipFill>
+        <p:spPr>
+          <a:xfrm>
+            <a:off x="1283149" y="2000250"/>
+            <a:ext cx="8749333" cy="3026621"/>
           </a:xfrm>
           <a:prstGeom prst="rect">
             <a:avLst/>
@@ -4378,7 +4455,7 @@
     </p:spTree>
     <p:extLst>
       <p:ext uri="{BB962C8B-B14F-4D97-AF65-F5344CB8AC3E}">
-        <p14:creationId xmlns:p14="http://schemas.microsoft.com/office/powerpoint/2010/main" val="993781046"/>
+        <p14:creationId xmlns:p14="http://schemas.microsoft.com/office/powerpoint/2010/main" val="2428487630"/>
       </p:ext>
     </p:extLst>
   </p:cSld>
@@ -4512,13 +4589,13 @@
   <p:clrMapOvr>
     <a:masterClrMapping/>
   </p:clrMapOvr>
-  <mc:AlternateContent xmlns:mc="http://schemas.openxmlformats.org/markup-compatibility/2006">
-    <mc:Choice xmlns:p14="http://schemas.microsoft.com/office/powerpoint/2010/main" Requires="p14">
+  <mc:AlternateContent xmlns:mc="http://schemas.openxmlformats.org/markup-compatibility/2006" xmlns:p14="http://schemas.microsoft.com/office/powerpoint/2010/main">
+    <mc:Choice Requires="p14">
       <p:transition spd="slow" p14:dur="1300">
         <p14:pan dir="u"/>
       </p:transition>
     </mc:Choice>
-    <mc:Fallback>
+    <mc:Fallback xmlns="">
       <p:transition spd="slow">
         <p:fade/>
       </p:transition>
@@ -4535,6 +4612,138 @@
 </file>
 
 <file path=ppt/slides/slide2.xml><?xml version="1.0" encoding="utf-8"?>
+<p:sld xmlns:a="http://schemas.openxmlformats.org/drawingml/2006/main" xmlns:r="http://schemas.openxmlformats.org/officeDocument/2006/relationships" xmlns:p="http://schemas.openxmlformats.org/presentationml/2006/main">
+  <p:cSld>
+    <p:spTree>
+      <p:nvGrpSpPr>
+        <p:cNvPr id="1" name=""/>
+        <p:cNvGrpSpPr/>
+        <p:nvPr/>
+      </p:nvGrpSpPr>
+      <p:grpSpPr>
+        <a:xfrm>
+          <a:off x="0" y="0"/>
+          <a:ext cx="0" cy="0"/>
+          <a:chOff x="0" y="0"/>
+          <a:chExt cx="0" cy="0"/>
+        </a:xfrm>
+      </p:grpSpPr>
+      <p:pic>
+        <p:nvPicPr>
+          <p:cNvPr id="5" name="Google Shape;69;p2"/>
+          <p:cNvPicPr preferRelativeResize="0"/>
+          <p:nvPr/>
+        </p:nvPicPr>
+        <p:blipFill rotWithShape="1">
+          <a:blip r:embed="rId2">
+            <a:alphaModFix/>
+          </a:blip>
+          <a:srcRect/>
+          <a:stretch/>
+        </p:blipFill>
+        <p:spPr>
+          <a:xfrm>
+            <a:off x="9" y="0"/>
+            <a:ext cx="1331486" cy="6858000"/>
+          </a:xfrm>
+          <a:prstGeom prst="rect">
+            <a:avLst/>
+          </a:prstGeom>
+          <a:solidFill>
+            <a:srgbClr val="FFC000"/>
+          </a:solidFill>
+          <a:ln>
+            <a:noFill/>
+          </a:ln>
+        </p:spPr>
+      </p:pic>
+      <p:pic>
+        <p:nvPicPr>
+          <p:cNvPr id="6" name="Google Shape;74;p2"/>
+          <p:cNvPicPr preferRelativeResize="0"/>
+          <p:nvPr/>
+        </p:nvPicPr>
+        <p:blipFill>
+          <a:blip r:embed="rId3">
+            <a:alphaModFix/>
+          </a:blip>
+          <a:stretch>
+            <a:fillRect/>
+          </a:stretch>
+        </p:blipFill>
+        <p:spPr>
+          <a:xfrm>
+            <a:off x="0" y="173300"/>
+            <a:ext cx="1331510" cy="1261808"/>
+          </a:xfrm>
+          <a:prstGeom prst="rect">
+            <a:avLst/>
+          </a:prstGeom>
+          <a:noFill/>
+          <a:ln>
+            <a:noFill/>
+          </a:ln>
+        </p:spPr>
+      </p:pic>
+      <p:pic>
+        <p:nvPicPr>
+          <p:cNvPr id="7" name="Объект 6"/>
+          <p:cNvPicPr>
+            <a:picLocks noGrp="1" noChangeAspect="1"/>
+          </p:cNvPicPr>
+          <p:nvPr>
+            <p:ph idx="1"/>
+          </p:nvPr>
+        </p:nvPicPr>
+        <p:blipFill>
+          <a:blip r:embed="rId4"/>
+          <a:stretch>
+            <a:fillRect/>
+          </a:stretch>
+        </p:blipFill>
+        <p:spPr>
+          <a:xfrm>
+            <a:off x="2160061" y="55983"/>
+            <a:ext cx="7904559" cy="6077235"/>
+          </a:xfrm>
+          <a:prstGeom prst="rect">
+            <a:avLst/>
+          </a:prstGeom>
+        </p:spPr>
+      </p:pic>
+    </p:spTree>
+    <p:extLst>
+      <p:ext uri="{BB962C8B-B14F-4D97-AF65-F5344CB8AC3E}">
+        <p14:creationId xmlns:p14="http://schemas.microsoft.com/office/powerpoint/2010/main" val="2338165707"/>
+      </p:ext>
+    </p:extLst>
+  </p:cSld>
+  <p:clrMapOvr>
+    <a:masterClrMapping/>
+  </p:clrMapOvr>
+  <mc:AlternateContent xmlns:mc="http://schemas.openxmlformats.org/markup-compatibility/2006" xmlns:p14="http://schemas.microsoft.com/office/powerpoint/2010/main">
+    <mc:Choice Requires="p14">
+      <p:transition spd="slow" p14:dur="1300">
+        <p14:pan dir="u"/>
+      </p:transition>
+    </mc:Choice>
+    <mc:Fallback xmlns="">
+      <p:transition spd="slow">
+        <p:fade/>
+      </p:transition>
+    </mc:Fallback>
+  </mc:AlternateContent>
+  <p:timing>
+    <p:tnLst>
+      <p:par>
+        <p:cTn id="1" dur="indefinite" restart="never" nodeType="tmRoot"/>
+      </p:par>
+    </p:tnLst>
+  </p:timing>
+</p:sld>
+</file>
+
+<file path=ppt/slides/slide3.xml><?xml version="1.0" encoding="utf-8"?>
 <p:sld xmlns:a="http://schemas.openxmlformats.org/drawingml/2006/main" xmlns:r="http://schemas.openxmlformats.org/officeDocument/2006/relationships" xmlns:p="http://schemas.openxmlformats.org/presentationml/2006/main">
   <p:cSld>
     <p:spTree>
@@ -4660,8 +4869,8 @@
         </p:nvSpPr>
         <p:spPr>
           <a:xfrm>
-            <a:off x="1527566" y="1646864"/>
-            <a:ext cx="8596668" cy="4697411"/>
+            <a:off x="6400672" y="1799263"/>
+            <a:ext cx="5296549" cy="2735415"/>
           </a:xfrm>
         </p:spPr>
         <p:txBody>
@@ -4669,164 +4878,21 @@
           <a:lstStyle/>
           <a:p>
             <a:r>
-              <a:rPr lang="en-US" sz="3000" dirty="0" smtClean="0"/>
-              <a:t>call</a:t>
-            </a:r>
-            <a:endParaRPr lang="uk-UA" sz="3000" dirty="0" smtClean="0"/>
-          </a:p>
-          <a:p>
-            <a:r>
-              <a:rPr lang="en-US" sz="3000" dirty="0"/>
-              <a:t>p</a:t>
-            </a:r>
-            <a:r>
-              <a:rPr lang="en-US" sz="3000" dirty="0" smtClean="0"/>
-              <a:t>ut</a:t>
-            </a:r>
-          </a:p>
-          <a:p>
-            <a:pPr marL="0" indent="0">
-              <a:buNone/>
-            </a:pPr>
-            <a:r>
-              <a:rPr lang="en-US" dirty="0" smtClean="0"/>
-              <a:t>K- </a:t>
-            </a:r>
-            <a:r>
-              <a:rPr lang="uk-UA" smtClean="0"/>
-              <a:t>ціна </a:t>
-            </a:r>
-            <a:r>
-              <a:rPr lang="uk-UA" smtClean="0"/>
-              <a:t>страйку (</a:t>
-            </a:r>
+              <a:rPr lang="uk-UA" b="1" dirty="0" smtClean="0"/>
+              <a:t>Американські опціони:</a:t>
+            </a:r>
+            <a:endParaRPr lang="uk-UA" dirty="0" smtClean="0"/>
+          </a:p>
+          <a:p>
             <a:r>
               <a:rPr lang="uk-UA" dirty="0" smtClean="0"/>
-              <a:t>ціна </a:t>
-            </a:r>
+              <a:t>Можуть бути виконані в будь-який момент протягом терміну дії опціону.</a:t>
+            </a:r>
+          </a:p>
+          <a:p>
             <a:r>
               <a:rPr lang="uk-UA" dirty="0" smtClean="0"/>
-              <a:t>виконання опціону</a:t>
-            </a:r>
-            <a:r>
-              <a:rPr lang="ru-RU" dirty="0" smtClean="0"/>
-              <a:t>)</a:t>
-            </a:r>
-            <a:endParaRPr lang="en-US" dirty="0" smtClean="0"/>
-          </a:p>
-          <a:p>
-            <a:pPr marL="0" indent="0">
-              <a:buNone/>
-            </a:pPr>
-            <a:r>
-              <a:rPr lang="en-US" dirty="0" smtClean="0"/>
-              <a:t>T-</a:t>
-            </a:r>
-            <a:r>
-              <a:rPr lang="uk-UA" dirty="0" smtClean="0"/>
-              <a:t>дата виконання</a:t>
-            </a:r>
-            <a:r>
-              <a:rPr lang="en-US" dirty="0" smtClean="0"/>
-              <a:t> </a:t>
-            </a:r>
-            <a:endParaRPr lang="uk-UA" dirty="0" smtClean="0"/>
-          </a:p>
-          <a:p>
-            <a:pPr marL="0" indent="0">
-              <a:buNone/>
-            </a:pPr>
-            <a:r>
-              <a:rPr lang="en-US" dirty="0" smtClean="0"/>
-              <a:t>t – </a:t>
-            </a:r>
-            <a:r>
-              <a:rPr lang="uk-UA" dirty="0" smtClean="0"/>
-              <a:t>дата сьогодні</a:t>
-            </a:r>
-            <a:endParaRPr lang="en-US" dirty="0" smtClean="0"/>
-          </a:p>
-          <a:p>
-            <a:pPr marL="0" indent="0">
-              <a:buNone/>
-            </a:pPr>
-            <a:r>
-              <a:rPr lang="en-US" dirty="0"/>
-              <a:t>H</a:t>
-            </a:r>
-            <a:r>
-              <a:rPr lang="uk-UA" dirty="0" smtClean="0"/>
-              <a:t>а </a:t>
-            </a:r>
-            <a:r>
-              <a:rPr lang="uk-UA" dirty="0"/>
-              <a:t>момент часу t власник опціону </a:t>
-            </a:r>
-            <a:r>
-              <a:rPr lang="uk-UA" dirty="0" smtClean="0"/>
-              <a:t>може</a:t>
-            </a:r>
-            <a:r>
-              <a:rPr lang="en-US" dirty="0"/>
-              <a:t>:</a:t>
-            </a:r>
-            <a:endParaRPr lang="en-US" dirty="0" smtClean="0"/>
-          </a:p>
-          <a:p>
-            <a:pPr lvl="0"/>
-            <a:r>
-              <a:rPr lang="uk-UA" dirty="0"/>
-              <a:t>продати опціон за його поточною ринковою ціною на деяких біржах опціонів;</a:t>
-            </a:r>
-          </a:p>
-          <a:p>
-            <a:pPr lvl="0"/>
-            <a:r>
-              <a:rPr lang="uk-UA" dirty="0" smtClean="0"/>
-              <a:t>використати </a:t>
-            </a:r>
-            <a:r>
-              <a:rPr lang="uk-UA" dirty="0" smtClean="0"/>
-              <a:t>можливість (</a:t>
-            </a:r>
-            <a:r>
-              <a:rPr lang="uk-UA" b="1" dirty="0"/>
-              <a:t>t</a:t>
-            </a:r>
-            <a:r>
-              <a:rPr lang="uk-UA" dirty="0"/>
-              <a:t> ≤ </a:t>
-            </a:r>
-            <a:r>
-              <a:rPr lang="uk-UA" b="1" dirty="0"/>
-              <a:t>T</a:t>
-            </a:r>
-            <a:r>
-              <a:rPr lang="uk-UA" dirty="0"/>
-              <a:t>);</a:t>
-            </a:r>
-          </a:p>
-          <a:p>
-            <a:pPr lvl="0"/>
-            <a:r>
-              <a:rPr lang="uk-UA" dirty="0"/>
-              <a:t>дозволити терміну дії опціону втратити значення (</a:t>
-            </a:r>
-            <a:r>
-              <a:rPr lang="uk-UA" b="1" dirty="0"/>
-              <a:t>t</a:t>
-            </a:r>
-            <a:r>
-              <a:rPr lang="uk-UA" dirty="0"/>
-              <a:t> ≥ </a:t>
-            </a:r>
-            <a:r>
-              <a:rPr lang="uk-UA" b="1" dirty="0"/>
-              <a:t>T</a:t>
-            </a:r>
-            <a:r>
-              <a:rPr lang="uk-UA" dirty="0"/>
-              <a:t>).</a:t>
+              <a:t>Власник опціону може вирішити виконати опціон будь-коли до дати закінчення терміну дії.</a:t>
             </a:r>
           </a:p>
           <a:p>
@@ -4837,46 +4903,318 @@
           </a:p>
         </p:txBody>
       </p:sp>
-      <p:pic>
-        <p:nvPicPr>
-          <p:cNvPr id="4" name="Рисунок 3"/>
-          <p:cNvPicPr>
-            <a:picLocks noChangeAspect="1"/>
-          </p:cNvPicPr>
+      <p:sp>
+        <p:nvSpPr>
+          <p:cNvPr id="7" name="Объект 2"/>
+          <p:cNvSpPr txBox="1">
+            <a:spLocks/>
+          </p:cNvSpPr>
           <p:nvPr/>
-        </p:nvPicPr>
-        <p:blipFill rotWithShape="1">
-          <a:blip r:embed="rId4"/>
-          <a:srcRect l="12833" t="18740" r="3833" b="19037"/>
-          <a:stretch/>
-        </p:blipFill>
+        </p:nvSpPr>
         <p:spPr>
           <a:xfrm>
-            <a:off x="5943600" y="365760"/>
-            <a:ext cx="5950857" cy="2499360"/>
+            <a:off x="1331495" y="1799263"/>
+            <a:ext cx="5069177" cy="2424394"/>
           </a:xfrm>
           <a:prstGeom prst="rect">
             <a:avLst/>
           </a:prstGeom>
         </p:spPr>
-      </p:pic>
+        <p:txBody>
+          <a:bodyPr vert="horz" lIns="0" tIns="45720" rIns="0" bIns="45720" rtlCol="0">
+            <a:normAutofit/>
+          </a:bodyPr>
+          <a:lstStyle>
+            <a:lvl1pPr marL="91440" indent="-91440" algn="l" defTabSz="914400" rtl="0" eaLnBrk="1" latinLnBrk="0" hangingPunct="1">
+              <a:lnSpc>
+                <a:spcPct val="90000"/>
+              </a:lnSpc>
+              <a:spcBef>
+                <a:spcPts val="1200"/>
+              </a:spcBef>
+              <a:spcAft>
+                <a:spcPts val="200"/>
+              </a:spcAft>
+              <a:buClr>
+                <a:schemeClr val="accent1"/>
+              </a:buClr>
+              <a:buSzPct val="100000"/>
+              <a:buFont typeface="Calibri" panose="020F0502020204030204" pitchFamily="34" charset="0"/>
+              <a:buChar char=" "/>
+              <a:defRPr sz="2000" kern="1200">
+                <a:solidFill>
+                  <a:schemeClr val="tx1">
+                    <a:lumMod val="75000"/>
+                    <a:lumOff val="25000"/>
+                  </a:schemeClr>
+                </a:solidFill>
+                <a:latin typeface="+mn-lt"/>
+                <a:ea typeface="+mn-ea"/>
+                <a:cs typeface="+mn-cs"/>
+              </a:defRPr>
+            </a:lvl1pPr>
+            <a:lvl2pPr marL="384048" indent="-182880" algn="l" defTabSz="914400" rtl="0" eaLnBrk="1" latinLnBrk="0" hangingPunct="1">
+              <a:lnSpc>
+                <a:spcPct val="90000"/>
+              </a:lnSpc>
+              <a:spcBef>
+                <a:spcPts val="200"/>
+              </a:spcBef>
+              <a:spcAft>
+                <a:spcPts val="400"/>
+              </a:spcAft>
+              <a:buClr>
+                <a:schemeClr val="accent1"/>
+              </a:buClr>
+              <a:buFont typeface="Calibri" pitchFamily="34" charset="0"/>
+              <a:buChar char="◦"/>
+              <a:defRPr sz="1800" kern="1200">
+                <a:solidFill>
+                  <a:schemeClr val="tx1">
+                    <a:lumMod val="75000"/>
+                    <a:lumOff val="25000"/>
+                  </a:schemeClr>
+                </a:solidFill>
+                <a:latin typeface="+mn-lt"/>
+                <a:ea typeface="+mn-ea"/>
+                <a:cs typeface="+mn-cs"/>
+              </a:defRPr>
+            </a:lvl2pPr>
+            <a:lvl3pPr marL="566928" indent="-182880" algn="l" defTabSz="914400" rtl="0" eaLnBrk="1" latinLnBrk="0" hangingPunct="1">
+              <a:lnSpc>
+                <a:spcPct val="90000"/>
+              </a:lnSpc>
+              <a:spcBef>
+                <a:spcPts val="200"/>
+              </a:spcBef>
+              <a:spcAft>
+                <a:spcPts val="400"/>
+              </a:spcAft>
+              <a:buClr>
+                <a:schemeClr val="accent1"/>
+              </a:buClr>
+              <a:buFont typeface="Calibri" pitchFamily="34" charset="0"/>
+              <a:buChar char="◦"/>
+              <a:defRPr sz="1400" kern="1200">
+                <a:solidFill>
+                  <a:schemeClr val="tx1">
+                    <a:lumMod val="75000"/>
+                    <a:lumOff val="25000"/>
+                  </a:schemeClr>
+                </a:solidFill>
+                <a:latin typeface="+mn-lt"/>
+                <a:ea typeface="+mn-ea"/>
+                <a:cs typeface="+mn-cs"/>
+              </a:defRPr>
+            </a:lvl3pPr>
+            <a:lvl4pPr marL="749808" indent="-182880" algn="l" defTabSz="914400" rtl="0" eaLnBrk="1" latinLnBrk="0" hangingPunct="1">
+              <a:lnSpc>
+                <a:spcPct val="90000"/>
+              </a:lnSpc>
+              <a:spcBef>
+                <a:spcPts val="200"/>
+              </a:spcBef>
+              <a:spcAft>
+                <a:spcPts val="400"/>
+              </a:spcAft>
+              <a:buClr>
+                <a:schemeClr val="accent1"/>
+              </a:buClr>
+              <a:buFont typeface="Calibri" pitchFamily="34" charset="0"/>
+              <a:buChar char="◦"/>
+              <a:defRPr sz="1400" kern="1200">
+                <a:solidFill>
+                  <a:schemeClr val="tx1">
+                    <a:lumMod val="75000"/>
+                    <a:lumOff val="25000"/>
+                  </a:schemeClr>
+                </a:solidFill>
+                <a:latin typeface="+mn-lt"/>
+                <a:ea typeface="+mn-ea"/>
+                <a:cs typeface="+mn-cs"/>
+              </a:defRPr>
+            </a:lvl4pPr>
+            <a:lvl5pPr marL="932688" indent="-182880" algn="l" defTabSz="914400" rtl="0" eaLnBrk="1" latinLnBrk="0" hangingPunct="1">
+              <a:lnSpc>
+                <a:spcPct val="90000"/>
+              </a:lnSpc>
+              <a:spcBef>
+                <a:spcPts val="200"/>
+              </a:spcBef>
+              <a:spcAft>
+                <a:spcPts val="400"/>
+              </a:spcAft>
+              <a:buClr>
+                <a:schemeClr val="accent1"/>
+              </a:buClr>
+              <a:buFont typeface="Calibri" pitchFamily="34" charset="0"/>
+              <a:buChar char="◦"/>
+              <a:defRPr sz="1400" kern="1200">
+                <a:solidFill>
+                  <a:schemeClr val="tx1">
+                    <a:lumMod val="75000"/>
+                    <a:lumOff val="25000"/>
+                  </a:schemeClr>
+                </a:solidFill>
+                <a:latin typeface="+mn-lt"/>
+                <a:ea typeface="+mn-ea"/>
+                <a:cs typeface="+mn-cs"/>
+              </a:defRPr>
+            </a:lvl5pPr>
+            <a:lvl6pPr marL="1100000" indent="-228600" algn="l" defTabSz="914400" rtl="0" eaLnBrk="1" latinLnBrk="0" hangingPunct="1">
+              <a:lnSpc>
+                <a:spcPct val="90000"/>
+              </a:lnSpc>
+              <a:spcBef>
+                <a:spcPts val="200"/>
+              </a:spcBef>
+              <a:spcAft>
+                <a:spcPts val="400"/>
+              </a:spcAft>
+              <a:buClr>
+                <a:schemeClr val="accent1"/>
+              </a:buClr>
+              <a:buFont typeface="Calibri" pitchFamily="34" charset="0"/>
+              <a:buChar char="◦"/>
+              <a:defRPr sz="1400" kern="1200">
+                <a:solidFill>
+                  <a:schemeClr val="tx1">
+                    <a:lumMod val="75000"/>
+                    <a:lumOff val="25000"/>
+                  </a:schemeClr>
+                </a:solidFill>
+                <a:latin typeface="+mn-lt"/>
+                <a:ea typeface="+mn-ea"/>
+                <a:cs typeface="+mn-cs"/>
+              </a:defRPr>
+            </a:lvl6pPr>
+            <a:lvl7pPr marL="1300000" indent="-228600" algn="l" defTabSz="914400" rtl="0" eaLnBrk="1" latinLnBrk="0" hangingPunct="1">
+              <a:lnSpc>
+                <a:spcPct val="90000"/>
+              </a:lnSpc>
+              <a:spcBef>
+                <a:spcPts val="200"/>
+              </a:spcBef>
+              <a:spcAft>
+                <a:spcPts val="400"/>
+              </a:spcAft>
+              <a:buClr>
+                <a:schemeClr val="accent1"/>
+              </a:buClr>
+              <a:buFont typeface="Calibri" pitchFamily="34" charset="0"/>
+              <a:buChar char="◦"/>
+              <a:defRPr sz="1400" kern="1200">
+                <a:solidFill>
+                  <a:schemeClr val="tx1">
+                    <a:lumMod val="75000"/>
+                    <a:lumOff val="25000"/>
+                  </a:schemeClr>
+                </a:solidFill>
+                <a:latin typeface="+mn-lt"/>
+                <a:ea typeface="+mn-ea"/>
+                <a:cs typeface="+mn-cs"/>
+              </a:defRPr>
+            </a:lvl7pPr>
+            <a:lvl8pPr marL="1500000" indent="-228600" algn="l" defTabSz="914400" rtl="0" eaLnBrk="1" latinLnBrk="0" hangingPunct="1">
+              <a:lnSpc>
+                <a:spcPct val="90000"/>
+              </a:lnSpc>
+              <a:spcBef>
+                <a:spcPts val="200"/>
+              </a:spcBef>
+              <a:spcAft>
+                <a:spcPts val="400"/>
+              </a:spcAft>
+              <a:buClr>
+                <a:schemeClr val="accent1"/>
+              </a:buClr>
+              <a:buFont typeface="Calibri" pitchFamily="34" charset="0"/>
+              <a:buChar char="◦"/>
+              <a:defRPr sz="1400" kern="1200">
+                <a:solidFill>
+                  <a:schemeClr val="tx1">
+                    <a:lumMod val="75000"/>
+                    <a:lumOff val="25000"/>
+                  </a:schemeClr>
+                </a:solidFill>
+                <a:latin typeface="+mn-lt"/>
+                <a:ea typeface="+mn-ea"/>
+                <a:cs typeface="+mn-cs"/>
+              </a:defRPr>
+            </a:lvl8pPr>
+            <a:lvl9pPr marL="1700000" indent="-228600" algn="l" defTabSz="914400" rtl="0" eaLnBrk="1" latinLnBrk="0" hangingPunct="1">
+              <a:lnSpc>
+                <a:spcPct val="90000"/>
+              </a:lnSpc>
+              <a:spcBef>
+                <a:spcPts val="200"/>
+              </a:spcBef>
+              <a:spcAft>
+                <a:spcPts val="400"/>
+              </a:spcAft>
+              <a:buClr>
+                <a:schemeClr val="accent1"/>
+              </a:buClr>
+              <a:buFont typeface="Calibri" pitchFamily="34" charset="0"/>
+              <a:buChar char="◦"/>
+              <a:defRPr sz="1400" kern="1200">
+                <a:solidFill>
+                  <a:schemeClr val="tx1">
+                    <a:lumMod val="75000"/>
+                    <a:lumOff val="25000"/>
+                  </a:schemeClr>
+                </a:solidFill>
+                <a:latin typeface="+mn-lt"/>
+                <a:ea typeface="+mn-ea"/>
+                <a:cs typeface="+mn-cs"/>
+              </a:defRPr>
+            </a:lvl9pPr>
+          </a:lstStyle>
+          <a:p>
+            <a:r>
+              <a:rPr lang="uk-UA" b="1" dirty="0" smtClean="0"/>
+              <a:t>Європейські опціони:</a:t>
+            </a:r>
+            <a:endParaRPr lang="uk-UA" dirty="0" smtClean="0"/>
+          </a:p>
+          <a:p>
+            <a:r>
+              <a:rPr lang="uk-UA" dirty="0" smtClean="0"/>
+              <a:t>Можуть бути виконані тільки в один конкретний день - в день закінчення терміну дії опціону.</a:t>
+            </a:r>
+          </a:p>
+          <a:p>
+            <a:r>
+              <a:rPr lang="uk-UA" dirty="0" smtClean="0"/>
+              <a:t>Власник опціону може вирішити, чи виконувати опціон чи ні, лише в день закінчення терміну дії.</a:t>
+            </a:r>
+          </a:p>
+          <a:p>
+            <a:pPr marL="0" indent="0">
+              <a:buFont typeface="Calibri" panose="020F0502020204030204" pitchFamily="34" charset="0"/>
+              <a:buNone/>
+            </a:pPr>
+            <a:endParaRPr lang="uk-UA" dirty="0"/>
+          </a:p>
+        </p:txBody>
+      </p:sp>
     </p:spTree>
     <p:extLst>
       <p:ext uri="{BB962C8B-B14F-4D97-AF65-F5344CB8AC3E}">
-        <p14:creationId xmlns:p14="http://schemas.microsoft.com/office/powerpoint/2010/main" val="2338165707"/>
+        <p14:creationId xmlns:p14="http://schemas.microsoft.com/office/powerpoint/2010/main" val="2122746099"/>
       </p:ext>
     </p:extLst>
   </p:cSld>
   <p:clrMapOvr>
     <a:masterClrMapping/>
   </p:clrMapOvr>
-  <mc:AlternateContent xmlns:mc="http://schemas.openxmlformats.org/markup-compatibility/2006">
-    <mc:Choice xmlns:p14="http://schemas.microsoft.com/office/powerpoint/2010/main" Requires="p14">
+  <mc:AlternateContent xmlns:mc="http://schemas.openxmlformats.org/markup-compatibility/2006" xmlns:p14="http://schemas.microsoft.com/office/powerpoint/2010/main">
+    <mc:Choice Requires="p14">
       <p:transition spd="slow" p14:dur="1300">
         <p14:pan dir="u"/>
       </p:transition>
     </mc:Choice>
-    <mc:Fallback>
+    <mc:Fallback xmlns="">
       <p:transition spd="slow">
         <p:fade/>
       </p:transition>
@@ -4892,7 +5230,7 @@
 </p:sld>
 </file>
 
-<file path=ppt/slides/slide3.xml><?xml version="1.0" encoding="utf-8"?>
+<file path=ppt/slides/slide4.xml><?xml version="1.0" encoding="utf-8"?>
 <p:sld xmlns:a="http://schemas.openxmlformats.org/drawingml/2006/main" xmlns:r="http://schemas.openxmlformats.org/officeDocument/2006/relationships" xmlns:p="http://schemas.openxmlformats.org/presentationml/2006/main">
   <p:cSld>
     <p:spTree>
@@ -5627,13 +5965,13 @@
   <p:clrMapOvr>
     <a:masterClrMapping/>
   </p:clrMapOvr>
-  <mc:AlternateContent xmlns:mc="http://schemas.openxmlformats.org/markup-compatibility/2006">
-    <mc:Choice xmlns:p14="http://schemas.microsoft.com/office/powerpoint/2010/main" Requires="p14">
+  <mc:AlternateContent xmlns:mc="http://schemas.openxmlformats.org/markup-compatibility/2006" xmlns:p14="http://schemas.microsoft.com/office/powerpoint/2010/main">
+    <mc:Choice Requires="p14">
       <p:transition spd="slow" p14:dur="1300">
         <p14:pan dir="u"/>
       </p:transition>
     </mc:Choice>
-    <mc:Fallback>
+    <mc:Fallback xmlns="">
       <p:transition spd="slow">
         <p:fade/>
       </p:transition>
@@ -5649,7 +5987,7 @@
 </p:sld>
 </file>
 
-<file path=ppt/slides/slide4.xml><?xml version="1.0" encoding="utf-8"?>
+<file path=ppt/slides/slide5.xml><?xml version="1.0" encoding="utf-8"?>
 <p:sld xmlns:a="http://schemas.openxmlformats.org/drawingml/2006/main" xmlns:r="http://schemas.openxmlformats.org/officeDocument/2006/relationships" xmlns:p="http://schemas.openxmlformats.org/presentationml/2006/main">
   <p:cSld>
     <p:spTree>
@@ -5775,81 +6113,1152 @@
           </a:p>
         </p:txBody>
       </p:sp>
+      <mc:AlternateContent xmlns:mc="http://schemas.openxmlformats.org/markup-compatibility/2006">
+        <mc:Choice xmlns:a14="http://schemas.microsoft.com/office/drawing/2010/main" Requires="a14">
+          <p:sp>
+            <p:nvSpPr>
+              <p:cNvPr id="4" name="Объект 3"/>
+              <p:cNvSpPr>
+                <a:spLocks noGrp="1"/>
+              </p:cNvSpPr>
+              <p:nvPr>
+                <p:ph idx="1"/>
+              </p:nvPr>
+            </p:nvSpPr>
+            <p:spPr>
+              <a:xfrm>
+                <a:off x="1572090" y="1813984"/>
+                <a:ext cx="10058400" cy="4023360"/>
+              </a:xfrm>
+            </p:spPr>
+            <p:txBody>
+              <a:bodyPr>
+                <a:normAutofit fontScale="92500" lnSpcReduction="10000"/>
+              </a:bodyPr>
+              <a:lstStyle/>
+              <a:p>
+                <a:r>
+                  <a:rPr lang="en-US" sz="3500" dirty="0" smtClean="0"/>
+                  <a:t>Call – </a:t>
+                </a:r>
+                <a14:m>
+                  <m:oMath xmlns:m="http://schemas.openxmlformats.org/officeDocument/2006/math">
+                    <m:r>
+                      <a:rPr lang="uk-UA" sz="3500" i="1">
+                        <a:latin typeface="Cambria Math" panose="02040503050406030204" pitchFamily="18" charset="0"/>
+                      </a:rPr>
+                      <m:t>𝐶</m:t>
+                    </m:r>
+                    <m:d>
+                      <m:dPr>
+                        <m:ctrlPr>
+                          <a:rPr lang="uk-UA" sz="3500" i="1">
+                            <a:latin typeface="Cambria Math" panose="02040503050406030204" pitchFamily="18" charset="0"/>
+                          </a:rPr>
+                        </m:ctrlPr>
+                      </m:dPr>
+                      <m:e>
+                        <m:sSub>
+                          <m:sSubPr>
+                            <m:ctrlPr>
+                              <a:rPr lang="uk-UA" sz="3500" i="1">
+                                <a:latin typeface="Cambria Math" panose="02040503050406030204" pitchFamily="18" charset="0"/>
+                              </a:rPr>
+                            </m:ctrlPr>
+                          </m:sSubPr>
+                          <m:e>
+                            <m:r>
+                              <a:rPr lang="uk-UA" sz="3500" i="1">
+                                <a:latin typeface="Cambria Math" panose="02040503050406030204" pitchFamily="18" charset="0"/>
+                              </a:rPr>
+                              <m:t>𝑆</m:t>
+                            </m:r>
+                          </m:e>
+                          <m:sub>
+                            <m:r>
+                              <a:rPr lang="uk-UA" sz="3500" i="1">
+                                <a:latin typeface="Cambria Math" panose="02040503050406030204" pitchFamily="18" charset="0"/>
+                              </a:rPr>
+                              <m:t>𝑡</m:t>
+                            </m:r>
+                          </m:sub>
+                        </m:sSub>
+                        <m:r>
+                          <a:rPr lang="uk-UA" sz="3500" i="1">
+                            <a:latin typeface="Cambria Math" panose="02040503050406030204" pitchFamily="18" charset="0"/>
+                          </a:rPr>
+                          <m:t>,</m:t>
+                        </m:r>
+                        <m:r>
+                          <a:rPr lang="uk-UA" sz="3500" i="1">
+                            <a:latin typeface="Cambria Math" panose="02040503050406030204" pitchFamily="18" charset="0"/>
+                          </a:rPr>
+                          <m:t>𝑡</m:t>
+                        </m:r>
+                      </m:e>
+                    </m:d>
+                    <m:r>
+                      <a:rPr lang="uk-UA" sz="3500" i="1">
+                        <a:latin typeface="Cambria Math" panose="02040503050406030204" pitchFamily="18" charset="0"/>
+                      </a:rPr>
+                      <m:t>=</m:t>
+                    </m:r>
+                    <m:r>
+                      <a:rPr lang="uk-UA" sz="3500" i="1">
+                        <a:latin typeface="Cambria Math" panose="02040503050406030204" pitchFamily="18" charset="0"/>
+                      </a:rPr>
+                      <m:t>𝑁</m:t>
+                    </m:r>
+                    <m:d>
+                      <m:dPr>
+                        <m:ctrlPr>
+                          <a:rPr lang="uk-UA" sz="3500" i="1">
+                            <a:latin typeface="Cambria Math" panose="02040503050406030204" pitchFamily="18" charset="0"/>
+                          </a:rPr>
+                        </m:ctrlPr>
+                      </m:dPr>
+                      <m:e>
+                        <m:sSub>
+                          <m:sSubPr>
+                            <m:ctrlPr>
+                              <a:rPr lang="uk-UA" sz="3500" i="1">
+                                <a:latin typeface="Cambria Math" panose="02040503050406030204" pitchFamily="18" charset="0"/>
+                              </a:rPr>
+                            </m:ctrlPr>
+                          </m:sSubPr>
+                          <m:e>
+                            <m:r>
+                              <a:rPr lang="uk-UA" sz="3500" i="1">
+                                <a:latin typeface="Cambria Math" panose="02040503050406030204" pitchFamily="18" charset="0"/>
+                              </a:rPr>
+                              <m:t>ⅆ</m:t>
+                            </m:r>
+                          </m:e>
+                          <m:sub>
+                            <m:r>
+                              <a:rPr lang="uk-UA" sz="3500" i="1">
+                                <a:latin typeface="Cambria Math" panose="02040503050406030204" pitchFamily="18" charset="0"/>
+                              </a:rPr>
+                              <m:t>1</m:t>
+                            </m:r>
+                          </m:sub>
+                        </m:sSub>
+                      </m:e>
+                    </m:d>
+                    <m:sSub>
+                      <m:sSubPr>
+                        <m:ctrlPr>
+                          <a:rPr lang="uk-UA" sz="3500" i="1">
+                            <a:latin typeface="Cambria Math" panose="02040503050406030204" pitchFamily="18" charset="0"/>
+                          </a:rPr>
+                        </m:ctrlPr>
+                      </m:sSubPr>
+                      <m:e>
+                        <m:r>
+                          <a:rPr lang="uk-UA" sz="3500" i="1">
+                            <a:latin typeface="Cambria Math" panose="02040503050406030204" pitchFamily="18" charset="0"/>
+                          </a:rPr>
+                          <m:t>𝑆</m:t>
+                        </m:r>
+                      </m:e>
+                      <m:sub>
+                        <m:r>
+                          <a:rPr lang="uk-UA" sz="3500" i="1">
+                            <a:latin typeface="Cambria Math" panose="02040503050406030204" pitchFamily="18" charset="0"/>
+                          </a:rPr>
+                          <m:t>𝑡</m:t>
+                        </m:r>
+                      </m:sub>
+                    </m:sSub>
+                    <m:r>
+                      <a:rPr lang="uk-UA" sz="3500" i="1">
+                        <a:latin typeface="Cambria Math" panose="02040503050406030204" pitchFamily="18" charset="0"/>
+                      </a:rPr>
+                      <m:t>− </m:t>
+                    </m:r>
+                    <m:r>
+                      <a:rPr lang="uk-UA" sz="3500" i="1">
+                        <a:latin typeface="Cambria Math" panose="02040503050406030204" pitchFamily="18" charset="0"/>
+                      </a:rPr>
+                      <m:t>𝑁</m:t>
+                    </m:r>
+                    <m:d>
+                      <m:dPr>
+                        <m:ctrlPr>
+                          <a:rPr lang="uk-UA" sz="3500" i="1">
+                            <a:latin typeface="Cambria Math" panose="02040503050406030204" pitchFamily="18" charset="0"/>
+                          </a:rPr>
+                        </m:ctrlPr>
+                      </m:dPr>
+                      <m:e>
+                        <m:sSub>
+                          <m:sSubPr>
+                            <m:ctrlPr>
+                              <a:rPr lang="uk-UA" sz="3500" i="1">
+                                <a:latin typeface="Cambria Math" panose="02040503050406030204" pitchFamily="18" charset="0"/>
+                              </a:rPr>
+                            </m:ctrlPr>
+                          </m:sSubPr>
+                          <m:e>
+                            <m:r>
+                              <a:rPr lang="uk-UA" sz="3500" i="1">
+                                <a:latin typeface="Cambria Math" panose="02040503050406030204" pitchFamily="18" charset="0"/>
+                              </a:rPr>
+                              <m:t>𝑑</m:t>
+                            </m:r>
+                          </m:e>
+                          <m:sub>
+                            <m:r>
+                              <a:rPr lang="uk-UA" sz="3500" i="1">
+                                <a:latin typeface="Cambria Math" panose="02040503050406030204" pitchFamily="18" charset="0"/>
+                              </a:rPr>
+                              <m:t>2</m:t>
+                            </m:r>
+                          </m:sub>
+                        </m:sSub>
+                      </m:e>
+                    </m:d>
+                    <m:sSup>
+                      <m:sSupPr>
+                        <m:ctrlPr>
+                          <a:rPr lang="uk-UA" sz="3500" i="1">
+                            <a:latin typeface="Cambria Math" panose="02040503050406030204" pitchFamily="18" charset="0"/>
+                          </a:rPr>
+                        </m:ctrlPr>
+                      </m:sSupPr>
+                      <m:e>
+                        <m:r>
+                          <a:rPr lang="uk-UA" sz="3500" i="1">
+                            <a:latin typeface="Cambria Math" panose="02040503050406030204" pitchFamily="18" charset="0"/>
+                          </a:rPr>
+                          <m:t>𝐾</m:t>
+                        </m:r>
+                        <m:r>
+                          <a:rPr lang="uk-UA" sz="3500" i="1">
+                            <a:latin typeface="Cambria Math" panose="02040503050406030204" pitchFamily="18" charset="0"/>
+                          </a:rPr>
+                          <m:t>ⅇ</m:t>
+                        </m:r>
+                      </m:e>
+                      <m:sup>
+                        <m:r>
+                          <a:rPr lang="uk-UA" sz="3500" i="1">
+                            <a:latin typeface="Cambria Math" panose="02040503050406030204" pitchFamily="18" charset="0"/>
+                          </a:rPr>
+                          <m:t>− </m:t>
+                        </m:r>
+                        <m:r>
+                          <a:rPr lang="uk-UA" sz="3500" i="1">
+                            <a:latin typeface="Cambria Math" panose="02040503050406030204" pitchFamily="18" charset="0"/>
+                          </a:rPr>
+                          <m:t>𝑟</m:t>
+                        </m:r>
+                        <m:r>
+                          <a:rPr lang="uk-UA" sz="3500" i="1">
+                            <a:latin typeface="Cambria Math" panose="02040503050406030204" pitchFamily="18" charset="0"/>
+                          </a:rPr>
+                          <m:t> </m:t>
+                        </m:r>
+                        <m:d>
+                          <m:dPr>
+                            <m:ctrlPr>
+                              <a:rPr lang="uk-UA" sz="3500" i="1">
+                                <a:latin typeface="Cambria Math" panose="02040503050406030204" pitchFamily="18" charset="0"/>
+                              </a:rPr>
+                            </m:ctrlPr>
+                          </m:dPr>
+                          <m:e>
+                            <m:r>
+                              <a:rPr lang="uk-UA" sz="3500" i="1">
+                                <a:latin typeface="Cambria Math" panose="02040503050406030204" pitchFamily="18" charset="0"/>
+                              </a:rPr>
+                              <m:t>𝑇</m:t>
+                            </m:r>
+                            <m:r>
+                              <a:rPr lang="uk-UA" sz="3500" i="1">
+                                <a:latin typeface="Cambria Math" panose="02040503050406030204" pitchFamily="18" charset="0"/>
+                              </a:rPr>
+                              <m:t> − </m:t>
+                            </m:r>
+                            <m:r>
+                              <a:rPr lang="uk-UA" sz="3500" i="1">
+                                <a:latin typeface="Cambria Math" panose="02040503050406030204" pitchFamily="18" charset="0"/>
+                              </a:rPr>
+                              <m:t>𝑡</m:t>
+                            </m:r>
+                          </m:e>
+                        </m:d>
+                      </m:sup>
+                    </m:sSup>
+                  </m:oMath>
+                </a14:m>
+                <a:r>
+                  <a:rPr lang="uk-UA" sz="3500" dirty="0"/>
+                  <a:t>	</a:t>
+                </a:r>
+                <a:endParaRPr lang="uk-UA" sz="3500" dirty="0"/>
+              </a:p>
+              <a:p>
+                <a:pPr marL="0" indent="0">
+                  <a:buNone/>
+                </a:pPr>
+                <a:endParaRPr lang="en-US" sz="3500" dirty="0" smtClean="0"/>
+              </a:p>
+              <a:p>
+                <a:pPr marL="0" indent="0">
+                  <a:buNone/>
+                </a:pPr>
+                <a:r>
+                  <a:rPr lang="en-US" sz="3500" dirty="0" smtClean="0"/>
+                  <a:t>Put -</a:t>
+                </a:r>
+                <a14:m>
+                  <m:oMath xmlns:m="http://schemas.openxmlformats.org/officeDocument/2006/math">
+                    <m:r>
+                      <a:rPr lang="en-US" sz="3500" b="0" i="0" smtClean="0">
+                        <a:latin typeface="Cambria Math" panose="02040503050406030204" pitchFamily="18" charset="0"/>
+                      </a:rPr>
+                      <m:t> </m:t>
+                    </m:r>
+                    <m:r>
+                      <a:rPr lang="uk-UA" sz="3500" i="1">
+                        <a:latin typeface="Cambria Math" panose="02040503050406030204" pitchFamily="18" charset="0"/>
+                      </a:rPr>
+                      <m:t>𝑃</m:t>
+                    </m:r>
+                    <m:d>
+                      <m:dPr>
+                        <m:ctrlPr>
+                          <a:rPr lang="uk-UA" sz="3500" i="1">
+                            <a:latin typeface="Cambria Math" panose="02040503050406030204" pitchFamily="18" charset="0"/>
+                          </a:rPr>
+                        </m:ctrlPr>
+                      </m:dPr>
+                      <m:e>
+                        <m:sSub>
+                          <m:sSubPr>
+                            <m:ctrlPr>
+                              <a:rPr lang="uk-UA" sz="3500" i="1">
+                                <a:latin typeface="Cambria Math" panose="02040503050406030204" pitchFamily="18" charset="0"/>
+                              </a:rPr>
+                            </m:ctrlPr>
+                          </m:sSubPr>
+                          <m:e>
+                            <m:r>
+                              <a:rPr lang="uk-UA" sz="3500" i="1">
+                                <a:latin typeface="Cambria Math" panose="02040503050406030204" pitchFamily="18" charset="0"/>
+                              </a:rPr>
+                              <m:t>𝑆</m:t>
+                            </m:r>
+                          </m:e>
+                          <m:sub>
+                            <m:r>
+                              <a:rPr lang="uk-UA" sz="3500" i="1">
+                                <a:latin typeface="Cambria Math" panose="02040503050406030204" pitchFamily="18" charset="0"/>
+                              </a:rPr>
+                              <m:t>𝑡</m:t>
+                            </m:r>
+                          </m:sub>
+                        </m:sSub>
+                        <m:r>
+                          <a:rPr lang="uk-UA" sz="3500" i="1">
+                            <a:latin typeface="Cambria Math" panose="02040503050406030204" pitchFamily="18" charset="0"/>
+                          </a:rPr>
+                          <m:t>,</m:t>
+                        </m:r>
+                        <m:r>
+                          <a:rPr lang="uk-UA" sz="3500" i="1">
+                            <a:latin typeface="Cambria Math" panose="02040503050406030204" pitchFamily="18" charset="0"/>
+                          </a:rPr>
+                          <m:t>𝑡</m:t>
+                        </m:r>
+                      </m:e>
+                    </m:d>
+                    <m:r>
+                      <a:rPr lang="uk-UA" sz="3500" i="1">
+                        <a:latin typeface="Cambria Math" panose="02040503050406030204" pitchFamily="18" charset="0"/>
+                      </a:rPr>
+                      <m:t>=</m:t>
+                    </m:r>
+                    <m:r>
+                      <a:rPr lang="uk-UA" sz="3500" i="1">
+                        <a:latin typeface="Cambria Math" panose="02040503050406030204" pitchFamily="18" charset="0"/>
+                      </a:rPr>
+                      <m:t>𝐾</m:t>
+                    </m:r>
+                    <m:sSup>
+                      <m:sSupPr>
+                        <m:ctrlPr>
+                          <a:rPr lang="uk-UA" sz="3500" i="1">
+                            <a:latin typeface="Cambria Math" panose="02040503050406030204" pitchFamily="18" charset="0"/>
+                          </a:rPr>
+                        </m:ctrlPr>
+                      </m:sSupPr>
+                      <m:e>
+                        <m:r>
+                          <a:rPr lang="uk-UA" sz="3500" i="1">
+                            <a:latin typeface="Cambria Math" panose="02040503050406030204" pitchFamily="18" charset="0"/>
+                          </a:rPr>
+                          <m:t>ⅇ</m:t>
+                        </m:r>
+                      </m:e>
+                      <m:sup>
+                        <m:r>
+                          <a:rPr lang="uk-UA" sz="3500" i="1">
+                            <a:latin typeface="Cambria Math" panose="02040503050406030204" pitchFamily="18" charset="0"/>
+                          </a:rPr>
+                          <m:t>− </m:t>
+                        </m:r>
+                        <m:r>
+                          <a:rPr lang="uk-UA" sz="3500" i="1">
+                            <a:latin typeface="Cambria Math" panose="02040503050406030204" pitchFamily="18" charset="0"/>
+                          </a:rPr>
+                          <m:t>𝑟</m:t>
+                        </m:r>
+                        <m:r>
+                          <a:rPr lang="uk-UA" sz="3500" i="1">
+                            <a:latin typeface="Cambria Math" panose="02040503050406030204" pitchFamily="18" charset="0"/>
+                          </a:rPr>
+                          <m:t> </m:t>
+                        </m:r>
+                        <m:d>
+                          <m:dPr>
+                            <m:ctrlPr>
+                              <a:rPr lang="uk-UA" sz="3500" i="1">
+                                <a:latin typeface="Cambria Math" panose="02040503050406030204" pitchFamily="18" charset="0"/>
+                              </a:rPr>
+                            </m:ctrlPr>
+                          </m:dPr>
+                          <m:e>
+                            <m:r>
+                              <a:rPr lang="uk-UA" sz="3500" i="1">
+                                <a:latin typeface="Cambria Math" panose="02040503050406030204" pitchFamily="18" charset="0"/>
+                              </a:rPr>
+                              <m:t>𝑇</m:t>
+                            </m:r>
+                            <m:r>
+                              <a:rPr lang="uk-UA" sz="3500" i="1">
+                                <a:latin typeface="Cambria Math" panose="02040503050406030204" pitchFamily="18" charset="0"/>
+                              </a:rPr>
+                              <m:t> − </m:t>
+                            </m:r>
+                            <m:r>
+                              <a:rPr lang="uk-UA" sz="3500" i="1">
+                                <a:latin typeface="Cambria Math" panose="02040503050406030204" pitchFamily="18" charset="0"/>
+                              </a:rPr>
+                              <m:t>𝑡</m:t>
+                            </m:r>
+                          </m:e>
+                        </m:d>
+                      </m:sup>
+                    </m:sSup>
+                    <m:r>
+                      <a:rPr lang="uk-UA" sz="3500" i="1">
+                        <a:latin typeface="Cambria Math" panose="02040503050406030204" pitchFamily="18" charset="0"/>
+                      </a:rPr>
+                      <m:t>−</m:t>
+                    </m:r>
+                    <m:sSub>
+                      <m:sSubPr>
+                        <m:ctrlPr>
+                          <a:rPr lang="uk-UA" sz="3500" i="1">
+                            <a:latin typeface="Cambria Math" panose="02040503050406030204" pitchFamily="18" charset="0"/>
+                          </a:rPr>
+                        </m:ctrlPr>
+                      </m:sSubPr>
+                      <m:e>
+                        <m:r>
+                          <a:rPr lang="uk-UA" sz="3500" i="1">
+                            <a:latin typeface="Cambria Math" panose="02040503050406030204" pitchFamily="18" charset="0"/>
+                          </a:rPr>
+                          <m:t>𝑆</m:t>
+                        </m:r>
+                      </m:e>
+                      <m:sub>
+                        <m:r>
+                          <a:rPr lang="uk-UA" sz="3500" i="1">
+                            <a:latin typeface="Cambria Math" panose="02040503050406030204" pitchFamily="18" charset="0"/>
+                          </a:rPr>
+                          <m:t>𝑡</m:t>
+                        </m:r>
+                      </m:sub>
+                    </m:sSub>
+                    <m:r>
+                      <a:rPr lang="uk-UA" sz="3500" i="1">
+                        <a:latin typeface="Cambria Math" panose="02040503050406030204" pitchFamily="18" charset="0"/>
+                      </a:rPr>
+                      <m:t>+</m:t>
+                    </m:r>
+                    <m:r>
+                      <a:rPr lang="uk-UA" sz="3500" i="1">
+                        <a:latin typeface="Cambria Math" panose="02040503050406030204" pitchFamily="18" charset="0"/>
+                      </a:rPr>
+                      <m:t>𝐶</m:t>
+                    </m:r>
+                    <m:r>
+                      <a:rPr lang="uk-UA" sz="3500" i="1">
+                        <a:latin typeface="Cambria Math" panose="02040503050406030204" pitchFamily="18" charset="0"/>
+                      </a:rPr>
+                      <m:t>(</m:t>
+                    </m:r>
+                    <m:sSub>
+                      <m:sSubPr>
+                        <m:ctrlPr>
+                          <a:rPr lang="uk-UA" sz="3500" i="1">
+                            <a:latin typeface="Cambria Math" panose="02040503050406030204" pitchFamily="18" charset="0"/>
+                          </a:rPr>
+                        </m:ctrlPr>
+                      </m:sSubPr>
+                      <m:e>
+                        <m:r>
+                          <a:rPr lang="uk-UA" sz="3500" i="1">
+                            <a:latin typeface="Cambria Math" panose="02040503050406030204" pitchFamily="18" charset="0"/>
+                          </a:rPr>
+                          <m:t>𝑆</m:t>
+                        </m:r>
+                      </m:e>
+                      <m:sub>
+                        <m:r>
+                          <a:rPr lang="uk-UA" sz="3500" i="1">
+                            <a:latin typeface="Cambria Math" panose="02040503050406030204" pitchFamily="18" charset="0"/>
+                          </a:rPr>
+                          <m:t>𝑡</m:t>
+                        </m:r>
+                      </m:sub>
+                    </m:sSub>
+                    <m:r>
+                      <a:rPr lang="uk-UA" sz="3500" i="1">
+                        <a:latin typeface="Cambria Math" panose="02040503050406030204" pitchFamily="18" charset="0"/>
+                      </a:rPr>
+                      <m:t>,</m:t>
+                    </m:r>
+                    <m:r>
+                      <a:rPr lang="uk-UA" sz="3500" i="1">
+                        <a:latin typeface="Cambria Math" panose="02040503050406030204" pitchFamily="18" charset="0"/>
+                      </a:rPr>
+                      <m:t>𝑡</m:t>
+                    </m:r>
+                    <m:r>
+                      <a:rPr lang="uk-UA" sz="3500" i="1">
+                        <a:latin typeface="Cambria Math" panose="02040503050406030204" pitchFamily="18" charset="0"/>
+                      </a:rPr>
+                      <m:t>)</m:t>
+                    </m:r>
+                  </m:oMath>
+                </a14:m>
+                <a:endParaRPr lang="uk-UA" sz="3500" dirty="0"/>
+              </a:p>
+              <a:p>
+                <a:pPr marL="0" indent="0">
+                  <a:buNone/>
+                </a:pPr>
+                <a:endParaRPr lang="en-US" sz="3500" dirty="0" smtClean="0"/>
+              </a:p>
+              <a:p>
+                <a:pPr marL="0" indent="0">
+                  <a:buNone/>
+                </a:pPr>
+                <a:r>
+                  <a:rPr lang="en-US" sz="3500" dirty="0" smtClean="0"/>
+                  <a:t>Put - </a:t>
+                </a:r>
+                <a14:m>
+                  <m:oMath xmlns:m="http://schemas.openxmlformats.org/officeDocument/2006/math">
+                    <m:r>
+                      <a:rPr lang="uk-UA" sz="3500" i="1">
+                        <a:latin typeface="Cambria Math" panose="02040503050406030204" pitchFamily="18" charset="0"/>
+                      </a:rPr>
+                      <m:t>𝑃</m:t>
+                    </m:r>
+                    <m:d>
+                      <m:dPr>
+                        <m:ctrlPr>
+                          <a:rPr lang="uk-UA" sz="3500" i="1">
+                            <a:latin typeface="Cambria Math" panose="02040503050406030204" pitchFamily="18" charset="0"/>
+                          </a:rPr>
+                        </m:ctrlPr>
+                      </m:dPr>
+                      <m:e>
+                        <m:sSub>
+                          <m:sSubPr>
+                            <m:ctrlPr>
+                              <a:rPr lang="uk-UA" sz="3500" i="1">
+                                <a:latin typeface="Cambria Math" panose="02040503050406030204" pitchFamily="18" charset="0"/>
+                              </a:rPr>
+                            </m:ctrlPr>
+                          </m:sSubPr>
+                          <m:e>
+                            <m:r>
+                              <a:rPr lang="uk-UA" sz="3500" i="1">
+                                <a:latin typeface="Cambria Math" panose="02040503050406030204" pitchFamily="18" charset="0"/>
+                              </a:rPr>
+                              <m:t>𝑆</m:t>
+                            </m:r>
+                          </m:e>
+                          <m:sub>
+                            <m:r>
+                              <a:rPr lang="uk-UA" sz="3500" i="1">
+                                <a:latin typeface="Cambria Math" panose="02040503050406030204" pitchFamily="18" charset="0"/>
+                              </a:rPr>
+                              <m:t>𝑡</m:t>
+                            </m:r>
+                          </m:sub>
+                        </m:sSub>
+                        <m:r>
+                          <a:rPr lang="uk-UA" sz="3500" i="1">
+                            <a:latin typeface="Cambria Math" panose="02040503050406030204" pitchFamily="18" charset="0"/>
+                          </a:rPr>
+                          <m:t>,</m:t>
+                        </m:r>
+                        <m:r>
+                          <a:rPr lang="uk-UA" sz="3500" i="1">
+                            <a:latin typeface="Cambria Math" panose="02040503050406030204" pitchFamily="18" charset="0"/>
+                          </a:rPr>
+                          <m:t>𝑡</m:t>
+                        </m:r>
+                      </m:e>
+                    </m:d>
+                    <m:r>
+                      <a:rPr lang="uk-UA" sz="3500" i="1">
+                        <a:latin typeface="Cambria Math" panose="02040503050406030204" pitchFamily="18" charset="0"/>
+                      </a:rPr>
+                      <m:t>=−</m:t>
+                    </m:r>
+                    <m:r>
+                      <a:rPr lang="uk-UA" sz="3500" i="1">
+                        <a:latin typeface="Cambria Math" panose="02040503050406030204" pitchFamily="18" charset="0"/>
+                      </a:rPr>
+                      <m:t>𝑁</m:t>
+                    </m:r>
+                    <m:d>
+                      <m:dPr>
+                        <m:ctrlPr>
+                          <a:rPr lang="uk-UA" sz="3500" i="1">
+                            <a:latin typeface="Cambria Math" panose="02040503050406030204" pitchFamily="18" charset="0"/>
+                          </a:rPr>
+                        </m:ctrlPr>
+                      </m:dPr>
+                      <m:e>
+                        <m:sSub>
+                          <m:sSubPr>
+                            <m:ctrlPr>
+                              <a:rPr lang="uk-UA" sz="3500" i="1">
+                                <a:latin typeface="Cambria Math" panose="02040503050406030204" pitchFamily="18" charset="0"/>
+                              </a:rPr>
+                            </m:ctrlPr>
+                          </m:sSubPr>
+                          <m:e>
+                            <m:r>
+                              <a:rPr lang="uk-UA" sz="3500" i="1">
+                                <a:latin typeface="Cambria Math" panose="02040503050406030204" pitchFamily="18" charset="0"/>
+                              </a:rPr>
+                              <m:t>−ⅆ</m:t>
+                            </m:r>
+                          </m:e>
+                          <m:sub>
+                            <m:r>
+                              <a:rPr lang="uk-UA" sz="3500" i="1">
+                                <a:latin typeface="Cambria Math" panose="02040503050406030204" pitchFamily="18" charset="0"/>
+                              </a:rPr>
+                              <m:t>1</m:t>
+                            </m:r>
+                          </m:sub>
+                        </m:sSub>
+                      </m:e>
+                    </m:d>
+                    <m:sSub>
+                      <m:sSubPr>
+                        <m:ctrlPr>
+                          <a:rPr lang="uk-UA" sz="3500" i="1">
+                            <a:latin typeface="Cambria Math" panose="02040503050406030204" pitchFamily="18" charset="0"/>
+                          </a:rPr>
+                        </m:ctrlPr>
+                      </m:sSubPr>
+                      <m:e>
+                        <m:r>
+                          <a:rPr lang="uk-UA" sz="3500" i="1">
+                            <a:latin typeface="Cambria Math" panose="02040503050406030204" pitchFamily="18" charset="0"/>
+                          </a:rPr>
+                          <m:t>𝑆</m:t>
+                        </m:r>
+                      </m:e>
+                      <m:sub>
+                        <m:r>
+                          <a:rPr lang="uk-UA" sz="3500" i="1">
+                            <a:latin typeface="Cambria Math" panose="02040503050406030204" pitchFamily="18" charset="0"/>
+                          </a:rPr>
+                          <m:t>𝑡</m:t>
+                        </m:r>
+                      </m:sub>
+                    </m:sSub>
+                    <m:r>
+                      <a:rPr lang="uk-UA" sz="3500" i="1">
+                        <a:latin typeface="Cambria Math" panose="02040503050406030204" pitchFamily="18" charset="0"/>
+                      </a:rPr>
+                      <m:t>+ </m:t>
+                    </m:r>
+                    <m:r>
+                      <a:rPr lang="uk-UA" sz="3500" i="1">
+                        <a:latin typeface="Cambria Math" panose="02040503050406030204" pitchFamily="18" charset="0"/>
+                      </a:rPr>
+                      <m:t>𝑁</m:t>
+                    </m:r>
+                    <m:d>
+                      <m:dPr>
+                        <m:ctrlPr>
+                          <a:rPr lang="uk-UA" sz="3500" i="1">
+                            <a:latin typeface="Cambria Math" panose="02040503050406030204" pitchFamily="18" charset="0"/>
+                          </a:rPr>
+                        </m:ctrlPr>
+                      </m:dPr>
+                      <m:e>
+                        <m:sSub>
+                          <m:sSubPr>
+                            <m:ctrlPr>
+                              <a:rPr lang="uk-UA" sz="3500" i="1">
+                                <a:latin typeface="Cambria Math" panose="02040503050406030204" pitchFamily="18" charset="0"/>
+                              </a:rPr>
+                            </m:ctrlPr>
+                          </m:sSubPr>
+                          <m:e>
+                            <m:r>
+                              <a:rPr lang="uk-UA" sz="3500" i="1">
+                                <a:latin typeface="Cambria Math" panose="02040503050406030204" pitchFamily="18" charset="0"/>
+                              </a:rPr>
+                              <m:t>−</m:t>
+                            </m:r>
+                            <m:r>
+                              <a:rPr lang="uk-UA" sz="3500" i="1">
+                                <a:latin typeface="Cambria Math" panose="02040503050406030204" pitchFamily="18" charset="0"/>
+                              </a:rPr>
+                              <m:t>𝑑</m:t>
+                            </m:r>
+                          </m:e>
+                          <m:sub>
+                            <m:r>
+                              <a:rPr lang="uk-UA" sz="3500" i="1">
+                                <a:latin typeface="Cambria Math" panose="02040503050406030204" pitchFamily="18" charset="0"/>
+                              </a:rPr>
+                              <m:t>2</m:t>
+                            </m:r>
+                          </m:sub>
+                        </m:sSub>
+                      </m:e>
+                    </m:d>
+                    <m:sSup>
+                      <m:sSupPr>
+                        <m:ctrlPr>
+                          <a:rPr lang="uk-UA" sz="3500" i="1">
+                            <a:latin typeface="Cambria Math" panose="02040503050406030204" pitchFamily="18" charset="0"/>
+                          </a:rPr>
+                        </m:ctrlPr>
+                      </m:sSupPr>
+                      <m:e>
+                        <m:r>
+                          <a:rPr lang="uk-UA" sz="3500" i="1">
+                            <a:latin typeface="Cambria Math" panose="02040503050406030204" pitchFamily="18" charset="0"/>
+                          </a:rPr>
+                          <m:t>𝐾</m:t>
+                        </m:r>
+                        <m:r>
+                          <a:rPr lang="uk-UA" sz="3500" i="1">
+                            <a:latin typeface="Cambria Math" panose="02040503050406030204" pitchFamily="18" charset="0"/>
+                          </a:rPr>
+                          <m:t>ⅇ</m:t>
+                        </m:r>
+                      </m:e>
+                      <m:sup>
+                        <m:r>
+                          <a:rPr lang="uk-UA" sz="3500" i="1">
+                            <a:latin typeface="Cambria Math" panose="02040503050406030204" pitchFamily="18" charset="0"/>
+                          </a:rPr>
+                          <m:t>− </m:t>
+                        </m:r>
+                        <m:r>
+                          <a:rPr lang="uk-UA" sz="3500" i="1">
+                            <a:latin typeface="Cambria Math" panose="02040503050406030204" pitchFamily="18" charset="0"/>
+                          </a:rPr>
+                          <m:t>𝑟</m:t>
+                        </m:r>
+                        <m:r>
+                          <a:rPr lang="uk-UA" sz="3500" i="1">
+                            <a:latin typeface="Cambria Math" panose="02040503050406030204" pitchFamily="18" charset="0"/>
+                          </a:rPr>
+                          <m:t> </m:t>
+                        </m:r>
+                        <m:d>
+                          <m:dPr>
+                            <m:ctrlPr>
+                              <a:rPr lang="uk-UA" sz="3500" i="1">
+                                <a:latin typeface="Cambria Math" panose="02040503050406030204" pitchFamily="18" charset="0"/>
+                              </a:rPr>
+                            </m:ctrlPr>
+                          </m:dPr>
+                          <m:e>
+                            <m:r>
+                              <a:rPr lang="uk-UA" sz="3500" i="1">
+                                <a:latin typeface="Cambria Math" panose="02040503050406030204" pitchFamily="18" charset="0"/>
+                              </a:rPr>
+                              <m:t>𝑇</m:t>
+                            </m:r>
+                            <m:r>
+                              <a:rPr lang="uk-UA" sz="3500" i="1">
+                                <a:latin typeface="Cambria Math" panose="02040503050406030204" pitchFamily="18" charset="0"/>
+                              </a:rPr>
+                              <m:t> − </m:t>
+                            </m:r>
+                            <m:r>
+                              <a:rPr lang="uk-UA" sz="3500" i="1">
+                                <a:latin typeface="Cambria Math" panose="02040503050406030204" pitchFamily="18" charset="0"/>
+                              </a:rPr>
+                              <m:t>𝑡</m:t>
+                            </m:r>
+                          </m:e>
+                        </m:d>
+                      </m:sup>
+                    </m:sSup>
+                  </m:oMath>
+                </a14:m>
+                <a:endParaRPr lang="uk-UA" sz="3500" dirty="0"/>
+              </a:p>
+              <a:p>
+                <a:r>
+                  <a:rPr lang="uk-UA" dirty="0" smtClean="0"/>
+                  <a:t>Де </a:t>
+                </a:r>
+                <a:r>
+                  <a:rPr lang="uk-UA" b="1" dirty="0" smtClean="0"/>
+                  <a:t>N(d</a:t>
+                </a:r>
+                <a:r>
+                  <a:rPr lang="uk-UA" b="1" baseline="-25000" dirty="0" smtClean="0"/>
+                  <a:t>1</a:t>
+                </a:r>
+                <a:r>
+                  <a:rPr lang="uk-UA" b="1" dirty="0"/>
+                  <a:t>)</a:t>
+                </a:r>
+                <a:r>
+                  <a:rPr lang="uk-UA" dirty="0"/>
+                  <a:t> є ймовірністю того, що опціон </a:t>
+                </a:r>
+                <a:r>
+                  <a:rPr lang="uk-UA" dirty="0" err="1"/>
+                  <a:t>call</a:t>
+                </a:r>
+                <a:r>
+                  <a:rPr lang="uk-UA" dirty="0"/>
+                  <a:t> виявиться прибутковим тобто ціна базового активу на момент виконання </a:t>
+                </a:r>
+                <a:r>
+                  <a:rPr lang="uk-UA" b="1" dirty="0"/>
+                  <a:t>T</a:t>
+                </a:r>
+                <a:r>
+                  <a:rPr lang="uk-UA" dirty="0"/>
+                  <a:t> буде вище або дорівнює страйку (</a:t>
+                </a:r>
+                <a:r>
+                  <a:rPr lang="uk-UA" b="1" dirty="0"/>
+                  <a:t>S</a:t>
+                </a:r>
+                <a:r>
+                  <a:rPr lang="uk-UA" b="1" baseline="-25000" dirty="0"/>
+                  <a:t>T</a:t>
+                </a:r>
+                <a:r>
+                  <a:rPr lang="uk-UA" dirty="0"/>
+                  <a:t> ≥ </a:t>
+                </a:r>
+                <a:r>
+                  <a:rPr lang="uk-UA" b="1" dirty="0"/>
+                  <a:t>K</a:t>
+                </a:r>
+                <a:r>
+                  <a:rPr lang="uk-UA" dirty="0"/>
+                  <a:t>). У свою чергу </a:t>
+                </a:r>
+                <a:r>
+                  <a:rPr lang="uk-UA" b="1" dirty="0"/>
+                  <a:t>N(d</a:t>
+                </a:r>
+                <a:r>
+                  <a:rPr lang="uk-UA" b="1" baseline="-25000" dirty="0"/>
+                  <a:t>2</a:t>
+                </a:r>
+                <a:r>
+                  <a:rPr lang="uk-UA" b="1" dirty="0"/>
+                  <a:t>)</a:t>
+                </a:r>
+                <a:r>
+                  <a:rPr lang="uk-UA" dirty="0"/>
+                  <a:t> є ймовірністю того, що опціон </a:t>
+                </a:r>
+                <a:r>
+                  <a:rPr lang="uk-UA" dirty="0" err="1"/>
+                  <a:t>call</a:t>
+                </a:r>
+                <a:r>
+                  <a:rPr lang="uk-UA" dirty="0"/>
+                  <a:t> виявиться збитковим(принеси збитки), тобто (</a:t>
+                </a:r>
+                <a:r>
+                  <a:rPr lang="uk-UA" b="1" dirty="0"/>
+                  <a:t>S</a:t>
+                </a:r>
+                <a:r>
+                  <a:rPr lang="uk-UA" b="1" baseline="-25000" dirty="0"/>
+                  <a:t>T</a:t>
+                </a:r>
+                <a:r>
+                  <a:rPr lang="uk-UA" dirty="0"/>
+                  <a:t> &lt; </a:t>
+                </a:r>
+                <a:r>
+                  <a:rPr lang="uk-UA" b="1" dirty="0"/>
+                  <a:t>K</a:t>
+                </a:r>
+                <a:r>
+                  <a:rPr lang="uk-UA" dirty="0"/>
+                  <a:t>).</a:t>
+                </a:r>
+              </a:p>
+              <a:p>
+                <a:endParaRPr lang="uk-UA" dirty="0"/>
+              </a:p>
+            </p:txBody>
+          </p:sp>
+        </mc:Choice>
+        <mc:Fallback>
+          <p:sp>
+            <p:nvSpPr>
+              <p:cNvPr id="4" name="Объект 3"/>
+              <p:cNvSpPr>
+                <a:spLocks noGrp="1" noRot="1" noChangeAspect="1" noMove="1" noResize="1" noEditPoints="1" noAdjustHandles="1" noChangeArrowheads="1" noChangeShapeType="1" noTextEdit="1"/>
+              </p:cNvSpPr>
+              <p:nvPr>
+                <p:ph idx="1"/>
+              </p:nvPr>
+            </p:nvSpPr>
+            <p:spPr>
+              <a:xfrm>
+                <a:off x="1572090" y="1813984"/>
+                <a:ext cx="10058400" cy="4023360"/>
+              </a:xfrm>
+              <a:blipFill>
+                <a:blip r:embed="rId4"/>
+                <a:stretch>
+                  <a:fillRect l="-2485" t="-3636"/>
+                </a:stretch>
+              </a:blipFill>
+            </p:spPr>
+            <p:txBody>
+              <a:bodyPr/>
+              <a:lstStyle/>
+              <a:p>
+                <a:r>
+                  <a:rPr lang="uk-UA">
+                    <a:noFill/>
+                  </a:rPr>
+                  <a:t> </a:t>
+                </a:r>
+              </a:p>
+            </p:txBody>
+          </p:sp>
+        </mc:Fallback>
+      </mc:AlternateContent>
+    </p:spTree>
+    <p:extLst>
+      <p:ext uri="{BB962C8B-B14F-4D97-AF65-F5344CB8AC3E}">
+        <p14:creationId xmlns:p14="http://schemas.microsoft.com/office/powerpoint/2010/main" val="4103899773"/>
+      </p:ext>
+    </p:extLst>
+  </p:cSld>
+  <p:clrMapOvr>
+    <a:masterClrMapping/>
+  </p:clrMapOvr>
+  <mc:AlternateContent xmlns:mc="http://schemas.openxmlformats.org/markup-compatibility/2006" xmlns:p14="http://schemas.microsoft.com/office/powerpoint/2010/main">
+    <mc:Choice Requires="p14">
+      <p:transition spd="slow" p14:dur="1300">
+        <p14:pan dir="u"/>
+      </p:transition>
+    </mc:Choice>
+    <mc:Fallback xmlns="">
+      <p:transition spd="slow">
+        <p:fade/>
+      </p:transition>
+    </mc:Fallback>
+  </mc:AlternateContent>
+  <p:timing>
+    <p:tnLst>
+      <p:par>
+        <p:cTn id="1" dur="indefinite" restart="never" nodeType="tmRoot"/>
+      </p:par>
+    </p:tnLst>
+  </p:timing>
+</p:sld>
+</file>
+
+<file path=ppt/slides/slide6.xml><?xml version="1.0" encoding="utf-8"?>
+<p:sld xmlns:a="http://schemas.openxmlformats.org/drawingml/2006/main" xmlns:r="http://schemas.openxmlformats.org/officeDocument/2006/relationships" xmlns:p="http://schemas.openxmlformats.org/presentationml/2006/main">
+  <p:cSld>
+    <p:spTree>
+      <p:nvGrpSpPr>
+        <p:cNvPr id="1" name=""/>
+        <p:cNvGrpSpPr/>
+        <p:nvPr/>
+      </p:nvGrpSpPr>
+      <p:grpSpPr>
+        <a:xfrm>
+          <a:off x="0" y="0"/>
+          <a:ext cx="0" cy="0"/>
+          <a:chOff x="0" y="0"/>
+          <a:chExt cx="0" cy="0"/>
+        </a:xfrm>
+      </p:grpSpPr>
       <p:sp>
         <p:nvSpPr>
-          <p:cNvPr id="3" name="Объект 2"/>
+          <p:cNvPr id="2" name="Заголовок 1"/>
           <p:cNvSpPr>
             <a:spLocks noGrp="1"/>
           </p:cNvSpPr>
           <p:nvPr>
-            <p:ph idx="1"/>
+            <p:ph type="title"/>
           </p:nvPr>
         </p:nvSpPr>
         <p:spPr>
           <a:xfrm>
-            <a:off x="1572090" y="3270680"/>
-            <a:ext cx="8596668" cy="2496057"/>
+            <a:off x="1771049" y="378904"/>
+            <a:ext cx="10058400" cy="1450757"/>
           </a:xfrm>
         </p:spPr>
         <p:txBody>
           <a:bodyPr>
-            <a:normAutofit lnSpcReduction="10000"/>
+            <a:normAutofit/>
           </a:bodyPr>
           <a:lstStyle/>
           <a:p>
-            <a:pPr marL="0" indent="0">
-              <a:buNone/>
+            <a:pPr lvl="1" algn="l" rtl="0">
+              <a:lnSpc>
+                <a:spcPct val="85000"/>
+              </a:lnSpc>
+              <a:spcBef>
+                <a:spcPct val="0"/>
+              </a:spcBef>
             </a:pPr>
             <a:r>
-              <a:rPr lang="uk-UA" dirty="0" smtClean="0"/>
-              <a:t>Припущення: </a:t>
-            </a:r>
-          </a:p>
-          <a:p>
-            <a:pPr lvl="0"/>
-            <a:r>
-              <a:rPr lang="uk-UA" dirty="0"/>
-              <a:t>Відсутність арбітражу. </a:t>
-            </a:r>
-          </a:p>
-          <a:p>
-            <a:pPr lvl="0"/>
-            <a:r>
-              <a:rPr lang="uk-UA" dirty="0"/>
-              <a:t>Без ризикова відсоткова ставка. </a:t>
-            </a:r>
-          </a:p>
-          <a:p>
-            <a:pPr lvl="0"/>
-            <a:r>
-              <a:rPr lang="uk-UA" dirty="0"/>
-              <a:t>Ринок без тертя.</a:t>
-            </a:r>
-          </a:p>
-          <a:p>
-            <a:pPr lvl="0"/>
-            <a:r>
-              <a:rPr lang="uk-UA" dirty="0"/>
-              <a:t>Відсутність обмежень на торгівлю. </a:t>
-            </a:r>
-          </a:p>
-          <a:p>
-            <a:pPr lvl="0"/>
-            <a:r>
-              <a:rPr lang="uk-UA" dirty="0"/>
-              <a:t>Ціна активу змінюється випадковим чином.</a:t>
-            </a:r>
-          </a:p>
-          <a:p>
+              <a:rPr kumimoji="0" lang="uk-UA" sz="4800" b="0" i="0" u="none" strike="noStrike" kern="1200" cap="none" spc="-50" normalizeH="0" baseline="0" noProof="0" dirty="0" smtClean="0">
+                <a:ln>
+                  <a:noFill/>
+                </a:ln>
+                <a:solidFill>
+                  <a:srgbClr val="000000">
+                    <a:lumMod val="75000"/>
+                    <a:lumOff val="25000"/>
+                  </a:srgbClr>
+                </a:solidFill>
+                <a:effectLst/>
+                <a:uLnTx/>
+                <a:uFillTx/>
+                <a:latin typeface="Calibri Light" panose="020F0302020204030204"/>
+                <a:ea typeface="+mj-ea"/>
+                <a:cs typeface="+mj-cs"/>
+              </a:rPr>
+              <a:t>Модель </a:t>
+            </a:r>
+            <a:r>
+              <a:rPr kumimoji="0" lang="en-US" sz="4800" b="0" i="0" u="none" strike="noStrike" kern="1200" cap="none" spc="-50" normalizeH="0" baseline="0" noProof="0" dirty="0" smtClean="0">
+                <a:ln>
+                  <a:noFill/>
+                </a:ln>
+                <a:solidFill>
+                  <a:srgbClr val="000000">
+                    <a:lumMod val="75000"/>
+                    <a:lumOff val="25000"/>
+                  </a:srgbClr>
+                </a:solidFill>
+                <a:effectLst/>
+                <a:uLnTx/>
+                <a:uFillTx/>
+                <a:latin typeface="Calibri Light" panose="020F0302020204030204"/>
+                <a:ea typeface="+mj-ea"/>
+                <a:cs typeface="+mj-cs"/>
+              </a:rPr>
+              <a:t>Cox-Ross-Rubinstein (CRR)</a:t>
+            </a:r>
+            <a:r>
+              <a:rPr lang="uk-UA" sz="1800" b="1" dirty="0"/>
+              <a:t/>
+            </a:r>
+            <a:br>
+              <a:rPr lang="uk-UA" sz="1800" b="1" dirty="0"/>
+            </a:br>
             <a:endParaRPr lang="uk-UA" dirty="0"/>
           </a:p>
         </p:txBody>
       </p:sp>
-      <mc:AlternateContent xmlns:mc="http://schemas.openxmlformats.org/markup-compatibility/2006" xmlns:a14="http://schemas.microsoft.com/office/drawing/2010/main">
-        <mc:Choice Requires="a14">
+      <p:pic>
+        <p:nvPicPr>
+          <p:cNvPr id="7" name="Google Shape;69;p2"/>
+          <p:cNvPicPr preferRelativeResize="0"/>
+          <p:nvPr/>
+        </p:nvPicPr>
+        <p:blipFill rotWithShape="1">
+          <a:blip r:embed="rId2">
+            <a:alphaModFix/>
+          </a:blip>
+          <a:srcRect/>
+          <a:stretch/>
+        </p:blipFill>
+        <p:spPr>
+          <a:xfrm>
+            <a:off x="9" y="0"/>
+            <a:ext cx="1331486" cy="6858000"/>
+          </a:xfrm>
+          <a:prstGeom prst="rect">
+            <a:avLst/>
+          </a:prstGeom>
+          <a:solidFill>
+            <a:srgbClr val="FFC000"/>
+          </a:solidFill>
+          <a:ln>
+            <a:noFill/>
+          </a:ln>
+        </p:spPr>
+      </p:pic>
+      <p:pic>
+        <p:nvPicPr>
+          <p:cNvPr id="8" name="Google Shape;74;p2"/>
+          <p:cNvPicPr preferRelativeResize="0"/>
+          <p:nvPr/>
+        </p:nvPicPr>
+        <p:blipFill>
+          <a:blip r:embed="rId3">
+            <a:alphaModFix/>
+          </a:blip>
+          <a:stretch>
+            <a:fillRect/>
+          </a:stretch>
+        </p:blipFill>
+        <p:spPr>
+          <a:xfrm>
+            <a:off x="0" y="188963"/>
+            <a:ext cx="1331510" cy="1261808"/>
+          </a:xfrm>
+          <a:prstGeom prst="rect">
+            <a:avLst/>
+          </a:prstGeom>
+          <a:noFill/>
+          <a:ln>
+            <a:noFill/>
+          </a:ln>
+        </p:spPr>
+      </p:pic>
+      <mc:AlternateContent xmlns:mc="http://schemas.openxmlformats.org/markup-compatibility/2006">
+        <mc:Choice xmlns:a14="http://schemas.microsoft.com/office/drawing/2010/main" Requires="a14">
           <p:sp>
             <p:nvSpPr>
-              <p:cNvPr id="5" name="Объект 2"/>
+              <p:cNvPr id="9" name="Объект 3"/>
               <p:cNvSpPr txBox="1">
                 <a:spLocks/>
               </p:cNvSpPr>
@@ -5857,8 +7266,8 @@
             </p:nvSpPr>
             <p:spPr>
               <a:xfrm>
-                <a:off x="3656910" y="2011058"/>
-                <a:ext cx="8411922" cy="3345033"/>
+                <a:off x="1572090" y="1813984"/>
+                <a:ext cx="10058400" cy="4023360"/>
               </a:xfrm>
               <a:prstGeom prst="rect">
                 <a:avLst/>
@@ -5866,7 +7275,7 @@
             </p:spPr>
             <p:txBody>
               <a:bodyPr vert="horz" lIns="0" tIns="45720" rIns="0" bIns="45720" rtlCol="0">
-                <a:normAutofit/>
+                <a:normAutofit fontScale="92500" lnSpcReduction="10000"/>
               </a:bodyPr>
               <a:lstStyle>
                 <a:lvl1pPr marL="91440" indent="-91440" algn="l" defTabSz="914400" rtl="0" eaLnBrk="1" latinLnBrk="0" hangingPunct="1">
@@ -6115,811 +7524,908 @@
                 </a:lvl9pPr>
               </a:lstStyle>
               <a:p>
-                <a:pPr marL="0" indent="0">
-                  <a:buFont typeface="Calibri" panose="020F0502020204030204" pitchFamily="34" charset="0"/>
-                  <a:buNone/>
-                </a:pPr>
+                <a:endParaRPr lang="uk-UA" dirty="0" smtClean="0"/>
+              </a:p>
+              <a:p>
+                <a:r>
+                  <a:rPr lang="en-US" sz="3200" dirty="0" smtClean="0"/>
+                  <a:t>Call –</a:t>
+                </a:r>
                 <a14:m>
                   <m:oMath xmlns:m="http://schemas.openxmlformats.org/officeDocument/2006/math">
+                    <m:sSub>
+                      <m:sSubPr>
+                        <m:ctrlPr>
+                          <a:rPr lang="en-US" sz="3200" i="1" smtClean="0">
+                            <a:latin typeface="Cambria Math" panose="02040503050406030204" pitchFamily="18" charset="0"/>
+                          </a:rPr>
+                        </m:ctrlPr>
+                      </m:sSubPr>
+                      <m:e>
+                        <m:r>
+                          <a:rPr lang="en-US" sz="3200" i="1" smtClean="0">
+                            <a:latin typeface="Cambria Math" panose="02040503050406030204" pitchFamily="18" charset="0"/>
+                          </a:rPr>
+                          <m:t>𝐶</m:t>
+                        </m:r>
+                      </m:e>
+                      <m:sub>
+                        <m:r>
+                          <a:rPr lang="en-US" sz="3200" b="0" i="1" smtClean="0">
+                            <a:latin typeface="Cambria Math" panose="02040503050406030204" pitchFamily="18" charset="0"/>
+                          </a:rPr>
+                          <m:t>0</m:t>
+                        </m:r>
+                      </m:sub>
+                    </m:sSub>
                     <m:r>
-                      <a:rPr lang="uk-UA" sz="3500" i="1" smtClean="0">
-                        <a:latin typeface="Cambria Math" panose="02040503050406030204" pitchFamily="18" charset="0"/>
-                      </a:rPr>
-                      <m:t>𝐶</m:t>
-                    </m:r>
-                    <m:d>
-                      <m:dPr>
-                        <m:ctrlPr>
-                          <a:rPr lang="uk-UA" sz="3500" i="1">
-                            <a:latin typeface="Cambria Math" panose="02040503050406030204" pitchFamily="18" charset="0"/>
-                          </a:rPr>
-                        </m:ctrlPr>
-                      </m:dPr>
-                      <m:e>
-                        <m:sSub>
-                          <m:sSubPr>
-                            <m:ctrlPr>
-                              <a:rPr lang="uk-UA" sz="3500" i="1">
-                                <a:latin typeface="Cambria Math" panose="02040503050406030204" pitchFamily="18" charset="0"/>
-                              </a:rPr>
-                            </m:ctrlPr>
-                          </m:sSubPr>
-                          <m:e>
-                            <m:r>
-                              <a:rPr lang="uk-UA" sz="3500" i="1">
-                                <a:latin typeface="Cambria Math" panose="02040503050406030204" pitchFamily="18" charset="0"/>
-                              </a:rPr>
-                              <m:t>𝑆</m:t>
-                            </m:r>
-                          </m:e>
-                          <m:sub>
-                            <m:r>
-                              <a:rPr lang="uk-UA" sz="3500" i="1">
-                                <a:latin typeface="Cambria Math" panose="02040503050406030204" pitchFamily="18" charset="0"/>
-                              </a:rPr>
-                              <m:t>𝑡</m:t>
-                            </m:r>
-                          </m:sub>
-                        </m:sSub>
-                        <m:r>
-                          <a:rPr lang="uk-UA" sz="3500" i="1">
-                            <a:latin typeface="Cambria Math" panose="02040503050406030204" pitchFamily="18" charset="0"/>
-                          </a:rPr>
-                          <m:t>,</m:t>
-                        </m:r>
-                        <m:r>
-                          <a:rPr lang="uk-UA" sz="3500" i="1">
-                            <a:latin typeface="Cambria Math" panose="02040503050406030204" pitchFamily="18" charset="0"/>
-                          </a:rPr>
-                          <m:t>𝑡</m:t>
-                        </m:r>
-                      </m:e>
-                    </m:d>
-                    <m:r>
-                      <a:rPr lang="uk-UA" sz="3500" i="1">
+                      <a:rPr lang="en-US" sz="3200" i="1" smtClean="0">
                         <a:latin typeface="Cambria Math" panose="02040503050406030204" pitchFamily="18" charset="0"/>
                       </a:rPr>
                       <m:t>=</m:t>
                     </m:r>
+                    <m:sSup>
+                      <m:sSupPr>
+                        <m:ctrlPr>
+                          <a:rPr lang="en-US" sz="3200" i="1" smtClean="0">
+                            <a:latin typeface="Cambria Math" panose="02040503050406030204" pitchFamily="18" charset="0"/>
+                          </a:rPr>
+                        </m:ctrlPr>
+                      </m:sSupPr>
+                      <m:e>
+                        <m:r>
+                          <a:rPr lang="en-US" sz="3200" i="1" smtClean="0">
+                            <a:latin typeface="Cambria Math" panose="02040503050406030204" pitchFamily="18" charset="0"/>
+                          </a:rPr>
+                          <m:t>ⅇ</m:t>
+                        </m:r>
+                      </m:e>
+                      <m:sup>
+                        <m:r>
+                          <a:rPr lang="en-US" sz="3200" i="1" smtClean="0">
+                            <a:latin typeface="Cambria Math" panose="02040503050406030204" pitchFamily="18" charset="0"/>
+                          </a:rPr>
+                          <m:t>−</m:t>
+                        </m:r>
+                        <m:r>
+                          <a:rPr lang="en-US" sz="3200" b="0" i="1" smtClean="0">
+                            <a:latin typeface="Cambria Math" panose="02040503050406030204" pitchFamily="18" charset="0"/>
+                          </a:rPr>
+                          <m:t>𝑟𝑇</m:t>
+                        </m:r>
+                      </m:sup>
+                    </m:sSup>
+                    <m:sSubSup>
+                      <m:sSubSupPr>
+                        <m:ctrlPr>
+                          <a:rPr lang="en-US" sz="3200" i="1" smtClean="0">
+                            <a:latin typeface="Cambria Math" panose="02040503050406030204" pitchFamily="18" charset="0"/>
+                          </a:rPr>
+                        </m:ctrlPr>
+                      </m:sSubSupPr>
+                      <m:e>
+                        <m:r>
+                          <a:rPr lang="en-US" sz="3200" i="1" smtClean="0">
+                            <a:latin typeface="Cambria Math" panose="02040503050406030204" pitchFamily="18" charset="0"/>
+                          </a:rPr>
+                          <m:t>𝛴</m:t>
+                        </m:r>
+                      </m:e>
+                      <m:sub>
+                        <m:r>
+                          <a:rPr lang="en-US" sz="3200" b="0" i="1" smtClean="0">
+                            <a:latin typeface="Cambria Math" panose="02040503050406030204" pitchFamily="18" charset="0"/>
+                          </a:rPr>
+                          <m:t>𝑘</m:t>
+                        </m:r>
+                        <m:r>
+                          <a:rPr lang="en-US" sz="3200" b="0" i="1" smtClean="0">
+                            <a:latin typeface="Cambria Math" panose="02040503050406030204" pitchFamily="18" charset="0"/>
+                          </a:rPr>
+                          <m:t>=</m:t>
+                        </m:r>
+                        <m:acc>
+                          <m:accPr>
+                            <m:chr m:val="̂"/>
+                            <m:ctrlPr>
+                              <a:rPr lang="en-US" sz="3200" i="1" smtClean="0">
+                                <a:latin typeface="Cambria Math" panose="02040503050406030204" pitchFamily="18" charset="0"/>
+                              </a:rPr>
+                            </m:ctrlPr>
+                          </m:accPr>
+                          <m:e>
+                            <m:r>
+                              <a:rPr lang="en-US" sz="3200" i="1" smtClean="0">
+                                <a:latin typeface="Cambria Math" panose="02040503050406030204" pitchFamily="18" charset="0"/>
+                              </a:rPr>
+                              <m:t>𝑘</m:t>
+                            </m:r>
+                          </m:e>
+                        </m:acc>
+                      </m:sub>
+                      <m:sup>
+                        <m:r>
+                          <a:rPr lang="en-US" sz="3200" i="1" smtClean="0">
+                            <a:latin typeface="Cambria Math" panose="02040503050406030204" pitchFamily="18" charset="0"/>
+                          </a:rPr>
+                          <m:t>𝑇</m:t>
+                        </m:r>
+                      </m:sup>
+                    </m:sSubSup>
                     <m:r>
-                      <a:rPr lang="uk-UA" sz="3500" i="1">
+                      <a:rPr lang="en-US" sz="3200" b="0" i="1" smtClean="0">
                         <a:latin typeface="Cambria Math" panose="02040503050406030204" pitchFamily="18" charset="0"/>
                       </a:rPr>
-                      <m:t>𝑁</m:t>
+                      <m:t>(</m:t>
                     </m:r>
+                    <m:f>
+                      <m:fPr>
+                        <m:ctrlPr>
+                          <a:rPr lang="en-US" sz="3200" b="0" i="1" smtClean="0">
+                            <a:latin typeface="Cambria Math" panose="02040503050406030204" pitchFamily="18" charset="0"/>
+                          </a:rPr>
+                        </m:ctrlPr>
+                      </m:fPr>
+                      <m:num>
+                        <m:r>
+                          <a:rPr lang="en-US" sz="3200" b="0" i="1" smtClean="0">
+                            <a:latin typeface="Cambria Math" panose="02040503050406030204" pitchFamily="18" charset="0"/>
+                          </a:rPr>
+                          <m:t>𝑇</m:t>
+                        </m:r>
+                      </m:num>
+                      <m:den>
+                        <m:r>
+                          <a:rPr lang="en-US" sz="3200" b="0" i="1" smtClean="0">
+                            <a:latin typeface="Cambria Math" panose="02040503050406030204" pitchFamily="18" charset="0"/>
+                          </a:rPr>
+                          <m:t>𝑘</m:t>
+                        </m:r>
+                      </m:den>
+                    </m:f>
+                    <m:r>
+                      <a:rPr lang="en-US" sz="3200" b="0" i="1" smtClean="0">
+                        <a:latin typeface="Cambria Math" panose="02040503050406030204" pitchFamily="18" charset="0"/>
+                      </a:rPr>
+                      <m:t>)</m:t>
+                    </m:r>
+                    <m:sSup>
+                      <m:sSupPr>
+                        <m:ctrlPr>
+                          <a:rPr lang="en-US" sz="3200" i="1" dirty="0">
+                            <a:latin typeface="Cambria Math" panose="02040503050406030204" pitchFamily="18" charset="0"/>
+                          </a:rPr>
+                        </m:ctrlPr>
+                      </m:sSupPr>
+                      <m:e>
+                        <m:r>
+                          <a:rPr lang="en-US" sz="3200" i="1" dirty="0">
+                            <a:latin typeface="Cambria Math" panose="02040503050406030204" pitchFamily="18" charset="0"/>
+                          </a:rPr>
+                          <m:t>𝑝</m:t>
+                        </m:r>
+                      </m:e>
+                      <m:sup>
+                        <m:r>
+                          <a:rPr lang="en-US" sz="3200" i="1" dirty="0">
+                            <a:latin typeface="Cambria Math" panose="02040503050406030204" pitchFamily="18" charset="0"/>
+                          </a:rPr>
+                          <m:t>𝑘</m:t>
+                        </m:r>
+                      </m:sup>
+                    </m:sSup>
+                    <m:sSup>
+                      <m:sSupPr>
+                        <m:ctrlPr>
+                          <a:rPr lang="en-US" sz="3200" i="1" dirty="0">
+                            <a:latin typeface="Cambria Math" panose="02040503050406030204" pitchFamily="18" charset="0"/>
+                          </a:rPr>
+                        </m:ctrlPr>
+                      </m:sSupPr>
+                      <m:e>
+                        <m:d>
+                          <m:dPr>
+                            <m:ctrlPr>
+                              <a:rPr lang="en-US" sz="3200" b="0" i="1" dirty="0" smtClean="0">
+                                <a:latin typeface="Cambria Math" panose="02040503050406030204" pitchFamily="18" charset="0"/>
+                              </a:rPr>
+                            </m:ctrlPr>
+                          </m:dPr>
+                          <m:e>
+                            <m:r>
+                              <a:rPr lang="en-US" sz="3200" b="0" i="1" dirty="0" smtClean="0">
+                                <a:latin typeface="Cambria Math" panose="02040503050406030204" pitchFamily="18" charset="0"/>
+                              </a:rPr>
+                              <m:t>1−</m:t>
+                            </m:r>
+                            <m:r>
+                              <a:rPr lang="en-US" sz="3200" b="0" i="1" dirty="0" smtClean="0">
+                                <a:latin typeface="Cambria Math" panose="02040503050406030204" pitchFamily="18" charset="0"/>
+                              </a:rPr>
+                              <m:t>𝑝</m:t>
+                            </m:r>
+                          </m:e>
+                        </m:d>
+                      </m:e>
+                      <m:sup>
+                        <m:r>
+                          <a:rPr lang="en-US" sz="3200" b="0" i="1" dirty="0" smtClean="0">
+                            <a:latin typeface="Cambria Math" panose="02040503050406030204" pitchFamily="18" charset="0"/>
+                          </a:rPr>
+                          <m:t>𝑇</m:t>
+                        </m:r>
+                        <m:r>
+                          <a:rPr lang="en-US" sz="3200" b="0" i="1" dirty="0" smtClean="0">
+                            <a:latin typeface="Cambria Math" panose="02040503050406030204" pitchFamily="18" charset="0"/>
+                          </a:rPr>
+                          <m:t>−</m:t>
+                        </m:r>
+                        <m:r>
+                          <a:rPr lang="en-US" sz="3200" i="1" dirty="0">
+                            <a:latin typeface="Cambria Math" panose="02040503050406030204" pitchFamily="18" charset="0"/>
+                          </a:rPr>
+                          <m:t>𝑘</m:t>
+                        </m:r>
+                      </m:sup>
+                    </m:sSup>
+                    <m:r>
+                      <a:rPr lang="en-US" sz="3200" b="0" i="1" dirty="0" smtClean="0">
+                        <a:latin typeface="Cambria Math" panose="02040503050406030204" pitchFamily="18" charset="0"/>
+                      </a:rPr>
+                      <m:t>𝑚𝑎𝑥</m:t>
+                    </m:r>
+                    <m:r>
+                      <a:rPr lang="en-US" sz="3200" b="0" i="1" dirty="0" smtClean="0">
+                        <a:latin typeface="Cambria Math" panose="02040503050406030204" pitchFamily="18" charset="0"/>
+                      </a:rPr>
+                      <m:t>(</m:t>
+                    </m:r>
+                    <m:sSub>
+                      <m:sSubPr>
+                        <m:ctrlPr>
+                          <a:rPr lang="en-US" sz="3200" b="0" i="1" dirty="0" smtClean="0">
+                            <a:latin typeface="Cambria Math" panose="02040503050406030204" pitchFamily="18" charset="0"/>
+                          </a:rPr>
+                        </m:ctrlPr>
+                      </m:sSubPr>
+                      <m:e>
+                        <m:r>
+                          <a:rPr lang="en-US" sz="3200" b="0" i="1" dirty="0" smtClean="0">
+                            <a:latin typeface="Cambria Math" panose="02040503050406030204" pitchFamily="18" charset="0"/>
+                          </a:rPr>
+                          <m:t>𝑠</m:t>
+                        </m:r>
+                      </m:e>
+                      <m:sub>
+                        <m:r>
+                          <a:rPr lang="en-US" sz="3200" b="0" i="1" dirty="0" smtClean="0">
+                            <a:latin typeface="Cambria Math" panose="02040503050406030204" pitchFamily="18" charset="0"/>
+                          </a:rPr>
+                          <m:t>0</m:t>
+                        </m:r>
+                      </m:sub>
+                    </m:sSub>
+                    <m:sSup>
+                      <m:sSupPr>
+                        <m:ctrlPr>
+                          <a:rPr lang="en-US" sz="3200" b="0" i="1" dirty="0" smtClean="0">
+                            <a:latin typeface="Cambria Math" panose="02040503050406030204" pitchFamily="18" charset="0"/>
+                          </a:rPr>
+                        </m:ctrlPr>
+                      </m:sSupPr>
+                      <m:e>
+                        <m:r>
+                          <a:rPr lang="en-US" sz="3200" b="0" i="1" dirty="0" smtClean="0">
+                            <a:latin typeface="Cambria Math" panose="02040503050406030204" pitchFamily="18" charset="0"/>
+                          </a:rPr>
+                          <m:t>𝑢</m:t>
+                        </m:r>
+                      </m:e>
+                      <m:sup>
+                        <m:r>
+                          <a:rPr lang="en-US" sz="3200" b="0" i="1" dirty="0" smtClean="0">
+                            <a:latin typeface="Cambria Math" panose="02040503050406030204" pitchFamily="18" charset="0"/>
+                          </a:rPr>
+                          <m:t>𝑘</m:t>
+                        </m:r>
+                      </m:sup>
+                    </m:sSup>
+                    <m:sSup>
+                      <m:sSupPr>
+                        <m:ctrlPr>
+                          <a:rPr lang="en-US" sz="3200" i="1" dirty="0">
+                            <a:latin typeface="Cambria Math" panose="02040503050406030204" pitchFamily="18" charset="0"/>
+                          </a:rPr>
+                        </m:ctrlPr>
+                      </m:sSupPr>
+                      <m:e>
+                        <m:r>
+                          <a:rPr lang="en-US" sz="3200" b="0" i="1" dirty="0" smtClean="0">
+                            <a:latin typeface="Cambria Math" panose="02040503050406030204" pitchFamily="18" charset="0"/>
+                          </a:rPr>
+                          <m:t>𝑑</m:t>
+                        </m:r>
+                      </m:e>
+                      <m:sup>
+                        <m:r>
+                          <a:rPr lang="en-US" sz="3200" b="0" i="1" dirty="0" smtClean="0">
+                            <a:latin typeface="Cambria Math" panose="02040503050406030204" pitchFamily="18" charset="0"/>
+                          </a:rPr>
+                          <m:t>𝑇</m:t>
+                        </m:r>
+                      </m:sup>
+                    </m:sSup>
+                    <m:r>
+                      <a:rPr lang="en-US" sz="3200" b="0" i="1" dirty="0" smtClean="0">
+                        <a:latin typeface="Cambria Math" panose="02040503050406030204" pitchFamily="18" charset="0"/>
+                      </a:rPr>
+                      <m:t>−</m:t>
+                    </m:r>
+                    <m:r>
+                      <a:rPr lang="en-US" sz="3200" b="0" i="1" dirty="0" smtClean="0">
+                        <a:latin typeface="Cambria Math" panose="02040503050406030204" pitchFamily="18" charset="0"/>
+                      </a:rPr>
+                      <m:t>𝐾</m:t>
+                    </m:r>
+                    <m:r>
+                      <a:rPr lang="en-US" sz="3200" b="0" i="1" dirty="0" smtClean="0">
+                        <a:latin typeface="Cambria Math" panose="02040503050406030204" pitchFamily="18" charset="0"/>
+                      </a:rPr>
+                      <m:t>,0)</m:t>
+                    </m:r>
+                  </m:oMath>
+                </a14:m>
+                <a:endParaRPr lang="en-US" sz="3200" dirty="0"/>
+              </a:p>
+              <a:p>
+                <a:pPr marL="0" indent="0">
+                  <a:buNone/>
+                </a:pPr>
+                <a:r>
+                  <a:rPr lang="en-US" sz="3200" dirty="0" smtClean="0"/>
+                  <a:t> Put - </a:t>
+                </a:r>
+                <a14:m>
+                  <m:oMath xmlns:m="http://schemas.openxmlformats.org/officeDocument/2006/math">
+                    <m:sSub>
+                      <m:sSubPr>
+                        <m:ctrlPr>
+                          <a:rPr lang="en-US" sz="3200" i="1">
+                            <a:latin typeface="Cambria Math" panose="02040503050406030204" pitchFamily="18" charset="0"/>
+                          </a:rPr>
+                        </m:ctrlPr>
+                      </m:sSubPr>
+                      <m:e>
+                        <m:r>
+                          <a:rPr lang="en-US" sz="3200" b="0" i="1" smtClean="0">
+                            <a:latin typeface="Cambria Math" panose="02040503050406030204" pitchFamily="18" charset="0"/>
+                          </a:rPr>
+                          <m:t>𝑃</m:t>
+                        </m:r>
+                      </m:e>
+                      <m:sub>
+                        <m:r>
+                          <a:rPr lang="en-US" sz="3200" i="1">
+                            <a:latin typeface="Cambria Math" panose="02040503050406030204" pitchFamily="18" charset="0"/>
+                          </a:rPr>
+                          <m:t>0</m:t>
+                        </m:r>
+                      </m:sub>
+                    </m:sSub>
+                    <m:r>
+                      <a:rPr lang="en-US" sz="3200" i="1">
+                        <a:latin typeface="Cambria Math" panose="02040503050406030204" pitchFamily="18" charset="0"/>
+                      </a:rPr>
+                      <m:t>=</m:t>
+                    </m:r>
+                    <m:sSup>
+                      <m:sSupPr>
+                        <m:ctrlPr>
+                          <a:rPr lang="en-US" sz="3200" i="1">
+                            <a:latin typeface="Cambria Math" panose="02040503050406030204" pitchFamily="18" charset="0"/>
+                          </a:rPr>
+                        </m:ctrlPr>
+                      </m:sSupPr>
+                      <m:e>
+                        <m:r>
+                          <a:rPr lang="en-US" sz="3200" i="1">
+                            <a:latin typeface="Cambria Math" panose="02040503050406030204" pitchFamily="18" charset="0"/>
+                          </a:rPr>
+                          <m:t>ⅇ</m:t>
+                        </m:r>
+                      </m:e>
+                      <m:sup>
+                        <m:r>
+                          <a:rPr lang="en-US" sz="3200" i="1">
+                            <a:latin typeface="Cambria Math" panose="02040503050406030204" pitchFamily="18" charset="0"/>
+                          </a:rPr>
+                          <m:t>−</m:t>
+                        </m:r>
+                        <m:r>
+                          <a:rPr lang="en-US" sz="3200" i="1">
+                            <a:latin typeface="Cambria Math" panose="02040503050406030204" pitchFamily="18" charset="0"/>
+                          </a:rPr>
+                          <m:t>𝑟𝑇</m:t>
+                        </m:r>
+                      </m:sup>
+                    </m:sSup>
+                    <m:sSubSup>
+                      <m:sSubSupPr>
+                        <m:ctrlPr>
+                          <a:rPr lang="en-US" sz="3200" i="1">
+                            <a:latin typeface="Cambria Math" panose="02040503050406030204" pitchFamily="18" charset="0"/>
+                          </a:rPr>
+                        </m:ctrlPr>
+                      </m:sSubSupPr>
+                      <m:e>
+                        <m:r>
+                          <a:rPr lang="en-US" sz="3200" i="1">
+                            <a:latin typeface="Cambria Math" panose="02040503050406030204" pitchFamily="18" charset="0"/>
+                          </a:rPr>
+                          <m:t>𝛴</m:t>
+                        </m:r>
+                      </m:e>
+                      <m:sub>
+                        <m:r>
+                          <a:rPr lang="en-US" sz="3200" i="1">
+                            <a:latin typeface="Cambria Math" panose="02040503050406030204" pitchFamily="18" charset="0"/>
+                          </a:rPr>
+                          <m:t>𝑘</m:t>
+                        </m:r>
+                        <m:r>
+                          <a:rPr lang="en-US" sz="3200" i="1">
+                            <a:latin typeface="Cambria Math" panose="02040503050406030204" pitchFamily="18" charset="0"/>
+                          </a:rPr>
+                          <m:t>=</m:t>
+                        </m:r>
+                        <m:acc>
+                          <m:accPr>
+                            <m:chr m:val="̂"/>
+                            <m:ctrlPr>
+                              <a:rPr lang="en-US" sz="3200" i="1">
+                                <a:latin typeface="Cambria Math" panose="02040503050406030204" pitchFamily="18" charset="0"/>
+                              </a:rPr>
+                            </m:ctrlPr>
+                          </m:accPr>
+                          <m:e>
+                            <m:r>
+                              <a:rPr lang="en-US" sz="3200" i="1">
+                                <a:latin typeface="Cambria Math" panose="02040503050406030204" pitchFamily="18" charset="0"/>
+                              </a:rPr>
+                              <m:t>𝑘</m:t>
+                            </m:r>
+                          </m:e>
+                        </m:acc>
+                      </m:sub>
+                      <m:sup>
+                        <m:r>
+                          <a:rPr lang="en-US" sz="3200" i="1">
+                            <a:latin typeface="Cambria Math" panose="02040503050406030204" pitchFamily="18" charset="0"/>
+                          </a:rPr>
+                          <m:t>𝑇</m:t>
+                        </m:r>
+                      </m:sup>
+                    </m:sSubSup>
                     <m:d>
                       <m:dPr>
                         <m:ctrlPr>
-                          <a:rPr lang="uk-UA" sz="3500" i="1">
+                          <a:rPr lang="en-US" sz="3200" i="1">
                             <a:latin typeface="Cambria Math" panose="02040503050406030204" pitchFamily="18" charset="0"/>
                           </a:rPr>
                         </m:ctrlPr>
                       </m:dPr>
                       <m:e>
-                        <m:sSub>
-                          <m:sSubPr>
+                        <m:f>
+                          <m:fPr>
                             <m:ctrlPr>
-                              <a:rPr lang="uk-UA" sz="3500" i="1">
+                              <a:rPr lang="en-US" sz="3200" i="1">
                                 <a:latin typeface="Cambria Math" panose="02040503050406030204" pitchFamily="18" charset="0"/>
                               </a:rPr>
                             </m:ctrlPr>
-                          </m:sSubPr>
-                          <m:e>
+                          </m:fPr>
+                          <m:num>
                             <m:r>
-                              <a:rPr lang="uk-UA" sz="3500" i="1">
-                                <a:latin typeface="Cambria Math" panose="02040503050406030204" pitchFamily="18" charset="0"/>
-                              </a:rPr>
-                              <m:t>ⅆ</m:t>
+                              <a:rPr lang="en-US" sz="3200" i="1">
+                                <a:latin typeface="Cambria Math" panose="02040503050406030204" pitchFamily="18" charset="0"/>
+                              </a:rPr>
+                              <m:t>𝑇</m:t>
                             </m:r>
-                          </m:e>
-                          <m:sub>
+                          </m:num>
+                          <m:den>
                             <m:r>
-                              <a:rPr lang="uk-UA" sz="3500" i="1">
-                                <a:latin typeface="Cambria Math" panose="02040503050406030204" pitchFamily="18" charset="0"/>
-                              </a:rPr>
-                              <m:t>1</m:t>
+                              <a:rPr lang="en-US" sz="3200" i="1">
+                                <a:latin typeface="Cambria Math" panose="02040503050406030204" pitchFamily="18" charset="0"/>
+                              </a:rPr>
+                              <m:t>𝑘</m:t>
                             </m:r>
-                          </m:sub>
-                        </m:sSub>
-                      </m:e>
-                    </m:d>
-                    <m:sSub>
-                      <m:sSubPr>
-                        <m:ctrlPr>
-                          <a:rPr lang="uk-UA" sz="3500" i="1">
-                            <a:latin typeface="Cambria Math" panose="02040503050406030204" pitchFamily="18" charset="0"/>
-                          </a:rPr>
-                        </m:ctrlPr>
-                      </m:sSubPr>
-                      <m:e>
-                        <m:r>
-                          <a:rPr lang="uk-UA" sz="3500" i="1">
-                            <a:latin typeface="Cambria Math" panose="02040503050406030204" pitchFamily="18" charset="0"/>
-                          </a:rPr>
-                          <m:t>𝑆</m:t>
-                        </m:r>
-                      </m:e>
-                      <m:sub>
-                        <m:r>
-                          <a:rPr lang="uk-UA" sz="3500" i="1">
-                            <a:latin typeface="Cambria Math" panose="02040503050406030204" pitchFamily="18" charset="0"/>
-                          </a:rPr>
-                          <m:t>𝑡</m:t>
-                        </m:r>
-                      </m:sub>
-                    </m:sSub>
-                    <m:r>
-                      <a:rPr lang="uk-UA" sz="3500" i="1">
-                        <a:latin typeface="Cambria Math" panose="02040503050406030204" pitchFamily="18" charset="0"/>
-                      </a:rPr>
-                      <m:t>− </m:t>
-                    </m:r>
-                    <m:r>
-                      <a:rPr lang="uk-UA" sz="3500" i="1">
-                        <a:latin typeface="Cambria Math" panose="02040503050406030204" pitchFamily="18" charset="0"/>
-                      </a:rPr>
-                      <m:t>𝑁</m:t>
-                    </m:r>
-                    <m:d>
-                      <m:dPr>
-                        <m:ctrlPr>
-                          <a:rPr lang="uk-UA" sz="3500" i="1">
-                            <a:latin typeface="Cambria Math" panose="02040503050406030204" pitchFamily="18" charset="0"/>
-                          </a:rPr>
-                        </m:ctrlPr>
-                      </m:dPr>
-                      <m:e>
-                        <m:sSub>
-                          <m:sSubPr>
-                            <m:ctrlPr>
-                              <a:rPr lang="uk-UA" sz="3500" i="1">
-                                <a:latin typeface="Cambria Math" panose="02040503050406030204" pitchFamily="18" charset="0"/>
-                              </a:rPr>
-                            </m:ctrlPr>
-                          </m:sSubPr>
-                          <m:e>
-                            <m:r>
-                              <a:rPr lang="uk-UA" sz="3500" i="1">
-                                <a:latin typeface="Cambria Math" panose="02040503050406030204" pitchFamily="18" charset="0"/>
-                              </a:rPr>
-                              <m:t>𝑑</m:t>
-                            </m:r>
-                          </m:e>
-                          <m:sub>
-                            <m:r>
-                              <a:rPr lang="uk-UA" sz="3500" i="1">
-                                <a:latin typeface="Cambria Math" panose="02040503050406030204" pitchFamily="18" charset="0"/>
-                              </a:rPr>
-                              <m:t>2</m:t>
-                            </m:r>
-                          </m:sub>
-                        </m:sSub>
+                          </m:den>
+                        </m:f>
                       </m:e>
                     </m:d>
                     <m:sSup>
                       <m:sSupPr>
                         <m:ctrlPr>
-                          <a:rPr lang="uk-UA" sz="3500" i="1">
+                          <a:rPr lang="en-US" sz="3200" i="1" dirty="0">
                             <a:latin typeface="Cambria Math" panose="02040503050406030204" pitchFamily="18" charset="0"/>
                           </a:rPr>
                         </m:ctrlPr>
                       </m:sSupPr>
                       <m:e>
                         <m:r>
-                          <a:rPr lang="uk-UA" sz="3500" i="1">
-                            <a:latin typeface="Cambria Math" panose="02040503050406030204" pitchFamily="18" charset="0"/>
-                          </a:rPr>
-                          <m:t>𝐾</m:t>
-                        </m:r>
-                        <m:r>
-                          <a:rPr lang="uk-UA" sz="3500" i="1">
-                            <a:latin typeface="Cambria Math" panose="02040503050406030204" pitchFamily="18" charset="0"/>
-                          </a:rPr>
-                          <m:t>ⅇ</m:t>
+                          <a:rPr lang="en-US" sz="3200" i="1" dirty="0">
+                            <a:latin typeface="Cambria Math" panose="02040503050406030204" pitchFamily="18" charset="0"/>
+                          </a:rPr>
+                          <m:t>𝑝</m:t>
                         </m:r>
                       </m:e>
                       <m:sup>
                         <m:r>
-                          <a:rPr lang="uk-UA" sz="3500" i="1">
-                            <a:latin typeface="Cambria Math" panose="02040503050406030204" pitchFamily="18" charset="0"/>
-                          </a:rPr>
-                          <m:t>− </m:t>
-                        </m:r>
-                        <m:r>
-                          <a:rPr lang="uk-UA" sz="3500" i="1">
-                            <a:latin typeface="Cambria Math" panose="02040503050406030204" pitchFamily="18" charset="0"/>
-                          </a:rPr>
-                          <m:t>𝑟</m:t>
-                        </m:r>
-                        <m:r>
-                          <a:rPr lang="uk-UA" sz="3500" i="1">
-                            <a:latin typeface="Cambria Math" panose="02040503050406030204" pitchFamily="18" charset="0"/>
-                          </a:rPr>
-                          <m:t> </m:t>
-                        </m:r>
+                          <a:rPr lang="en-US" sz="3200" i="1" dirty="0">
+                            <a:latin typeface="Cambria Math" panose="02040503050406030204" pitchFamily="18" charset="0"/>
+                          </a:rPr>
+                          <m:t>𝑘</m:t>
+                        </m:r>
+                      </m:sup>
+                    </m:sSup>
+                    <m:sSup>
+                      <m:sSupPr>
+                        <m:ctrlPr>
+                          <a:rPr lang="en-US" sz="3200" i="1" dirty="0">
+                            <a:latin typeface="Cambria Math" panose="02040503050406030204" pitchFamily="18" charset="0"/>
+                          </a:rPr>
+                        </m:ctrlPr>
+                      </m:sSupPr>
+                      <m:e>
                         <m:d>
                           <m:dPr>
                             <m:ctrlPr>
-                              <a:rPr lang="uk-UA" sz="3500" i="1">
+                              <a:rPr lang="en-US" sz="3200" i="1" dirty="0">
                                 <a:latin typeface="Cambria Math" panose="02040503050406030204" pitchFamily="18" charset="0"/>
                               </a:rPr>
                             </m:ctrlPr>
                           </m:dPr>
                           <m:e>
                             <m:r>
-                              <a:rPr lang="uk-UA" sz="3500" i="1">
-                                <a:latin typeface="Cambria Math" panose="02040503050406030204" pitchFamily="18" charset="0"/>
-                              </a:rPr>
-                              <m:t>𝑇</m:t>
+                              <a:rPr lang="en-US" sz="3200" i="1" dirty="0">
+                                <a:latin typeface="Cambria Math" panose="02040503050406030204" pitchFamily="18" charset="0"/>
+                              </a:rPr>
+                              <m:t>1−</m:t>
                             </m:r>
                             <m:r>
-                              <a:rPr lang="uk-UA" sz="3500" i="1">
-                                <a:latin typeface="Cambria Math" panose="02040503050406030204" pitchFamily="18" charset="0"/>
-                              </a:rPr>
-                              <m:t> − </m:t>
-                            </m:r>
-                            <m:r>
-                              <a:rPr lang="uk-UA" sz="3500" i="1">
-                                <a:latin typeface="Cambria Math" panose="02040503050406030204" pitchFamily="18" charset="0"/>
-                              </a:rPr>
-                              <m:t>𝑡</m:t>
+                              <a:rPr lang="en-US" sz="3200" i="1" dirty="0">
+                                <a:latin typeface="Cambria Math" panose="02040503050406030204" pitchFamily="18" charset="0"/>
+                              </a:rPr>
+                              <m:t>𝑝</m:t>
                             </m:r>
                           </m:e>
                         </m:d>
+                      </m:e>
+                      <m:sup>
+                        <m:r>
+                          <a:rPr lang="en-US" sz="3200" i="1" dirty="0">
+                            <a:latin typeface="Cambria Math" panose="02040503050406030204" pitchFamily="18" charset="0"/>
+                          </a:rPr>
+                          <m:t>𝑇</m:t>
+                        </m:r>
+                        <m:r>
+                          <a:rPr lang="en-US" sz="3200" i="1" dirty="0">
+                            <a:latin typeface="Cambria Math" panose="02040503050406030204" pitchFamily="18" charset="0"/>
+                          </a:rPr>
+                          <m:t>−</m:t>
+                        </m:r>
+                        <m:r>
+                          <a:rPr lang="en-US" sz="3200" i="1" dirty="0">
+                            <a:latin typeface="Cambria Math" panose="02040503050406030204" pitchFamily="18" charset="0"/>
+                          </a:rPr>
+                          <m:t>𝑘</m:t>
+                        </m:r>
                       </m:sup>
                     </m:sSup>
+                    <m:r>
+                      <a:rPr lang="en-US" sz="3200" i="1" dirty="0">
+                        <a:latin typeface="Cambria Math" panose="02040503050406030204" pitchFamily="18" charset="0"/>
+                      </a:rPr>
+                      <m:t>𝑚𝑎𝑥</m:t>
+                    </m:r>
+                    <m:d>
+                      <m:dPr>
+                        <m:ctrlPr>
+                          <a:rPr lang="en-US" sz="3200" i="1" dirty="0">
+                            <a:latin typeface="Cambria Math" panose="02040503050406030204" pitchFamily="18" charset="0"/>
+                          </a:rPr>
+                        </m:ctrlPr>
+                      </m:dPr>
+                      <m:e>
+                        <m:r>
+                          <a:rPr lang="en-US" sz="3200" b="0" i="1" dirty="0" smtClean="0">
+                            <a:latin typeface="Cambria Math" panose="02040503050406030204" pitchFamily="18" charset="0"/>
+                          </a:rPr>
+                          <m:t>𝐾</m:t>
+                        </m:r>
+                        <m:r>
+                          <a:rPr lang="en-US" sz="3200" b="0" i="1" dirty="0" smtClean="0">
+                            <a:latin typeface="Cambria Math" panose="02040503050406030204" pitchFamily="18" charset="0"/>
+                          </a:rPr>
+                          <m:t>−</m:t>
+                        </m:r>
+                        <m:sSub>
+                          <m:sSubPr>
+                            <m:ctrlPr>
+                              <a:rPr lang="en-US" sz="3200" i="1" dirty="0">
+                                <a:latin typeface="Cambria Math" panose="02040503050406030204" pitchFamily="18" charset="0"/>
+                              </a:rPr>
+                            </m:ctrlPr>
+                          </m:sSubPr>
+                          <m:e>
+                            <m:r>
+                              <a:rPr lang="en-US" sz="3200" i="1" dirty="0">
+                                <a:latin typeface="Cambria Math" panose="02040503050406030204" pitchFamily="18" charset="0"/>
+                              </a:rPr>
+                              <m:t>𝑠</m:t>
+                            </m:r>
+                          </m:e>
+                          <m:sub>
+                            <m:r>
+                              <a:rPr lang="en-US" sz="3200" i="1" dirty="0">
+                                <a:latin typeface="Cambria Math" panose="02040503050406030204" pitchFamily="18" charset="0"/>
+                              </a:rPr>
+                              <m:t>0</m:t>
+                            </m:r>
+                          </m:sub>
+                        </m:sSub>
+                        <m:sSup>
+                          <m:sSupPr>
+                            <m:ctrlPr>
+                              <a:rPr lang="en-US" sz="3200" i="1" dirty="0">
+                                <a:latin typeface="Cambria Math" panose="02040503050406030204" pitchFamily="18" charset="0"/>
+                              </a:rPr>
+                            </m:ctrlPr>
+                          </m:sSupPr>
+                          <m:e>
+                            <m:r>
+                              <a:rPr lang="en-US" sz="3200" i="1" dirty="0">
+                                <a:latin typeface="Cambria Math" panose="02040503050406030204" pitchFamily="18" charset="0"/>
+                              </a:rPr>
+                              <m:t>𝑢</m:t>
+                            </m:r>
+                          </m:e>
+                          <m:sup>
+                            <m:r>
+                              <a:rPr lang="en-US" sz="3200" i="1" dirty="0">
+                                <a:latin typeface="Cambria Math" panose="02040503050406030204" pitchFamily="18" charset="0"/>
+                              </a:rPr>
+                              <m:t>𝑘</m:t>
+                            </m:r>
+                          </m:sup>
+                        </m:sSup>
+                        <m:sSup>
+                          <m:sSupPr>
+                            <m:ctrlPr>
+                              <a:rPr lang="en-US" sz="3200" i="1" dirty="0">
+                                <a:latin typeface="Cambria Math" panose="02040503050406030204" pitchFamily="18" charset="0"/>
+                              </a:rPr>
+                            </m:ctrlPr>
+                          </m:sSupPr>
+                          <m:e>
+                            <m:r>
+                              <a:rPr lang="en-US" sz="3200" i="1" dirty="0">
+                                <a:latin typeface="Cambria Math" panose="02040503050406030204" pitchFamily="18" charset="0"/>
+                              </a:rPr>
+                              <m:t>𝑑</m:t>
+                            </m:r>
+                          </m:e>
+                          <m:sup>
+                            <m:r>
+                              <a:rPr lang="en-US" sz="3200" i="1" dirty="0">
+                                <a:latin typeface="Cambria Math" panose="02040503050406030204" pitchFamily="18" charset="0"/>
+                              </a:rPr>
+                              <m:t>𝑇</m:t>
+                            </m:r>
+                          </m:sup>
+                        </m:sSup>
+                        <m:r>
+                          <a:rPr lang="en-US" sz="3200" i="1" dirty="0">
+                            <a:latin typeface="Cambria Math" panose="02040503050406030204" pitchFamily="18" charset="0"/>
+                          </a:rPr>
+                          <m:t>,0</m:t>
+                        </m:r>
+                      </m:e>
+                    </m:d>
                   </m:oMath>
                 </a14:m>
+                <a:endParaRPr lang="en-US" sz="3200" dirty="0" smtClean="0"/>
+              </a:p>
+              <a:p>
                 <a:r>
-                  <a:rPr lang="uk-UA" sz="3500" dirty="0"/>
-                  <a:t>	</a:t>
+                  <a:rPr lang="en-US" b="1" i="1" dirty="0"/>
+                  <a:t>T</a:t>
                 </a:r>
-                <a:endParaRPr lang="uk-UA" sz="3500" dirty="0" smtClean="0"/>
+                <a:r>
+                  <a:rPr lang="en-US" dirty="0"/>
+                  <a:t> - </a:t>
+                </a:r>
+                <a:r>
+                  <a:rPr lang="uk-UA" dirty="0"/>
+                  <a:t>кількість кроків (кількість рівнів у біноміальному дереві),</a:t>
+                </a:r>
+              </a:p>
+              <a:p>
+                <a:r>
+                  <a:rPr lang="en-US" b="1" i="1" dirty="0" smtClean="0"/>
+                  <a:t>k</a:t>
+                </a:r>
+                <a:r>
+                  <a:rPr lang="en-US" b="1" dirty="0"/>
+                  <a:t>^</a:t>
+                </a:r>
+                <a:r>
+                  <a:rPr lang="en-US" dirty="0"/>
+                  <a:t> - </a:t>
+                </a:r>
+                <a:r>
+                  <a:rPr lang="uk-UA" dirty="0"/>
+                  <a:t>момент видачі </a:t>
+                </a:r>
+                <a:r>
+                  <a:rPr lang="uk-UA" dirty="0" smtClean="0"/>
+                  <a:t>опціону,</a:t>
+                </a:r>
+                <a:r>
+                  <a:rPr lang="en-US" dirty="0" smtClean="0"/>
+                  <a:t> </a:t>
+                </a:r>
+                <a:r>
+                  <a:rPr lang="en-US" b="1" i="1" dirty="0" smtClean="0"/>
+                  <a:t>p</a:t>
+                </a:r>
+                <a:r>
+                  <a:rPr lang="en-US" dirty="0" smtClean="0"/>
+                  <a:t> </a:t>
+                </a:r>
+                <a:r>
+                  <a:rPr lang="en-US" dirty="0"/>
+                  <a:t>- </a:t>
+                </a:r>
+                <a:r>
+                  <a:rPr lang="uk-UA" dirty="0"/>
+                  <a:t>ймовірність руху вгору за кожен крок,</a:t>
+                </a:r>
+              </a:p>
+              <a:p>
+                <a:r>
+                  <a:rPr lang="en-US" b="1" i="1" dirty="0" smtClean="0"/>
+                  <a:t>u</a:t>
+                </a:r>
+                <a:r>
+                  <a:rPr lang="en-US" dirty="0" smtClean="0"/>
+                  <a:t> </a:t>
+                </a:r>
+                <a:r>
+                  <a:rPr lang="en-US" dirty="0"/>
+                  <a:t>- </a:t>
+                </a:r>
+                <a:r>
+                  <a:rPr lang="uk-UA" dirty="0"/>
+                  <a:t>множник для вищого </a:t>
+                </a:r>
+                <a:r>
+                  <a:rPr lang="uk-UA" dirty="0" smtClean="0"/>
+                  <a:t>рівня,</a:t>
+                </a:r>
+                <a:r>
+                  <a:rPr lang="en-US" dirty="0" smtClean="0"/>
+                  <a:t> </a:t>
+                </a:r>
+                <a:r>
+                  <a:rPr lang="en-US" b="1" i="1" dirty="0" smtClean="0"/>
+                  <a:t>d</a:t>
+                </a:r>
+                <a:r>
+                  <a:rPr lang="en-US" dirty="0" smtClean="0"/>
+                  <a:t> </a:t>
+                </a:r>
+                <a:r>
+                  <a:rPr lang="en-US" dirty="0"/>
+                  <a:t>- </a:t>
+                </a:r>
+                <a:r>
+                  <a:rPr lang="uk-UA" dirty="0"/>
+                  <a:t>множник для нижнього рівня,</a:t>
+                </a:r>
+              </a:p>
+              <a:p>
+                <a:r>
+                  <a:rPr lang="en-US" b="1" dirty="0" smtClean="0"/>
+                  <a:t>s</a:t>
+                </a:r>
+                <a:r>
+                  <a:rPr lang="en-US" b="1" baseline="-25000" dirty="0"/>
+                  <a:t>0</a:t>
+                </a:r>
+                <a:r>
+                  <a:rPr lang="en-US" dirty="0" smtClean="0"/>
+                  <a:t>​ - </a:t>
+                </a:r>
+                <a:r>
+                  <a:rPr lang="uk-UA" dirty="0" smtClean="0"/>
+                  <a:t>початкова ціна акції,</a:t>
+                </a:r>
+                <a:r>
+                  <a:rPr lang="en-US" dirty="0" smtClean="0"/>
+                  <a:t> </a:t>
+                </a:r>
+                <a:r>
+                  <a:rPr lang="en-US" b="1" i="1" dirty="0" smtClean="0"/>
+                  <a:t>K</a:t>
+                </a:r>
+                <a:r>
+                  <a:rPr lang="en-US" dirty="0" smtClean="0"/>
+                  <a:t> - </a:t>
+                </a:r>
+                <a:r>
+                  <a:rPr lang="uk-UA" dirty="0" smtClean="0"/>
+                  <a:t>страйк-ціна опціону,</a:t>
+                </a:r>
+              </a:p>
+              <a:p>
+                <a:r>
+                  <a:rPr lang="en-US" i="1" dirty="0" smtClean="0"/>
+                  <a:t>r</a:t>
+                </a:r>
+                <a:r>
+                  <a:rPr lang="en-US" dirty="0" smtClean="0"/>
+                  <a:t> </a:t>
+                </a:r>
+                <a:r>
+                  <a:rPr lang="en-US" dirty="0"/>
+                  <a:t>- </a:t>
+                </a:r>
+                <a:r>
+                  <a:rPr lang="uk-UA" dirty="0"/>
+                  <a:t>процентна ставка, </a:t>
+                </a:r>
+                <a:r>
+                  <a:rPr lang="uk-UA" dirty="0" smtClean="0"/>
+                  <a:t>і</a:t>
+                </a:r>
+                <a:r>
+                  <a:rPr lang="en-US" dirty="0" smtClean="0"/>
+                  <a:t> max(</a:t>
+                </a:r>
+                <a:r>
+                  <a:rPr lang="en-US" i="1" dirty="0" err="1" smtClean="0"/>
+                  <a:t>a</a:t>
+                </a:r>
+                <a:r>
+                  <a:rPr lang="en-US" dirty="0" err="1" smtClean="0"/>
+                  <a:t>,</a:t>
+                </a:r>
+                <a:r>
+                  <a:rPr lang="en-US" i="1" dirty="0" err="1" smtClean="0"/>
+                  <a:t>b</a:t>
+                </a:r>
+                <a:r>
+                  <a:rPr lang="en-US" dirty="0"/>
+                  <a:t>) - </a:t>
+                </a:r>
+                <a:r>
+                  <a:rPr lang="uk-UA" dirty="0"/>
+                  <a:t>функція, яка повертає більше з двох значень.</a:t>
+                </a:r>
               </a:p>
               <a:p>
                 <a:pPr marL="0" indent="0">
-                  <a:buFont typeface="Calibri" panose="020F0502020204030204" pitchFamily="34" charset="0"/>
                   <a:buNone/>
                 </a:pPr>
-                <a:endParaRPr lang="uk-UA" sz="3500" dirty="0" smtClean="0"/>
-              </a:p>
-              <a:p>
-                <a:pPr marL="0" indent="0">
-                  <a:buFont typeface="Calibri" panose="020F0502020204030204" pitchFamily="34" charset="0"/>
-                  <a:buNone/>
-                </a:pPr>
-                <a14:m>
-                  <m:oMathPara xmlns:m="http://schemas.openxmlformats.org/officeDocument/2006/math">
-                    <m:oMathParaPr>
-                      <m:jc m:val="left"/>
-                    </m:oMathParaPr>
-                    <m:oMath xmlns:m="http://schemas.openxmlformats.org/officeDocument/2006/math">
-                      <m:r>
-                        <a:rPr lang="uk-UA" sz="3500" i="1">
-                          <a:latin typeface="Cambria Math" panose="02040503050406030204" pitchFamily="18" charset="0"/>
-                        </a:rPr>
-                        <m:t>𝑃</m:t>
-                      </m:r>
-                      <m:d>
-                        <m:dPr>
-                          <m:ctrlPr>
-                            <a:rPr lang="uk-UA" sz="3500" i="1">
-                              <a:latin typeface="Cambria Math" panose="02040503050406030204" pitchFamily="18" charset="0"/>
-                            </a:rPr>
-                          </m:ctrlPr>
-                        </m:dPr>
-                        <m:e>
-                          <m:sSub>
-                            <m:sSubPr>
-                              <m:ctrlPr>
-                                <a:rPr lang="uk-UA" sz="3500" i="1">
-                                  <a:latin typeface="Cambria Math" panose="02040503050406030204" pitchFamily="18" charset="0"/>
-                                </a:rPr>
-                              </m:ctrlPr>
-                            </m:sSubPr>
-                            <m:e>
-                              <m:r>
-                                <a:rPr lang="uk-UA" sz="3500" i="1">
-                                  <a:latin typeface="Cambria Math" panose="02040503050406030204" pitchFamily="18" charset="0"/>
-                                </a:rPr>
-                                <m:t>𝑆</m:t>
-                              </m:r>
-                            </m:e>
-                            <m:sub>
-                              <m:r>
-                                <a:rPr lang="uk-UA" sz="3500" i="1">
-                                  <a:latin typeface="Cambria Math" panose="02040503050406030204" pitchFamily="18" charset="0"/>
-                                </a:rPr>
-                                <m:t>𝑡</m:t>
-                              </m:r>
-                            </m:sub>
-                          </m:sSub>
-                          <m:r>
-                            <a:rPr lang="uk-UA" sz="3500" i="1">
-                              <a:latin typeface="Cambria Math" panose="02040503050406030204" pitchFamily="18" charset="0"/>
-                            </a:rPr>
-                            <m:t>,</m:t>
-                          </m:r>
-                          <m:r>
-                            <a:rPr lang="uk-UA" sz="3500" i="1">
-                              <a:latin typeface="Cambria Math" panose="02040503050406030204" pitchFamily="18" charset="0"/>
-                            </a:rPr>
-                            <m:t>𝑡</m:t>
-                          </m:r>
-                        </m:e>
-                      </m:d>
-                      <m:r>
-                        <a:rPr lang="uk-UA" sz="3500" i="1">
-                          <a:latin typeface="Cambria Math" panose="02040503050406030204" pitchFamily="18" charset="0"/>
-                        </a:rPr>
-                        <m:t>=</m:t>
-                      </m:r>
-                      <m:r>
-                        <a:rPr lang="uk-UA" sz="3500" i="1">
-                          <a:latin typeface="Cambria Math" panose="02040503050406030204" pitchFamily="18" charset="0"/>
-                        </a:rPr>
-                        <m:t>𝐾</m:t>
-                      </m:r>
-                      <m:sSup>
-                        <m:sSupPr>
-                          <m:ctrlPr>
-                            <a:rPr lang="uk-UA" sz="3500" i="1">
-                              <a:latin typeface="Cambria Math" panose="02040503050406030204" pitchFamily="18" charset="0"/>
-                            </a:rPr>
-                          </m:ctrlPr>
-                        </m:sSupPr>
-                        <m:e>
-                          <m:r>
-                            <a:rPr lang="uk-UA" sz="3500" i="1">
-                              <a:latin typeface="Cambria Math" panose="02040503050406030204" pitchFamily="18" charset="0"/>
-                            </a:rPr>
-                            <m:t>ⅇ</m:t>
-                          </m:r>
-                        </m:e>
-                        <m:sup>
-                          <m:r>
-                            <a:rPr lang="uk-UA" sz="3500" i="1">
-                              <a:latin typeface="Cambria Math" panose="02040503050406030204" pitchFamily="18" charset="0"/>
-                            </a:rPr>
-                            <m:t>− </m:t>
-                          </m:r>
-                          <m:r>
-                            <a:rPr lang="uk-UA" sz="3500" i="1">
-                              <a:latin typeface="Cambria Math" panose="02040503050406030204" pitchFamily="18" charset="0"/>
-                            </a:rPr>
-                            <m:t>𝑟</m:t>
-                          </m:r>
-                          <m:r>
-                            <a:rPr lang="uk-UA" sz="3500" i="1">
-                              <a:latin typeface="Cambria Math" panose="02040503050406030204" pitchFamily="18" charset="0"/>
-                            </a:rPr>
-                            <m:t> </m:t>
-                          </m:r>
-                          <m:d>
-                            <m:dPr>
-                              <m:ctrlPr>
-                                <a:rPr lang="uk-UA" sz="3500" i="1">
-                                  <a:latin typeface="Cambria Math" panose="02040503050406030204" pitchFamily="18" charset="0"/>
-                                </a:rPr>
-                              </m:ctrlPr>
-                            </m:dPr>
-                            <m:e>
-                              <m:r>
-                                <a:rPr lang="uk-UA" sz="3500" i="1">
-                                  <a:latin typeface="Cambria Math" panose="02040503050406030204" pitchFamily="18" charset="0"/>
-                                </a:rPr>
-                                <m:t>𝑇</m:t>
-                              </m:r>
-                              <m:r>
-                                <a:rPr lang="uk-UA" sz="3500" i="1">
-                                  <a:latin typeface="Cambria Math" panose="02040503050406030204" pitchFamily="18" charset="0"/>
-                                </a:rPr>
-                                <m:t> − </m:t>
-                              </m:r>
-                              <m:r>
-                                <a:rPr lang="uk-UA" sz="3500" i="1">
-                                  <a:latin typeface="Cambria Math" panose="02040503050406030204" pitchFamily="18" charset="0"/>
-                                </a:rPr>
-                                <m:t>𝑡</m:t>
-                              </m:r>
-                            </m:e>
-                          </m:d>
-                        </m:sup>
-                      </m:sSup>
-                      <m:r>
-                        <a:rPr lang="uk-UA" sz="3500" i="1">
-                          <a:latin typeface="Cambria Math" panose="02040503050406030204" pitchFamily="18" charset="0"/>
-                        </a:rPr>
-                        <m:t>−</m:t>
-                      </m:r>
-                      <m:sSub>
-                        <m:sSubPr>
-                          <m:ctrlPr>
-                            <a:rPr lang="uk-UA" sz="3500" i="1">
-                              <a:latin typeface="Cambria Math" panose="02040503050406030204" pitchFamily="18" charset="0"/>
-                            </a:rPr>
-                          </m:ctrlPr>
-                        </m:sSubPr>
-                        <m:e>
-                          <m:r>
-                            <a:rPr lang="uk-UA" sz="3500" i="1">
-                              <a:latin typeface="Cambria Math" panose="02040503050406030204" pitchFamily="18" charset="0"/>
-                            </a:rPr>
-                            <m:t>𝑆</m:t>
-                          </m:r>
-                        </m:e>
-                        <m:sub>
-                          <m:r>
-                            <a:rPr lang="uk-UA" sz="3500" i="1">
-                              <a:latin typeface="Cambria Math" panose="02040503050406030204" pitchFamily="18" charset="0"/>
-                            </a:rPr>
-                            <m:t>𝑡</m:t>
-                          </m:r>
-                        </m:sub>
-                      </m:sSub>
-                      <m:r>
-                        <a:rPr lang="uk-UA" sz="3500" i="1">
-                          <a:latin typeface="Cambria Math" panose="02040503050406030204" pitchFamily="18" charset="0"/>
-                        </a:rPr>
-                        <m:t>+</m:t>
-                      </m:r>
-                      <m:r>
-                        <a:rPr lang="uk-UA" sz="3500" i="1">
-                          <a:latin typeface="Cambria Math" panose="02040503050406030204" pitchFamily="18" charset="0"/>
-                        </a:rPr>
-                        <m:t>𝐶</m:t>
-                      </m:r>
-                      <m:r>
-                        <a:rPr lang="uk-UA" sz="3500" i="1">
-                          <a:latin typeface="Cambria Math" panose="02040503050406030204" pitchFamily="18" charset="0"/>
-                        </a:rPr>
-                        <m:t>(</m:t>
-                      </m:r>
-                      <m:sSub>
-                        <m:sSubPr>
-                          <m:ctrlPr>
-                            <a:rPr lang="uk-UA" sz="3500" i="1">
-                              <a:latin typeface="Cambria Math" panose="02040503050406030204" pitchFamily="18" charset="0"/>
-                            </a:rPr>
-                          </m:ctrlPr>
-                        </m:sSubPr>
-                        <m:e>
-                          <m:r>
-                            <a:rPr lang="uk-UA" sz="3500" i="1">
-                              <a:latin typeface="Cambria Math" panose="02040503050406030204" pitchFamily="18" charset="0"/>
-                            </a:rPr>
-                            <m:t>𝑆</m:t>
-                          </m:r>
-                        </m:e>
-                        <m:sub>
-                          <m:r>
-                            <a:rPr lang="uk-UA" sz="3500" i="1">
-                              <a:latin typeface="Cambria Math" panose="02040503050406030204" pitchFamily="18" charset="0"/>
-                            </a:rPr>
-                            <m:t>𝑡</m:t>
-                          </m:r>
-                        </m:sub>
-                      </m:sSub>
-                      <m:r>
-                        <a:rPr lang="uk-UA" sz="3500" i="1">
-                          <a:latin typeface="Cambria Math" panose="02040503050406030204" pitchFamily="18" charset="0"/>
-                        </a:rPr>
-                        <m:t>,</m:t>
-                      </m:r>
-                      <m:r>
-                        <a:rPr lang="uk-UA" sz="3500" i="1">
-                          <a:latin typeface="Cambria Math" panose="02040503050406030204" pitchFamily="18" charset="0"/>
-                        </a:rPr>
-                        <m:t>𝑡</m:t>
-                      </m:r>
-                      <m:r>
-                        <a:rPr lang="uk-UA" sz="3500" i="1">
-                          <a:latin typeface="Cambria Math" panose="02040503050406030204" pitchFamily="18" charset="0"/>
-                        </a:rPr>
-                        <m:t>)</m:t>
-                      </m:r>
-                    </m:oMath>
-                  </m:oMathPara>
-                </a14:m>
-                <a:endParaRPr lang="uk-UA" sz="3500" dirty="0" smtClean="0"/>
-              </a:p>
-              <a:p>
-                <a:pPr marL="0" indent="0">
-                  <a:buFont typeface="Calibri" panose="020F0502020204030204" pitchFamily="34" charset="0"/>
-                  <a:buNone/>
-                </a:pPr>
-                <a:endParaRPr lang="uk-UA" sz="3500" dirty="0" smtClean="0"/>
-              </a:p>
-              <a:p>
-                <a:pPr marL="0" indent="0">
-                  <a:buFont typeface="Calibri" panose="020F0502020204030204" pitchFamily="34" charset="0"/>
-                  <a:buNone/>
-                </a:pPr>
-                <a14:m>
-                  <m:oMathPara xmlns:m="http://schemas.openxmlformats.org/officeDocument/2006/math">
-                    <m:oMathParaPr>
-                      <m:jc m:val="left"/>
-                    </m:oMathParaPr>
-                    <m:oMath xmlns:m="http://schemas.openxmlformats.org/officeDocument/2006/math">
-                      <m:r>
-                        <a:rPr lang="uk-UA" sz="3400" i="1">
-                          <a:latin typeface="Cambria Math" panose="02040503050406030204" pitchFamily="18" charset="0"/>
-                        </a:rPr>
-                        <m:t>𝑃</m:t>
-                      </m:r>
-                      <m:d>
-                        <m:dPr>
-                          <m:ctrlPr>
-                            <a:rPr lang="uk-UA" sz="3400" i="1">
-                              <a:latin typeface="Cambria Math" panose="02040503050406030204" pitchFamily="18" charset="0"/>
-                            </a:rPr>
-                          </m:ctrlPr>
-                        </m:dPr>
-                        <m:e>
-                          <m:sSub>
-                            <m:sSubPr>
-                              <m:ctrlPr>
-                                <a:rPr lang="uk-UA" sz="3400" i="1">
-                                  <a:latin typeface="Cambria Math" panose="02040503050406030204" pitchFamily="18" charset="0"/>
-                                </a:rPr>
-                              </m:ctrlPr>
-                            </m:sSubPr>
-                            <m:e>
-                              <m:r>
-                                <a:rPr lang="uk-UA" sz="3400" i="1">
-                                  <a:latin typeface="Cambria Math" panose="02040503050406030204" pitchFamily="18" charset="0"/>
-                                </a:rPr>
-                                <m:t>𝑆</m:t>
-                              </m:r>
-                            </m:e>
-                            <m:sub>
-                              <m:r>
-                                <a:rPr lang="uk-UA" sz="3400" i="1">
-                                  <a:latin typeface="Cambria Math" panose="02040503050406030204" pitchFamily="18" charset="0"/>
-                                </a:rPr>
-                                <m:t>𝑡</m:t>
-                              </m:r>
-                            </m:sub>
-                          </m:sSub>
-                          <m:r>
-                            <a:rPr lang="uk-UA" sz="3400" i="1">
-                              <a:latin typeface="Cambria Math" panose="02040503050406030204" pitchFamily="18" charset="0"/>
-                            </a:rPr>
-                            <m:t>,</m:t>
-                          </m:r>
-                          <m:r>
-                            <a:rPr lang="uk-UA" sz="3400" i="1">
-                              <a:latin typeface="Cambria Math" panose="02040503050406030204" pitchFamily="18" charset="0"/>
-                            </a:rPr>
-                            <m:t>𝑡</m:t>
-                          </m:r>
-                        </m:e>
-                      </m:d>
-                      <m:r>
-                        <a:rPr lang="uk-UA" sz="3400" i="1">
-                          <a:latin typeface="Cambria Math" panose="02040503050406030204" pitchFamily="18" charset="0"/>
-                        </a:rPr>
-                        <m:t>=−</m:t>
-                      </m:r>
-                      <m:r>
-                        <a:rPr lang="uk-UA" sz="3400" i="1">
-                          <a:latin typeface="Cambria Math" panose="02040503050406030204" pitchFamily="18" charset="0"/>
-                        </a:rPr>
-                        <m:t>𝑁</m:t>
-                      </m:r>
-                      <m:d>
-                        <m:dPr>
-                          <m:ctrlPr>
-                            <a:rPr lang="uk-UA" sz="3400" i="1">
-                              <a:latin typeface="Cambria Math" panose="02040503050406030204" pitchFamily="18" charset="0"/>
-                            </a:rPr>
-                          </m:ctrlPr>
-                        </m:dPr>
-                        <m:e>
-                          <m:sSub>
-                            <m:sSubPr>
-                              <m:ctrlPr>
-                                <a:rPr lang="uk-UA" sz="3400" i="1">
-                                  <a:latin typeface="Cambria Math" panose="02040503050406030204" pitchFamily="18" charset="0"/>
-                                </a:rPr>
-                              </m:ctrlPr>
-                            </m:sSubPr>
-                            <m:e>
-                              <m:r>
-                                <a:rPr lang="uk-UA" sz="3400" i="1">
-                                  <a:latin typeface="Cambria Math" panose="02040503050406030204" pitchFamily="18" charset="0"/>
-                                </a:rPr>
-                                <m:t>−ⅆ</m:t>
-                              </m:r>
-                            </m:e>
-                            <m:sub>
-                              <m:r>
-                                <a:rPr lang="uk-UA" sz="3400" i="1">
-                                  <a:latin typeface="Cambria Math" panose="02040503050406030204" pitchFamily="18" charset="0"/>
-                                </a:rPr>
-                                <m:t>1</m:t>
-                              </m:r>
-                            </m:sub>
-                          </m:sSub>
-                        </m:e>
-                      </m:d>
-                      <m:sSub>
-                        <m:sSubPr>
-                          <m:ctrlPr>
-                            <a:rPr lang="uk-UA" sz="3400" i="1">
-                              <a:latin typeface="Cambria Math" panose="02040503050406030204" pitchFamily="18" charset="0"/>
-                            </a:rPr>
-                          </m:ctrlPr>
-                        </m:sSubPr>
-                        <m:e>
-                          <m:r>
-                            <a:rPr lang="uk-UA" sz="3400" i="1">
-                              <a:latin typeface="Cambria Math" panose="02040503050406030204" pitchFamily="18" charset="0"/>
-                            </a:rPr>
-                            <m:t>𝑆</m:t>
-                          </m:r>
-                        </m:e>
-                        <m:sub>
-                          <m:r>
-                            <a:rPr lang="uk-UA" sz="3400" i="1">
-                              <a:latin typeface="Cambria Math" panose="02040503050406030204" pitchFamily="18" charset="0"/>
-                            </a:rPr>
-                            <m:t>𝑡</m:t>
-                          </m:r>
-                        </m:sub>
-                      </m:sSub>
-                      <m:r>
-                        <a:rPr lang="uk-UA" sz="3400" i="1">
-                          <a:latin typeface="Cambria Math" panose="02040503050406030204" pitchFamily="18" charset="0"/>
-                        </a:rPr>
-                        <m:t>+ </m:t>
-                      </m:r>
-                      <m:r>
-                        <a:rPr lang="uk-UA" sz="3400" i="1">
-                          <a:latin typeface="Cambria Math" panose="02040503050406030204" pitchFamily="18" charset="0"/>
-                        </a:rPr>
-                        <m:t>𝑁</m:t>
-                      </m:r>
-                      <m:d>
-                        <m:dPr>
-                          <m:ctrlPr>
-                            <a:rPr lang="uk-UA" sz="3400" i="1">
-                              <a:latin typeface="Cambria Math" panose="02040503050406030204" pitchFamily="18" charset="0"/>
-                            </a:rPr>
-                          </m:ctrlPr>
-                        </m:dPr>
-                        <m:e>
-                          <m:sSub>
-                            <m:sSubPr>
-                              <m:ctrlPr>
-                                <a:rPr lang="uk-UA" sz="3400" i="1">
-                                  <a:latin typeface="Cambria Math" panose="02040503050406030204" pitchFamily="18" charset="0"/>
-                                </a:rPr>
-                              </m:ctrlPr>
-                            </m:sSubPr>
-                            <m:e>
-                              <m:r>
-                                <a:rPr lang="uk-UA" sz="3400" i="1">
-                                  <a:latin typeface="Cambria Math" panose="02040503050406030204" pitchFamily="18" charset="0"/>
-                                </a:rPr>
-                                <m:t>−</m:t>
-                              </m:r>
-                              <m:r>
-                                <a:rPr lang="uk-UA" sz="3400" i="1">
-                                  <a:latin typeface="Cambria Math" panose="02040503050406030204" pitchFamily="18" charset="0"/>
-                                </a:rPr>
-                                <m:t>𝑑</m:t>
-                              </m:r>
-                            </m:e>
-                            <m:sub>
-                              <m:r>
-                                <a:rPr lang="uk-UA" sz="3400" i="1">
-                                  <a:latin typeface="Cambria Math" panose="02040503050406030204" pitchFamily="18" charset="0"/>
-                                </a:rPr>
-                                <m:t>2</m:t>
-                              </m:r>
-                            </m:sub>
-                          </m:sSub>
-                        </m:e>
-                      </m:d>
-                      <m:sSup>
-                        <m:sSupPr>
-                          <m:ctrlPr>
-                            <a:rPr lang="uk-UA" sz="3400" i="1">
-                              <a:latin typeface="Cambria Math" panose="02040503050406030204" pitchFamily="18" charset="0"/>
-                            </a:rPr>
-                          </m:ctrlPr>
-                        </m:sSupPr>
-                        <m:e>
-                          <m:r>
-                            <a:rPr lang="uk-UA" sz="3400" i="1">
-                              <a:latin typeface="Cambria Math" panose="02040503050406030204" pitchFamily="18" charset="0"/>
-                            </a:rPr>
-                            <m:t>𝐾</m:t>
-                          </m:r>
-                          <m:r>
-                            <a:rPr lang="uk-UA" sz="3400" i="1">
-                              <a:latin typeface="Cambria Math" panose="02040503050406030204" pitchFamily="18" charset="0"/>
-                            </a:rPr>
-                            <m:t>ⅇ</m:t>
-                          </m:r>
-                        </m:e>
-                        <m:sup>
-                          <m:r>
-                            <a:rPr lang="uk-UA" sz="3400" i="1">
-                              <a:latin typeface="Cambria Math" panose="02040503050406030204" pitchFamily="18" charset="0"/>
-                            </a:rPr>
-                            <m:t>− </m:t>
-                          </m:r>
-                          <m:r>
-                            <a:rPr lang="uk-UA" sz="3400" i="1">
-                              <a:latin typeface="Cambria Math" panose="02040503050406030204" pitchFamily="18" charset="0"/>
-                            </a:rPr>
-                            <m:t>𝑟</m:t>
-                          </m:r>
-                          <m:r>
-                            <a:rPr lang="uk-UA" sz="3400" i="1">
-                              <a:latin typeface="Cambria Math" panose="02040503050406030204" pitchFamily="18" charset="0"/>
-                            </a:rPr>
-                            <m:t> </m:t>
-                          </m:r>
-                          <m:d>
-                            <m:dPr>
-                              <m:ctrlPr>
-                                <a:rPr lang="uk-UA" sz="3400" i="1">
-                                  <a:latin typeface="Cambria Math" panose="02040503050406030204" pitchFamily="18" charset="0"/>
-                                </a:rPr>
-                              </m:ctrlPr>
-                            </m:dPr>
-                            <m:e>
-                              <m:r>
-                                <a:rPr lang="uk-UA" sz="3400" i="1">
-                                  <a:latin typeface="Cambria Math" panose="02040503050406030204" pitchFamily="18" charset="0"/>
-                                </a:rPr>
-                                <m:t>𝑇</m:t>
-                              </m:r>
-                              <m:r>
-                                <a:rPr lang="uk-UA" sz="3400" i="1">
-                                  <a:latin typeface="Cambria Math" panose="02040503050406030204" pitchFamily="18" charset="0"/>
-                                </a:rPr>
-                                <m:t> − </m:t>
-                              </m:r>
-                              <m:r>
-                                <a:rPr lang="uk-UA" sz="3400" i="1">
-                                  <a:latin typeface="Cambria Math" panose="02040503050406030204" pitchFamily="18" charset="0"/>
-                                </a:rPr>
-                                <m:t>𝑡</m:t>
-                              </m:r>
-                            </m:e>
-                          </m:d>
-                        </m:sup>
-                      </m:sSup>
-                    </m:oMath>
-                  </m:oMathPara>
-                </a14:m>
-                <a:endParaRPr lang="uk-UA" sz="3400" dirty="0"/>
-              </a:p>
-              <a:p>
-                <a:pPr marL="0" indent="0">
-                  <a:buFont typeface="Calibri" panose="020F0502020204030204" pitchFamily="34" charset="0"/>
-                  <a:buNone/>
-                </a:pPr>
-                <a:endParaRPr lang="uk-UA" sz="3500" dirty="0"/>
-              </a:p>
-              <a:p>
-                <a:pPr marL="0" indent="0">
-                  <a:buFont typeface="Calibri" panose="020F0502020204030204" pitchFamily="34" charset="0"/>
-                  <a:buNone/>
-                </a:pPr>
-                <a:endParaRPr lang="uk-UA" sz="3500" dirty="0"/>
+                <a:endParaRPr lang="uk-UA" sz="3000" dirty="0"/>
               </a:p>
             </p:txBody>
           </p:sp>
         </mc:Choice>
-        <mc:Fallback xmlns="">
+        <mc:Fallback>
           <p:sp>
             <p:nvSpPr>
-              <p:cNvPr id="5" name="Объект 2"/>
+              <p:cNvPr id="9" name="Объект 3"/>
               <p:cNvSpPr txBox="1">
                 <a:spLocks noRot="1" noChangeAspect="1" noMove="1" noResize="1" noEditPoints="1" noAdjustHandles="1" noChangeArrowheads="1" noChangeShapeType="1" noTextEdit="1"/>
               </p:cNvSpPr>
@@ -6927,8 +8433,8 @@
             </p:nvSpPr>
             <p:spPr>
               <a:xfrm>
-                <a:off x="3656910" y="2011058"/>
-                <a:ext cx="8411922" cy="3345033"/>
+                <a:off x="1572090" y="1813984"/>
+                <a:ext cx="10058400" cy="4023360"/>
               </a:xfrm>
               <a:prstGeom prst="rect">
                 <a:avLst/>
@@ -6936,7 +8442,7 @@
               <a:blipFill>
                 <a:blip r:embed="rId4"/>
                 <a:stretch>
-                  <a:fillRect/>
+                  <a:fillRect l="-1515"/>
                 </a:stretch>
               </a:blipFill>
             </p:spPr>
@@ -6955,531 +8461,6 @@
           </p:sp>
         </mc:Fallback>
       </mc:AlternateContent>
-    </p:spTree>
-    <p:extLst>
-      <p:ext uri="{BB962C8B-B14F-4D97-AF65-F5344CB8AC3E}">
-        <p14:creationId xmlns:p14="http://schemas.microsoft.com/office/powerpoint/2010/main" val="4103899773"/>
-      </p:ext>
-    </p:extLst>
-  </p:cSld>
-  <p:clrMapOvr>
-    <a:masterClrMapping/>
-  </p:clrMapOvr>
-  <mc:AlternateContent xmlns:mc="http://schemas.openxmlformats.org/markup-compatibility/2006">
-    <mc:Choice xmlns:p14="http://schemas.microsoft.com/office/powerpoint/2010/main" Requires="p14">
-      <p:transition spd="slow" p14:dur="1300">
-        <p14:pan dir="u"/>
-      </p:transition>
-    </mc:Choice>
-    <mc:Fallback>
-      <p:transition spd="slow">
-        <p:fade/>
-      </p:transition>
-    </mc:Fallback>
-  </mc:AlternateContent>
-  <p:timing>
-    <p:tnLst>
-      <p:par>
-        <p:cTn id="1" dur="indefinite" restart="never" nodeType="tmRoot"/>
-      </p:par>
-    </p:tnLst>
-  </p:timing>
-</p:sld>
-</file>
-
-<file path=ppt/slides/slide5.xml><?xml version="1.0" encoding="utf-8"?>
-<p:sld xmlns:a="http://schemas.openxmlformats.org/drawingml/2006/main" xmlns:r="http://schemas.openxmlformats.org/officeDocument/2006/relationships" xmlns:p="http://schemas.openxmlformats.org/presentationml/2006/main">
-  <p:cSld>
-    <p:spTree>
-      <p:nvGrpSpPr>
-        <p:cNvPr id="1" name=""/>
-        <p:cNvGrpSpPr/>
-        <p:nvPr/>
-      </p:nvGrpSpPr>
-      <p:grpSpPr>
-        <a:xfrm>
-          <a:off x="0" y="0"/>
-          <a:ext cx="0" cy="0"/>
-          <a:chOff x="0" y="0"/>
-          <a:chExt cx="0" cy="0"/>
-        </a:xfrm>
-      </p:grpSpPr>
-      <p:sp>
-        <p:nvSpPr>
-          <p:cNvPr id="2" name="Заголовок 1"/>
-          <p:cNvSpPr>
-            <a:spLocks noGrp="1"/>
-          </p:cNvSpPr>
-          <p:nvPr>
-            <p:ph type="title"/>
-          </p:nvPr>
-        </p:nvSpPr>
-        <p:spPr>
-          <a:xfrm>
-            <a:off x="1771049" y="378904"/>
-            <a:ext cx="10058400" cy="1450757"/>
-          </a:xfrm>
-        </p:spPr>
-        <p:txBody>
-          <a:bodyPr>
-            <a:normAutofit/>
-          </a:bodyPr>
-          <a:lstStyle/>
-          <a:p>
-            <a:pPr lvl="1" algn="l" rtl="0">
-              <a:lnSpc>
-                <a:spcPct val="85000"/>
-              </a:lnSpc>
-              <a:spcBef>
-                <a:spcPct val="0"/>
-              </a:spcBef>
-            </a:pPr>
-            <a:r>
-              <a:rPr kumimoji="0" lang="uk-UA" sz="4800" b="0" i="0" u="none" strike="noStrike" kern="1200" cap="none" spc="-50" normalizeH="0" baseline="0" noProof="0" dirty="0" smtClean="0">
-                <a:ln>
-                  <a:noFill/>
-                </a:ln>
-                <a:solidFill>
-                  <a:srgbClr val="000000">
-                    <a:lumMod val="75000"/>
-                    <a:lumOff val="25000"/>
-                  </a:srgbClr>
-                </a:solidFill>
-                <a:effectLst/>
-                <a:uLnTx/>
-                <a:uFillTx/>
-                <a:latin typeface="Calibri Light" panose="020F0302020204030204"/>
-                <a:ea typeface="+mj-ea"/>
-                <a:cs typeface="+mj-cs"/>
-              </a:rPr>
-              <a:t>Модель </a:t>
-            </a:r>
-            <a:r>
-              <a:rPr kumimoji="0" lang="en-US" sz="4800" b="0" i="0" u="none" strike="noStrike" kern="1200" cap="none" spc="-50" normalizeH="0" baseline="0" noProof="0" dirty="0" smtClean="0">
-                <a:ln>
-                  <a:noFill/>
-                </a:ln>
-                <a:solidFill>
-                  <a:srgbClr val="000000">
-                    <a:lumMod val="75000"/>
-                    <a:lumOff val="25000"/>
-                  </a:srgbClr>
-                </a:solidFill>
-                <a:effectLst/>
-                <a:uLnTx/>
-                <a:uFillTx/>
-                <a:latin typeface="Calibri Light" panose="020F0302020204030204"/>
-                <a:ea typeface="+mj-ea"/>
-                <a:cs typeface="+mj-cs"/>
-              </a:rPr>
-              <a:t>Cox-Ross-Rubinstein (CRR)</a:t>
-            </a:r>
-            <a:r>
-              <a:rPr lang="uk-UA" sz="1800" b="1" dirty="0"/>
-              <a:t/>
-            </a:r>
-            <a:br>
-              <a:rPr lang="uk-UA" sz="1800" b="1" dirty="0"/>
-            </a:br>
-            <a:endParaRPr lang="uk-UA" dirty="0"/>
-          </a:p>
-        </p:txBody>
-      </p:sp>
-      <p:pic>
-        <p:nvPicPr>
-          <p:cNvPr id="4" name="Объект 3"/>
-          <p:cNvPicPr>
-            <a:picLocks noGrp="1" noChangeAspect="1"/>
-          </p:cNvPicPr>
-          <p:nvPr>
-            <p:ph idx="1"/>
-          </p:nvPr>
-        </p:nvPicPr>
-        <p:blipFill>
-          <a:blip r:embed="rId2"/>
-          <a:stretch>
-            <a:fillRect/>
-          </a:stretch>
-        </p:blipFill>
-        <p:spPr>
-          <a:xfrm>
-            <a:off x="1771049" y="1900885"/>
-            <a:ext cx="7029450" cy="1162050"/>
-          </a:xfrm>
-          <a:prstGeom prst="rect">
-            <a:avLst/>
-          </a:prstGeom>
-        </p:spPr>
-      </p:pic>
-      <p:sp>
-        <p:nvSpPr>
-          <p:cNvPr id="5" name="Объект 2"/>
-          <p:cNvSpPr txBox="1">
-            <a:spLocks/>
-          </p:cNvSpPr>
-          <p:nvPr/>
-        </p:nvSpPr>
-        <p:spPr>
-          <a:xfrm>
-            <a:off x="1771049" y="3282115"/>
-            <a:ext cx="8596668" cy="2496057"/>
-          </a:xfrm>
-          <a:prstGeom prst="rect">
-            <a:avLst/>
-          </a:prstGeom>
-        </p:spPr>
-        <p:txBody>
-          <a:bodyPr vert="horz" lIns="0" tIns="45720" rIns="0" bIns="45720" rtlCol="0">
-            <a:normAutofit fontScale="92500" lnSpcReduction="10000"/>
-          </a:bodyPr>
-          <a:lstStyle>
-            <a:lvl1pPr marL="91440" indent="-91440" algn="l" defTabSz="914400" rtl="0" eaLnBrk="1" latinLnBrk="0" hangingPunct="1">
-              <a:lnSpc>
-                <a:spcPct val="90000"/>
-              </a:lnSpc>
-              <a:spcBef>
-                <a:spcPts val="1200"/>
-              </a:spcBef>
-              <a:spcAft>
-                <a:spcPts val="200"/>
-              </a:spcAft>
-              <a:buClr>
-                <a:schemeClr val="accent1"/>
-              </a:buClr>
-              <a:buSzPct val="100000"/>
-              <a:buFont typeface="Calibri" panose="020F0502020204030204" pitchFamily="34" charset="0"/>
-              <a:buChar char=" "/>
-              <a:defRPr sz="2000" kern="1200">
-                <a:solidFill>
-                  <a:schemeClr val="tx1">
-                    <a:lumMod val="75000"/>
-                    <a:lumOff val="25000"/>
-                  </a:schemeClr>
-                </a:solidFill>
-                <a:latin typeface="+mn-lt"/>
-                <a:ea typeface="+mn-ea"/>
-                <a:cs typeface="+mn-cs"/>
-              </a:defRPr>
-            </a:lvl1pPr>
-            <a:lvl2pPr marL="384048" indent="-182880" algn="l" defTabSz="914400" rtl="0" eaLnBrk="1" latinLnBrk="0" hangingPunct="1">
-              <a:lnSpc>
-                <a:spcPct val="90000"/>
-              </a:lnSpc>
-              <a:spcBef>
-                <a:spcPts val="200"/>
-              </a:spcBef>
-              <a:spcAft>
-                <a:spcPts val="400"/>
-              </a:spcAft>
-              <a:buClr>
-                <a:schemeClr val="accent1"/>
-              </a:buClr>
-              <a:buFont typeface="Calibri" pitchFamily="34" charset="0"/>
-              <a:buChar char="◦"/>
-              <a:defRPr sz="1800" kern="1200">
-                <a:solidFill>
-                  <a:schemeClr val="tx1">
-                    <a:lumMod val="75000"/>
-                    <a:lumOff val="25000"/>
-                  </a:schemeClr>
-                </a:solidFill>
-                <a:latin typeface="+mn-lt"/>
-                <a:ea typeface="+mn-ea"/>
-                <a:cs typeface="+mn-cs"/>
-              </a:defRPr>
-            </a:lvl2pPr>
-            <a:lvl3pPr marL="566928" indent="-182880" algn="l" defTabSz="914400" rtl="0" eaLnBrk="1" latinLnBrk="0" hangingPunct="1">
-              <a:lnSpc>
-                <a:spcPct val="90000"/>
-              </a:lnSpc>
-              <a:spcBef>
-                <a:spcPts val="200"/>
-              </a:spcBef>
-              <a:spcAft>
-                <a:spcPts val="400"/>
-              </a:spcAft>
-              <a:buClr>
-                <a:schemeClr val="accent1"/>
-              </a:buClr>
-              <a:buFont typeface="Calibri" pitchFamily="34" charset="0"/>
-              <a:buChar char="◦"/>
-              <a:defRPr sz="1400" kern="1200">
-                <a:solidFill>
-                  <a:schemeClr val="tx1">
-                    <a:lumMod val="75000"/>
-                    <a:lumOff val="25000"/>
-                  </a:schemeClr>
-                </a:solidFill>
-                <a:latin typeface="+mn-lt"/>
-                <a:ea typeface="+mn-ea"/>
-                <a:cs typeface="+mn-cs"/>
-              </a:defRPr>
-            </a:lvl3pPr>
-            <a:lvl4pPr marL="749808" indent="-182880" algn="l" defTabSz="914400" rtl="0" eaLnBrk="1" latinLnBrk="0" hangingPunct="1">
-              <a:lnSpc>
-                <a:spcPct val="90000"/>
-              </a:lnSpc>
-              <a:spcBef>
-                <a:spcPts val="200"/>
-              </a:spcBef>
-              <a:spcAft>
-                <a:spcPts val="400"/>
-              </a:spcAft>
-              <a:buClr>
-                <a:schemeClr val="accent1"/>
-              </a:buClr>
-              <a:buFont typeface="Calibri" pitchFamily="34" charset="0"/>
-              <a:buChar char="◦"/>
-              <a:defRPr sz="1400" kern="1200">
-                <a:solidFill>
-                  <a:schemeClr val="tx1">
-                    <a:lumMod val="75000"/>
-                    <a:lumOff val="25000"/>
-                  </a:schemeClr>
-                </a:solidFill>
-                <a:latin typeface="+mn-lt"/>
-                <a:ea typeface="+mn-ea"/>
-                <a:cs typeface="+mn-cs"/>
-              </a:defRPr>
-            </a:lvl4pPr>
-            <a:lvl5pPr marL="932688" indent="-182880" algn="l" defTabSz="914400" rtl="0" eaLnBrk="1" latinLnBrk="0" hangingPunct="1">
-              <a:lnSpc>
-                <a:spcPct val="90000"/>
-              </a:lnSpc>
-              <a:spcBef>
-                <a:spcPts val="200"/>
-              </a:spcBef>
-              <a:spcAft>
-                <a:spcPts val="400"/>
-              </a:spcAft>
-              <a:buClr>
-                <a:schemeClr val="accent1"/>
-              </a:buClr>
-              <a:buFont typeface="Calibri" pitchFamily="34" charset="0"/>
-              <a:buChar char="◦"/>
-              <a:defRPr sz="1400" kern="1200">
-                <a:solidFill>
-                  <a:schemeClr val="tx1">
-                    <a:lumMod val="75000"/>
-                    <a:lumOff val="25000"/>
-                  </a:schemeClr>
-                </a:solidFill>
-                <a:latin typeface="+mn-lt"/>
-                <a:ea typeface="+mn-ea"/>
-                <a:cs typeface="+mn-cs"/>
-              </a:defRPr>
-            </a:lvl5pPr>
-            <a:lvl6pPr marL="1100000" indent="-228600" algn="l" defTabSz="914400" rtl="0" eaLnBrk="1" latinLnBrk="0" hangingPunct="1">
-              <a:lnSpc>
-                <a:spcPct val="90000"/>
-              </a:lnSpc>
-              <a:spcBef>
-                <a:spcPts val="200"/>
-              </a:spcBef>
-              <a:spcAft>
-                <a:spcPts val="400"/>
-              </a:spcAft>
-              <a:buClr>
-                <a:schemeClr val="accent1"/>
-              </a:buClr>
-              <a:buFont typeface="Calibri" pitchFamily="34" charset="0"/>
-              <a:buChar char="◦"/>
-              <a:defRPr sz="1400" kern="1200">
-                <a:solidFill>
-                  <a:schemeClr val="tx1">
-                    <a:lumMod val="75000"/>
-                    <a:lumOff val="25000"/>
-                  </a:schemeClr>
-                </a:solidFill>
-                <a:latin typeface="+mn-lt"/>
-                <a:ea typeface="+mn-ea"/>
-                <a:cs typeface="+mn-cs"/>
-              </a:defRPr>
-            </a:lvl6pPr>
-            <a:lvl7pPr marL="1300000" indent="-228600" algn="l" defTabSz="914400" rtl="0" eaLnBrk="1" latinLnBrk="0" hangingPunct="1">
-              <a:lnSpc>
-                <a:spcPct val="90000"/>
-              </a:lnSpc>
-              <a:spcBef>
-                <a:spcPts val="200"/>
-              </a:spcBef>
-              <a:spcAft>
-                <a:spcPts val="400"/>
-              </a:spcAft>
-              <a:buClr>
-                <a:schemeClr val="accent1"/>
-              </a:buClr>
-              <a:buFont typeface="Calibri" pitchFamily="34" charset="0"/>
-              <a:buChar char="◦"/>
-              <a:defRPr sz="1400" kern="1200">
-                <a:solidFill>
-                  <a:schemeClr val="tx1">
-                    <a:lumMod val="75000"/>
-                    <a:lumOff val="25000"/>
-                  </a:schemeClr>
-                </a:solidFill>
-                <a:latin typeface="+mn-lt"/>
-                <a:ea typeface="+mn-ea"/>
-                <a:cs typeface="+mn-cs"/>
-              </a:defRPr>
-            </a:lvl7pPr>
-            <a:lvl8pPr marL="1500000" indent="-228600" algn="l" defTabSz="914400" rtl="0" eaLnBrk="1" latinLnBrk="0" hangingPunct="1">
-              <a:lnSpc>
-                <a:spcPct val="90000"/>
-              </a:lnSpc>
-              <a:spcBef>
-                <a:spcPts val="200"/>
-              </a:spcBef>
-              <a:spcAft>
-                <a:spcPts val="400"/>
-              </a:spcAft>
-              <a:buClr>
-                <a:schemeClr val="accent1"/>
-              </a:buClr>
-              <a:buFont typeface="Calibri" pitchFamily="34" charset="0"/>
-              <a:buChar char="◦"/>
-              <a:defRPr sz="1400" kern="1200">
-                <a:solidFill>
-                  <a:schemeClr val="tx1">
-                    <a:lumMod val="75000"/>
-                    <a:lumOff val="25000"/>
-                  </a:schemeClr>
-                </a:solidFill>
-                <a:latin typeface="+mn-lt"/>
-                <a:ea typeface="+mn-ea"/>
-                <a:cs typeface="+mn-cs"/>
-              </a:defRPr>
-            </a:lvl8pPr>
-            <a:lvl9pPr marL="1700000" indent="-228600" algn="l" defTabSz="914400" rtl="0" eaLnBrk="1" latinLnBrk="0" hangingPunct="1">
-              <a:lnSpc>
-                <a:spcPct val="90000"/>
-              </a:lnSpc>
-              <a:spcBef>
-                <a:spcPts val="200"/>
-              </a:spcBef>
-              <a:spcAft>
-                <a:spcPts val="400"/>
-              </a:spcAft>
-              <a:buClr>
-                <a:schemeClr val="accent1"/>
-              </a:buClr>
-              <a:buFont typeface="Calibri" pitchFamily="34" charset="0"/>
-              <a:buChar char="◦"/>
-              <a:defRPr sz="1400" kern="1200">
-                <a:solidFill>
-                  <a:schemeClr val="tx1">
-                    <a:lumMod val="75000"/>
-                    <a:lumOff val="25000"/>
-                  </a:schemeClr>
-                </a:solidFill>
-                <a:latin typeface="+mn-lt"/>
-                <a:ea typeface="+mn-ea"/>
-                <a:cs typeface="+mn-cs"/>
-              </a:defRPr>
-            </a:lvl9pPr>
-          </a:lstStyle>
-          <a:p>
-            <a:pPr marL="0" indent="0">
-              <a:buFont typeface="Calibri" panose="020F0502020204030204" pitchFamily="34" charset="0"/>
-              <a:buNone/>
-            </a:pPr>
-            <a:r>
-              <a:rPr lang="uk-UA" dirty="0" smtClean="0"/>
-              <a:t>Припущення: </a:t>
-            </a:r>
-          </a:p>
-          <a:p>
-            <a:r>
-              <a:rPr lang="uk-UA" dirty="0" smtClean="0"/>
-              <a:t>Відсутність арбітражу.</a:t>
-            </a:r>
-          </a:p>
-          <a:p>
-            <a:r>
-              <a:rPr lang="uk-UA" dirty="0" smtClean="0"/>
-              <a:t>Дискретний час.</a:t>
-            </a:r>
-          </a:p>
-          <a:p>
-            <a:r>
-              <a:rPr lang="uk-UA" dirty="0" smtClean="0"/>
-              <a:t>Бінарні рухи ціни активу.</a:t>
-            </a:r>
-          </a:p>
-          <a:p>
-            <a:r>
-              <a:rPr lang="uk-UA" dirty="0" smtClean="0"/>
-              <a:t>Незалежність в періодах.</a:t>
-            </a:r>
-          </a:p>
-          <a:p>
-            <a:r>
-              <a:rPr lang="uk-UA" dirty="0" smtClean="0"/>
-              <a:t>Відсутність трансакційних витрат.</a:t>
-            </a:r>
-          </a:p>
-          <a:p>
-            <a:endParaRPr lang="uk-UA" dirty="0"/>
-          </a:p>
-        </p:txBody>
-      </p:sp>
-      <p:pic>
-        <p:nvPicPr>
-          <p:cNvPr id="7" name="Google Shape;69;p2"/>
-          <p:cNvPicPr preferRelativeResize="0"/>
-          <p:nvPr/>
-        </p:nvPicPr>
-        <p:blipFill rotWithShape="1">
-          <a:blip r:embed="rId3">
-            <a:alphaModFix/>
-          </a:blip>
-          <a:srcRect/>
-          <a:stretch/>
-        </p:blipFill>
-        <p:spPr>
-          <a:xfrm>
-            <a:off x="9" y="0"/>
-            <a:ext cx="1331486" cy="6858000"/>
-          </a:xfrm>
-          <a:prstGeom prst="rect">
-            <a:avLst/>
-          </a:prstGeom>
-          <a:solidFill>
-            <a:srgbClr val="FFC000"/>
-          </a:solidFill>
-          <a:ln>
-            <a:noFill/>
-          </a:ln>
-        </p:spPr>
-      </p:pic>
-      <p:pic>
-        <p:nvPicPr>
-          <p:cNvPr id="8" name="Google Shape;74;p2"/>
-          <p:cNvPicPr preferRelativeResize="0"/>
-          <p:nvPr/>
-        </p:nvPicPr>
-        <p:blipFill>
-          <a:blip r:embed="rId4">
-            <a:alphaModFix/>
-          </a:blip>
-          <a:stretch>
-            <a:fillRect/>
-          </a:stretch>
-        </p:blipFill>
-        <p:spPr>
-          <a:xfrm>
-            <a:off x="0" y="188963"/>
-            <a:ext cx="1331510" cy="1261808"/>
-          </a:xfrm>
-          <a:prstGeom prst="rect">
-            <a:avLst/>
-          </a:prstGeom>
-          <a:noFill/>
-          <a:ln>
-            <a:noFill/>
-          </a:ln>
-        </p:spPr>
-      </p:pic>
     </p:spTree>
     <p:extLst>
       <p:ext uri="{BB962C8B-B14F-4D97-AF65-F5344CB8AC3E}">
@@ -7503,7 +8484,7 @@
 </p:sld>
 </file>
 
-<file path=ppt/slides/slide6.xml><?xml version="1.0" encoding="utf-8"?>
+<file path=ppt/slides/slide7.xml><?xml version="1.0" encoding="utf-8"?>
 <p:sld xmlns:a="http://schemas.openxmlformats.org/drawingml/2006/main" xmlns:r="http://schemas.openxmlformats.org/officeDocument/2006/relationships" xmlns:p="http://schemas.openxmlformats.org/presentationml/2006/main">
   <p:cSld>
     <p:spTree>
@@ -7690,350 +8671,6 @@
           </a:extLst>
         </p:spPr>
       </p:pic>
-      <p:sp>
-        <p:nvSpPr>
-          <p:cNvPr id="6" name="Объект 2"/>
-          <p:cNvSpPr txBox="1">
-            <a:spLocks/>
-          </p:cNvSpPr>
-          <p:nvPr/>
-        </p:nvSpPr>
-        <p:spPr>
-          <a:xfrm>
-            <a:off x="1450206" y="2520810"/>
-            <a:ext cx="9850638" cy="3105239"/>
-          </a:xfrm>
-          <a:prstGeom prst="rect">
-            <a:avLst/>
-          </a:prstGeom>
-        </p:spPr>
-        <p:txBody>
-          <a:bodyPr vert="horz" lIns="0" tIns="45720" rIns="0" bIns="45720" rtlCol="0">
-            <a:normAutofit/>
-          </a:bodyPr>
-          <a:lstStyle>
-            <a:lvl1pPr marL="91440" indent="-91440" algn="l" defTabSz="914400" rtl="0" eaLnBrk="1" latinLnBrk="0" hangingPunct="1">
-              <a:lnSpc>
-                <a:spcPct val="90000"/>
-              </a:lnSpc>
-              <a:spcBef>
-                <a:spcPts val="1200"/>
-              </a:spcBef>
-              <a:spcAft>
-                <a:spcPts val="200"/>
-              </a:spcAft>
-              <a:buClr>
-                <a:schemeClr val="accent1"/>
-              </a:buClr>
-              <a:buSzPct val="100000"/>
-              <a:buFont typeface="Calibri" panose="020F0502020204030204" pitchFamily="34" charset="0"/>
-              <a:buChar char=" "/>
-              <a:defRPr sz="2000" kern="1200">
-                <a:solidFill>
-                  <a:schemeClr val="tx1">
-                    <a:lumMod val="75000"/>
-                    <a:lumOff val="25000"/>
-                  </a:schemeClr>
-                </a:solidFill>
-                <a:latin typeface="+mn-lt"/>
-                <a:ea typeface="+mn-ea"/>
-                <a:cs typeface="+mn-cs"/>
-              </a:defRPr>
-            </a:lvl1pPr>
-            <a:lvl2pPr marL="384048" indent="-182880" algn="l" defTabSz="914400" rtl="0" eaLnBrk="1" latinLnBrk="0" hangingPunct="1">
-              <a:lnSpc>
-                <a:spcPct val="90000"/>
-              </a:lnSpc>
-              <a:spcBef>
-                <a:spcPts val="200"/>
-              </a:spcBef>
-              <a:spcAft>
-                <a:spcPts val="400"/>
-              </a:spcAft>
-              <a:buClr>
-                <a:schemeClr val="accent1"/>
-              </a:buClr>
-              <a:buFont typeface="Calibri" pitchFamily="34" charset="0"/>
-              <a:buChar char="◦"/>
-              <a:defRPr sz="1800" kern="1200">
-                <a:solidFill>
-                  <a:schemeClr val="tx1">
-                    <a:lumMod val="75000"/>
-                    <a:lumOff val="25000"/>
-                  </a:schemeClr>
-                </a:solidFill>
-                <a:latin typeface="+mn-lt"/>
-                <a:ea typeface="+mn-ea"/>
-                <a:cs typeface="+mn-cs"/>
-              </a:defRPr>
-            </a:lvl2pPr>
-            <a:lvl3pPr marL="566928" indent="-182880" algn="l" defTabSz="914400" rtl="0" eaLnBrk="1" latinLnBrk="0" hangingPunct="1">
-              <a:lnSpc>
-                <a:spcPct val="90000"/>
-              </a:lnSpc>
-              <a:spcBef>
-                <a:spcPts val="200"/>
-              </a:spcBef>
-              <a:spcAft>
-                <a:spcPts val="400"/>
-              </a:spcAft>
-              <a:buClr>
-                <a:schemeClr val="accent1"/>
-              </a:buClr>
-              <a:buFont typeface="Calibri" pitchFamily="34" charset="0"/>
-              <a:buChar char="◦"/>
-              <a:defRPr sz="1400" kern="1200">
-                <a:solidFill>
-                  <a:schemeClr val="tx1">
-                    <a:lumMod val="75000"/>
-                    <a:lumOff val="25000"/>
-                  </a:schemeClr>
-                </a:solidFill>
-                <a:latin typeface="+mn-lt"/>
-                <a:ea typeface="+mn-ea"/>
-                <a:cs typeface="+mn-cs"/>
-              </a:defRPr>
-            </a:lvl3pPr>
-            <a:lvl4pPr marL="749808" indent="-182880" algn="l" defTabSz="914400" rtl="0" eaLnBrk="1" latinLnBrk="0" hangingPunct="1">
-              <a:lnSpc>
-                <a:spcPct val="90000"/>
-              </a:lnSpc>
-              <a:spcBef>
-                <a:spcPts val="200"/>
-              </a:spcBef>
-              <a:spcAft>
-                <a:spcPts val="400"/>
-              </a:spcAft>
-              <a:buClr>
-                <a:schemeClr val="accent1"/>
-              </a:buClr>
-              <a:buFont typeface="Calibri" pitchFamily="34" charset="0"/>
-              <a:buChar char="◦"/>
-              <a:defRPr sz="1400" kern="1200">
-                <a:solidFill>
-                  <a:schemeClr val="tx1">
-                    <a:lumMod val="75000"/>
-                    <a:lumOff val="25000"/>
-                  </a:schemeClr>
-                </a:solidFill>
-                <a:latin typeface="+mn-lt"/>
-                <a:ea typeface="+mn-ea"/>
-                <a:cs typeface="+mn-cs"/>
-              </a:defRPr>
-            </a:lvl4pPr>
-            <a:lvl5pPr marL="932688" indent="-182880" algn="l" defTabSz="914400" rtl="0" eaLnBrk="1" latinLnBrk="0" hangingPunct="1">
-              <a:lnSpc>
-                <a:spcPct val="90000"/>
-              </a:lnSpc>
-              <a:spcBef>
-                <a:spcPts val="200"/>
-              </a:spcBef>
-              <a:spcAft>
-                <a:spcPts val="400"/>
-              </a:spcAft>
-              <a:buClr>
-                <a:schemeClr val="accent1"/>
-              </a:buClr>
-              <a:buFont typeface="Calibri" pitchFamily="34" charset="0"/>
-              <a:buChar char="◦"/>
-              <a:defRPr sz="1400" kern="1200">
-                <a:solidFill>
-                  <a:schemeClr val="tx1">
-                    <a:lumMod val="75000"/>
-                    <a:lumOff val="25000"/>
-                  </a:schemeClr>
-                </a:solidFill>
-                <a:latin typeface="+mn-lt"/>
-                <a:ea typeface="+mn-ea"/>
-                <a:cs typeface="+mn-cs"/>
-              </a:defRPr>
-            </a:lvl5pPr>
-            <a:lvl6pPr marL="1100000" indent="-228600" algn="l" defTabSz="914400" rtl="0" eaLnBrk="1" latinLnBrk="0" hangingPunct="1">
-              <a:lnSpc>
-                <a:spcPct val="90000"/>
-              </a:lnSpc>
-              <a:spcBef>
-                <a:spcPts val="200"/>
-              </a:spcBef>
-              <a:spcAft>
-                <a:spcPts val="400"/>
-              </a:spcAft>
-              <a:buClr>
-                <a:schemeClr val="accent1"/>
-              </a:buClr>
-              <a:buFont typeface="Calibri" pitchFamily="34" charset="0"/>
-              <a:buChar char="◦"/>
-              <a:defRPr sz="1400" kern="1200">
-                <a:solidFill>
-                  <a:schemeClr val="tx1">
-                    <a:lumMod val="75000"/>
-                    <a:lumOff val="25000"/>
-                  </a:schemeClr>
-                </a:solidFill>
-                <a:latin typeface="+mn-lt"/>
-                <a:ea typeface="+mn-ea"/>
-                <a:cs typeface="+mn-cs"/>
-              </a:defRPr>
-            </a:lvl6pPr>
-            <a:lvl7pPr marL="1300000" indent="-228600" algn="l" defTabSz="914400" rtl="0" eaLnBrk="1" latinLnBrk="0" hangingPunct="1">
-              <a:lnSpc>
-                <a:spcPct val="90000"/>
-              </a:lnSpc>
-              <a:spcBef>
-                <a:spcPts val="200"/>
-              </a:spcBef>
-              <a:spcAft>
-                <a:spcPts val="400"/>
-              </a:spcAft>
-              <a:buClr>
-                <a:schemeClr val="accent1"/>
-              </a:buClr>
-              <a:buFont typeface="Calibri" pitchFamily="34" charset="0"/>
-              <a:buChar char="◦"/>
-              <a:defRPr sz="1400" kern="1200">
-                <a:solidFill>
-                  <a:schemeClr val="tx1">
-                    <a:lumMod val="75000"/>
-                    <a:lumOff val="25000"/>
-                  </a:schemeClr>
-                </a:solidFill>
-                <a:latin typeface="+mn-lt"/>
-                <a:ea typeface="+mn-ea"/>
-                <a:cs typeface="+mn-cs"/>
-              </a:defRPr>
-            </a:lvl7pPr>
-            <a:lvl8pPr marL="1500000" indent="-228600" algn="l" defTabSz="914400" rtl="0" eaLnBrk="1" latinLnBrk="0" hangingPunct="1">
-              <a:lnSpc>
-                <a:spcPct val="90000"/>
-              </a:lnSpc>
-              <a:spcBef>
-                <a:spcPts val="200"/>
-              </a:spcBef>
-              <a:spcAft>
-                <a:spcPts val="400"/>
-              </a:spcAft>
-              <a:buClr>
-                <a:schemeClr val="accent1"/>
-              </a:buClr>
-              <a:buFont typeface="Calibri" pitchFamily="34" charset="0"/>
-              <a:buChar char="◦"/>
-              <a:defRPr sz="1400" kern="1200">
-                <a:solidFill>
-                  <a:schemeClr val="tx1">
-                    <a:lumMod val="75000"/>
-                    <a:lumOff val="25000"/>
-                  </a:schemeClr>
-                </a:solidFill>
-                <a:latin typeface="+mn-lt"/>
-                <a:ea typeface="+mn-ea"/>
-                <a:cs typeface="+mn-cs"/>
-              </a:defRPr>
-            </a:lvl8pPr>
-            <a:lvl9pPr marL="1700000" indent="-228600" algn="l" defTabSz="914400" rtl="0" eaLnBrk="1" latinLnBrk="0" hangingPunct="1">
-              <a:lnSpc>
-                <a:spcPct val="90000"/>
-              </a:lnSpc>
-              <a:spcBef>
-                <a:spcPts val="200"/>
-              </a:spcBef>
-              <a:spcAft>
-                <a:spcPts val="400"/>
-              </a:spcAft>
-              <a:buClr>
-                <a:schemeClr val="accent1"/>
-              </a:buClr>
-              <a:buFont typeface="Calibri" pitchFamily="34" charset="0"/>
-              <a:buChar char="◦"/>
-              <a:defRPr sz="1400" kern="1200">
-                <a:solidFill>
-                  <a:schemeClr val="tx1">
-                    <a:lumMod val="75000"/>
-                    <a:lumOff val="25000"/>
-                  </a:schemeClr>
-                </a:solidFill>
-                <a:latin typeface="+mn-lt"/>
-                <a:ea typeface="+mn-ea"/>
-                <a:cs typeface="+mn-cs"/>
-              </a:defRPr>
-            </a:lvl9pPr>
-          </a:lstStyle>
-          <a:p>
-            <a:pPr marL="0" indent="0">
-              <a:buFont typeface="Calibri" panose="020F0502020204030204" pitchFamily="34" charset="0"/>
-              <a:buNone/>
-            </a:pPr>
-            <a:r>
-              <a:rPr lang="uk-UA" dirty="0" smtClean="0"/>
-              <a:t>Припущення: </a:t>
-            </a:r>
-          </a:p>
-          <a:p>
-            <a:r>
-              <a:rPr lang="uk-UA" dirty="0"/>
-              <a:t>Відсутність </a:t>
-            </a:r>
-            <a:r>
-              <a:rPr lang="uk-UA" dirty="0" smtClean="0"/>
-              <a:t>арбітражу.</a:t>
-            </a:r>
-            <a:endParaRPr lang="uk-UA" dirty="0"/>
-          </a:p>
-          <a:p>
-            <a:r>
-              <a:rPr lang="uk-UA" dirty="0"/>
-              <a:t>Відсутність ризикової відсоткової </a:t>
-            </a:r>
-            <a:r>
-              <a:rPr lang="uk-UA" dirty="0" smtClean="0"/>
-              <a:t>ставки.</a:t>
-            </a:r>
-            <a:endParaRPr lang="uk-UA" dirty="0"/>
-          </a:p>
-          <a:p>
-            <a:r>
-              <a:rPr lang="uk-UA" dirty="0"/>
-              <a:t>Ринок без </a:t>
-            </a:r>
-            <a:r>
-              <a:rPr lang="uk-UA" dirty="0" smtClean="0"/>
-              <a:t>тертя.</a:t>
-            </a:r>
-            <a:endParaRPr lang="uk-UA" dirty="0"/>
-          </a:p>
-          <a:p>
-            <a:r>
-              <a:rPr lang="uk-UA" dirty="0"/>
-              <a:t>Відсутність обмежень на </a:t>
-            </a:r>
-            <a:r>
-              <a:rPr lang="uk-UA" dirty="0" smtClean="0"/>
-              <a:t>торгівлю.</a:t>
-            </a:r>
-            <a:endParaRPr lang="uk-UA" dirty="0"/>
-          </a:p>
-          <a:p>
-            <a:r>
-              <a:rPr lang="uk-UA" dirty="0"/>
-              <a:t>Ціна активу змінюється випадковим </a:t>
-            </a:r>
-            <a:r>
-              <a:rPr lang="uk-UA" dirty="0" smtClean="0"/>
-              <a:t>чином</a:t>
-            </a:r>
-            <a:r>
-              <a:rPr lang="en-US" dirty="0" smtClean="0"/>
-              <a:t>.</a:t>
-            </a:r>
-            <a:endParaRPr lang="uk-UA" dirty="0"/>
-          </a:p>
-          <a:p>
-            <a:endParaRPr lang="uk-UA" dirty="0" smtClean="0"/>
-          </a:p>
-          <a:p>
-            <a:endParaRPr lang="uk-UA" dirty="0"/>
-          </a:p>
-        </p:txBody>
-      </p:sp>
     </p:spTree>
     <p:extLst>
       <p:ext uri="{BB962C8B-B14F-4D97-AF65-F5344CB8AC3E}">
@@ -8057,7 +8694,7 @@
 </p:sld>
 </file>
 
-<file path=ppt/slides/slide7.xml><?xml version="1.0" encoding="utf-8"?>
+<file path=ppt/slides/slide8.xml><?xml version="1.0" encoding="utf-8"?>
 <p:sld xmlns:a="http://schemas.openxmlformats.org/drawingml/2006/main" xmlns:r="http://schemas.openxmlformats.org/officeDocument/2006/relationships" xmlns:p="http://schemas.openxmlformats.org/presentationml/2006/main">
   <p:cSld>
     <p:spTree>
@@ -9749,13 +10386,13 @@
   <p:clrMapOvr>
     <a:masterClrMapping/>
   </p:clrMapOvr>
-  <mc:AlternateContent xmlns:mc="http://schemas.openxmlformats.org/markup-compatibility/2006">
-    <mc:Choice xmlns:p14="http://schemas.microsoft.com/office/powerpoint/2010/main" Requires="p14">
+  <mc:AlternateContent xmlns:mc="http://schemas.openxmlformats.org/markup-compatibility/2006" xmlns:p14="http://schemas.microsoft.com/office/powerpoint/2010/main">
+    <mc:Choice Requires="p14">
       <p:transition spd="slow" p14:dur="1300">
         <p14:pan dir="u"/>
       </p:transition>
     </mc:Choice>
-    <mc:Fallback>
+    <mc:Fallback xmlns="">
       <p:transition spd="slow">
         <p:fade/>
       </p:transition>
@@ -9771,7 +10408,7 @@
 </p:sld>
 </file>
 
-<file path=ppt/slides/slide8.xml><?xml version="1.0" encoding="utf-8"?>
+<file path=ppt/slides/slide9.xml><?xml version="1.0" encoding="utf-8"?>
 <p:sld xmlns:a="http://schemas.openxmlformats.org/drawingml/2006/main" xmlns:r="http://schemas.openxmlformats.org/officeDocument/2006/relationships" xmlns:p="http://schemas.openxmlformats.org/presentationml/2006/main">
   <p:cSld>
     <p:spTree>
@@ -9941,212 +10578,6 @@
     <p:extLst>
       <p:ext uri="{BB962C8B-B14F-4D97-AF65-F5344CB8AC3E}">
         <p14:creationId xmlns:p14="http://schemas.microsoft.com/office/powerpoint/2010/main" val="1142475493"/>
-      </p:ext>
-    </p:extLst>
-  </p:cSld>
-  <p:clrMapOvr>
-    <a:masterClrMapping/>
-  </p:clrMapOvr>
-  <p:transition spd="slow">
-    <p:push dir="u"/>
-  </p:transition>
-  <p:timing>
-    <p:tnLst>
-      <p:par>
-        <p:cTn id="1" dur="indefinite" restart="never" nodeType="tmRoot"/>
-      </p:par>
-    </p:tnLst>
-  </p:timing>
-</p:sld>
-</file>
-
-<file path=ppt/slides/slide9.xml><?xml version="1.0" encoding="utf-8"?>
-<p:sld xmlns:a="http://schemas.openxmlformats.org/drawingml/2006/main" xmlns:r="http://schemas.openxmlformats.org/officeDocument/2006/relationships" xmlns:p="http://schemas.openxmlformats.org/presentationml/2006/main">
-  <p:cSld>
-    <p:spTree>
-      <p:nvGrpSpPr>
-        <p:cNvPr id="1" name=""/>
-        <p:cNvGrpSpPr/>
-        <p:nvPr/>
-      </p:nvGrpSpPr>
-      <p:grpSpPr>
-        <a:xfrm>
-          <a:off x="0" y="0"/>
-          <a:ext cx="0" cy="0"/>
-          <a:chOff x="0" y="0"/>
-          <a:chExt cx="0" cy="0"/>
-        </a:xfrm>
-      </p:grpSpPr>
-      <p:pic>
-        <p:nvPicPr>
-          <p:cNvPr id="7" name="Google Shape;69;p2"/>
-          <p:cNvPicPr preferRelativeResize="0"/>
-          <p:nvPr/>
-        </p:nvPicPr>
-        <p:blipFill rotWithShape="1">
-          <a:blip r:embed="rId2">
-            <a:alphaModFix/>
-          </a:blip>
-          <a:srcRect/>
-          <a:stretch/>
-        </p:blipFill>
-        <p:spPr>
-          <a:xfrm>
-            <a:off x="9" y="0"/>
-            <a:ext cx="1331486" cy="6858000"/>
-          </a:xfrm>
-          <a:prstGeom prst="rect">
-            <a:avLst/>
-          </a:prstGeom>
-          <a:solidFill>
-            <a:srgbClr val="FFC000"/>
-          </a:solidFill>
-          <a:ln>
-            <a:noFill/>
-          </a:ln>
-        </p:spPr>
-      </p:pic>
-      <p:pic>
-        <p:nvPicPr>
-          <p:cNvPr id="8" name="Google Shape;74;p2"/>
-          <p:cNvPicPr preferRelativeResize="0"/>
-          <p:nvPr/>
-        </p:nvPicPr>
-        <p:blipFill>
-          <a:blip r:embed="rId3">
-            <a:alphaModFix/>
-          </a:blip>
-          <a:stretch>
-            <a:fillRect/>
-          </a:stretch>
-        </p:blipFill>
-        <p:spPr>
-          <a:xfrm>
-            <a:off x="0" y="188963"/>
-            <a:ext cx="1331510" cy="1261808"/>
-          </a:xfrm>
-          <a:prstGeom prst="rect">
-            <a:avLst/>
-          </a:prstGeom>
-          <a:noFill/>
-          <a:ln>
-            <a:noFill/>
-          </a:ln>
-        </p:spPr>
-      </p:pic>
-      <p:sp>
-        <p:nvSpPr>
-          <p:cNvPr id="11" name="TextBox 10"/>
-          <p:cNvSpPr txBox="1"/>
-          <p:nvPr/>
-        </p:nvSpPr>
-        <p:spPr>
-          <a:xfrm>
-            <a:off x="1686757" y="742885"/>
-            <a:ext cx="3240118" cy="707886"/>
-          </a:xfrm>
-          <a:prstGeom prst="rect">
-            <a:avLst/>
-          </a:prstGeom>
-          <a:noFill/>
-        </p:spPr>
-        <p:txBody>
-          <a:bodyPr wrap="none" rtlCol="0">
-            <a:spAutoFit/>
-          </a:bodyPr>
-          <a:lstStyle/>
-          <a:p>
-            <a:r>
-              <a:rPr lang="en-US" sz="4000" dirty="0" smtClean="0"/>
-              <a:t>Yahoo finance</a:t>
-            </a:r>
-            <a:r>
-              <a:rPr lang="uk-UA" sz="4000" dirty="0" smtClean="0"/>
-              <a:t>:</a:t>
-            </a:r>
-            <a:endParaRPr lang="uk-UA" sz="4000" dirty="0"/>
-          </a:p>
-        </p:txBody>
-      </p:sp>
-      <p:sp>
-        <p:nvSpPr>
-          <p:cNvPr id="13" name="TextBox 12"/>
-          <p:cNvSpPr txBox="1"/>
-          <p:nvPr/>
-        </p:nvSpPr>
-        <p:spPr>
-          <a:xfrm>
-            <a:off x="1686758" y="2423602"/>
-            <a:ext cx="3189524" cy="2031325"/>
-          </a:xfrm>
-          <a:prstGeom prst="rect">
-            <a:avLst/>
-          </a:prstGeom>
-          <a:noFill/>
-        </p:spPr>
-        <p:txBody>
-          <a:bodyPr wrap="square" rtlCol="0">
-            <a:spAutoFit/>
-          </a:bodyPr>
-          <a:lstStyle/>
-          <a:p>
-            <a:r>
-              <a:rPr lang="uk-UA" dirty="0" smtClean="0"/>
-              <a:t>Для порівняння реалізованих моделей використовується загальнодоступна платформа</a:t>
-            </a:r>
-          </a:p>
-          <a:p>
-            <a:r>
-              <a:rPr lang="en-US" dirty="0"/>
-              <a:t>Yahoo </a:t>
-            </a:r>
-            <a:r>
-              <a:rPr lang="en-US" dirty="0" smtClean="0"/>
-              <a:t>finance</a:t>
-            </a:r>
-            <a:r>
-              <a:rPr lang="uk-UA" dirty="0" smtClean="0"/>
-              <a:t/>
-            </a:r>
-            <a:br>
-              <a:rPr lang="uk-UA" dirty="0" smtClean="0"/>
-            </a:br>
-            <a:r>
-              <a:rPr lang="uk-UA" dirty="0" smtClean="0"/>
-              <a:t>вона дає інформацію про укладені опціони на своїй платформі.</a:t>
-            </a:r>
-            <a:endParaRPr lang="uk-UA" dirty="0"/>
-          </a:p>
-        </p:txBody>
-      </p:sp>
-      <p:pic>
-        <p:nvPicPr>
-          <p:cNvPr id="2" name="Рисунок 1"/>
-          <p:cNvPicPr>
-            <a:picLocks noChangeAspect="1"/>
-          </p:cNvPicPr>
-          <p:nvPr/>
-        </p:nvPicPr>
-        <p:blipFill>
-          <a:blip r:embed="rId4"/>
-          <a:stretch>
-            <a:fillRect/>
-          </a:stretch>
-        </p:blipFill>
-        <p:spPr>
-          <a:xfrm>
-            <a:off x="4876296" y="1455204"/>
-            <a:ext cx="7315704" cy="4715482"/>
-          </a:xfrm>
-          <a:prstGeom prst="rect">
-            <a:avLst/>
-          </a:prstGeom>
-        </p:spPr>
-      </p:pic>
-    </p:spTree>
-    <p:extLst>
-      <p:ext uri="{BB962C8B-B14F-4D97-AF65-F5344CB8AC3E}">
-        <p14:creationId xmlns:p14="http://schemas.microsoft.com/office/powerpoint/2010/main" val="1091253663"/>
       </p:ext>
     </p:extLst>
   </p:cSld>
